--- a/materials/slides/ch03/03 Virtual User Generator基础.pptx
+++ b/materials/slides/ch03/03 Virtual User Generator基础.pptx
@@ -5,7 +5,7 @@
     <p:sldMasterId id="2147483660" r:id="rId1"/>
   </p:sldMasterIdLst>
   <p:notesMasterIdLst>
-    <p:notesMasterId r:id="rId36"/>
+    <p:notesMasterId r:id="rId25"/>
   </p:notesMasterIdLst>
   <p:sldIdLst>
     <p:sldId id="256" r:id="rId2"/>
@@ -13,37 +13,26 @@
     <p:sldId id="289" r:id="rId4"/>
     <p:sldId id="290" r:id="rId5"/>
     <p:sldId id="291" r:id="rId6"/>
-    <p:sldId id="292" r:id="rId7"/>
+    <p:sldId id="324" r:id="rId7"/>
     <p:sldId id="293" r:id="rId8"/>
     <p:sldId id="294" r:id="rId9"/>
     <p:sldId id="295" r:id="rId10"/>
     <p:sldId id="296" r:id="rId11"/>
     <p:sldId id="297" r:id="rId12"/>
     <p:sldId id="299" r:id="rId13"/>
-    <p:sldId id="301" r:id="rId14"/>
-    <p:sldId id="302" r:id="rId15"/>
-    <p:sldId id="303" r:id="rId16"/>
-    <p:sldId id="304" r:id="rId17"/>
-    <p:sldId id="305" r:id="rId18"/>
-    <p:sldId id="322" r:id="rId19"/>
-    <p:sldId id="323" r:id="rId20"/>
-    <p:sldId id="307" r:id="rId21"/>
-    <p:sldId id="308" r:id="rId22"/>
-    <p:sldId id="309" r:id="rId23"/>
-    <p:sldId id="310" r:id="rId24"/>
-    <p:sldId id="311" r:id="rId25"/>
-    <p:sldId id="312" r:id="rId26"/>
-    <p:sldId id="313" r:id="rId27"/>
-    <p:sldId id="314" r:id="rId28"/>
-    <p:sldId id="315" r:id="rId29"/>
-    <p:sldId id="316" r:id="rId30"/>
-    <p:sldId id="317" r:id="rId31"/>
-    <p:sldId id="318" r:id="rId32"/>
-    <p:sldId id="319" r:id="rId33"/>
-    <p:sldId id="320" r:id="rId34"/>
-    <p:sldId id="321" r:id="rId35"/>
+    <p:sldId id="325" r:id="rId14"/>
+    <p:sldId id="301" r:id="rId15"/>
+    <p:sldId id="302" r:id="rId16"/>
+    <p:sldId id="326" r:id="rId17"/>
+    <p:sldId id="303" r:id="rId18"/>
+    <p:sldId id="304" r:id="rId19"/>
+    <p:sldId id="305" r:id="rId20"/>
+    <p:sldId id="322" r:id="rId21"/>
+    <p:sldId id="323" r:id="rId22"/>
+    <p:sldId id="307" r:id="rId23"/>
+    <p:sldId id="308" r:id="rId24"/>
   </p:sldIdLst>
-  <p:sldSz cx="9144000" cy="6858000" type="screen4x3"/>
+  <p:sldSz cx="9144000" cy="5143500" type="screen16x9"/>
   <p:notesSz cx="6858000" cy="9144000"/>
   <p:defaultTextStyle>
     <a:defPPr>
@@ -2491,28 +2480,28 @@
     </dgm:pt>
   </dgm:ptLst>
   <dgm:cxnLst>
+    <dgm:cxn modelId="{ADAA652E-9A95-4FE2-B697-7D994F6F0089}" type="presOf" srcId="{F3951931-37D1-49F4-A17F-0AA4275E14EA}" destId="{3B8FD8EE-2DCA-4D04-A6F5-61D8E9AB0CAC}" srcOrd="0" destOrd="0" presId="urn:microsoft.com/office/officeart/2005/8/layout/process4"/>
+    <dgm:cxn modelId="{435C5684-3197-46CA-9F05-026E61D7B1FC}" srcId="{5DEFB192-CC75-4D77-BC1E-76DA0D96FCF8}" destId="{68F27188-9D0D-4579-8541-F69D4D0AD884}" srcOrd="0" destOrd="0" parTransId="{DA36FCFE-3651-4665-88C6-61F81B0DF337}" sibTransId="{D2F12EEC-BE1A-44A0-92C1-E6351A612296}"/>
+    <dgm:cxn modelId="{F901F2C8-7CA4-4EB7-8CF1-CB62E5E1FC36}" type="presOf" srcId="{5DEFB192-CC75-4D77-BC1E-76DA0D96FCF8}" destId="{80C4C253-F3CC-427E-B5BC-9D3D9F0EAC7B}" srcOrd="1" destOrd="0" presId="urn:microsoft.com/office/officeart/2005/8/layout/process4"/>
+    <dgm:cxn modelId="{F87C1622-54B2-4218-AFA7-3E2BA4405F38}" srcId="{34AE5CF4-1AFA-4E06-A487-C901F15105CB}" destId="{60508791-7A69-4F68-8A80-A873CFA15328}" srcOrd="2" destOrd="0" parTransId="{8AE69A79-F46A-478C-8A4B-2934663178F3}" sibTransId="{2A2F5CBA-C8A5-42AE-92E8-1AB62BE86349}"/>
+    <dgm:cxn modelId="{FB1698D4-2D3E-4138-BCF5-97D77BD6FE01}" type="presOf" srcId="{60508791-7A69-4F68-8A80-A873CFA15328}" destId="{0686FFA8-42C0-40C3-81C3-806407F57D94}" srcOrd="0" destOrd="0" presId="urn:microsoft.com/office/officeart/2005/8/layout/process4"/>
+    <dgm:cxn modelId="{AD426B8D-E046-4FA7-9B87-02FE997C996A}" type="presOf" srcId="{0EB7AC4D-CBB5-48AE-AD05-A89C211E7674}" destId="{A748E2B8-E8AE-459F-BE06-AF6185E71E92}" srcOrd="0" destOrd="0" presId="urn:microsoft.com/office/officeart/2005/8/layout/process4"/>
+    <dgm:cxn modelId="{33A0F711-9D40-4B5A-AE96-1E606650A509}" srcId="{34AE5CF4-1AFA-4E06-A487-C901F15105CB}" destId="{01F7BFF8-AEE2-4307-978D-72FD544536BC}" srcOrd="0" destOrd="0" parTransId="{A5EDCB5A-BD5F-4164-8058-0A4DAB77F200}" sibTransId="{5EF04E45-ABAC-48A3-B652-70E2BF49CF16}"/>
+    <dgm:cxn modelId="{9E4E7702-CC56-465A-98F3-F551AD48E40F}" srcId="{01F7BFF8-AEE2-4307-978D-72FD544536BC}" destId="{F3951931-37D1-49F4-A17F-0AA4275E14EA}" srcOrd="1" destOrd="0" parTransId="{33380E35-B494-405A-98D1-67A955FAEA51}" sibTransId="{22F17BB4-6D2B-4374-B005-088927D2F01E}"/>
+    <dgm:cxn modelId="{5BBE43D2-6390-489D-8D06-C2310C1E795D}" srcId="{60508791-7A69-4F68-8A80-A873CFA15328}" destId="{5C291062-2A50-4F22-82C0-A414AFE21660}" srcOrd="0" destOrd="0" parTransId="{F6303C8A-9EFA-445C-8128-24439FF1DF5F}" sibTransId="{A9DD2B95-C604-4070-B9FC-FB54D6ABB919}"/>
+    <dgm:cxn modelId="{2F90E89D-9F11-494D-8FAD-3D23D91578EC}" type="presOf" srcId="{34AE5CF4-1AFA-4E06-A487-C901F15105CB}" destId="{3FA36FCD-B4D5-4C78-BEC7-937E8AEA2B9E}" srcOrd="0" destOrd="0" presId="urn:microsoft.com/office/officeart/2005/8/layout/process4"/>
+    <dgm:cxn modelId="{48870FAE-2B2F-4A2B-AF84-AA476F052627}" srcId="{60508791-7A69-4F68-8A80-A873CFA15328}" destId="{11AF5375-B905-43B6-B363-ACA4500D7FA7}" srcOrd="1" destOrd="0" parTransId="{0B6B3004-D21A-4990-9BAB-090B15BE1E26}" sibTransId="{4C9F9036-0251-444A-B0C4-182C4A973BC9}"/>
+    <dgm:cxn modelId="{F028F782-D988-4801-B499-B10FC2B43936}" type="presOf" srcId="{01F7BFF8-AEE2-4307-978D-72FD544536BC}" destId="{8FA7161E-225B-4905-B819-AF73231A5A55}" srcOrd="1" destOrd="0" presId="urn:microsoft.com/office/officeart/2005/8/layout/process4"/>
+    <dgm:cxn modelId="{726567E2-DF4E-443E-A685-E0A298C318E6}" type="presOf" srcId="{5C291062-2A50-4F22-82C0-A414AFE21660}" destId="{5BD278B1-7145-4AC7-BD26-53E7D7AD6B78}" srcOrd="0" destOrd="0" presId="urn:microsoft.com/office/officeart/2005/8/layout/process4"/>
+    <dgm:cxn modelId="{EB87B35D-B970-4DCF-8F0E-E85082794285}" srcId="{01F7BFF8-AEE2-4307-978D-72FD544536BC}" destId="{BDE65DEC-8E56-468C-9107-E23A970579CB}" srcOrd="0" destOrd="0" parTransId="{2268C120-C4AF-46A0-9714-1B3B890105B3}" sibTransId="{B817622D-B0A2-42FF-B026-EAD8AE0FD395}"/>
     <dgm:cxn modelId="{42A7016A-84F4-4BB8-BAE6-62A7E7513A80}" type="presOf" srcId="{60508791-7A69-4F68-8A80-A873CFA15328}" destId="{80BF6343-45F3-4F2D-82A8-8CB97949DC96}" srcOrd="1" destOrd="0" presId="urn:microsoft.com/office/officeart/2005/8/layout/process4"/>
+    <dgm:cxn modelId="{6235002B-D389-4FA9-B391-B419BC741D21}" srcId="{34AE5CF4-1AFA-4E06-A487-C901F15105CB}" destId="{5DEFB192-CC75-4D77-BC1E-76DA0D96FCF8}" srcOrd="1" destOrd="0" parTransId="{3FB48CD5-C3D6-443C-B7BC-583E279B4B6A}" sibTransId="{434E353E-B7A4-4E23-9CAF-CFD013468B2A}"/>
+    <dgm:cxn modelId="{A86F3533-961E-4021-809D-3CCBE8694472}" type="presOf" srcId="{BDE65DEC-8E56-468C-9107-E23A970579CB}" destId="{55615565-4810-469E-AB98-FB7F982602A4}" srcOrd="0" destOrd="0" presId="urn:microsoft.com/office/officeart/2005/8/layout/process4"/>
+    <dgm:cxn modelId="{C5AF076D-F1CA-4FE8-8737-770BF0D15752}" type="presOf" srcId="{5DEFB192-CC75-4D77-BC1E-76DA0D96FCF8}" destId="{4DA1137B-5DF3-4134-97CE-EA5B67EEA0E0}" srcOrd="0" destOrd="0" presId="urn:microsoft.com/office/officeart/2005/8/layout/process4"/>
+    <dgm:cxn modelId="{E60BAF22-0D83-4B30-B188-DF74298B4969}" srcId="{5DEFB192-CC75-4D77-BC1E-76DA0D96FCF8}" destId="{0EB7AC4D-CBB5-48AE-AD05-A89C211E7674}" srcOrd="1" destOrd="0" parTransId="{FA2D04E9-0B24-431A-8BC5-025782F20092}" sibTransId="{E7CBB069-09BC-4819-AC41-9EE3B206EC86}"/>
     <dgm:cxn modelId="{DD6670F8-E1A8-4E88-8B07-AB68B7818C2C}" type="presOf" srcId="{01F7BFF8-AEE2-4307-978D-72FD544536BC}" destId="{3CED9951-593C-4576-B8A0-92F8A7C18679}" srcOrd="0" destOrd="0" presId="urn:microsoft.com/office/officeart/2005/8/layout/process4"/>
-    <dgm:cxn modelId="{E60BAF22-0D83-4B30-B188-DF74298B4969}" srcId="{5DEFB192-CC75-4D77-BC1E-76DA0D96FCF8}" destId="{0EB7AC4D-CBB5-48AE-AD05-A89C211E7674}" srcOrd="1" destOrd="0" parTransId="{FA2D04E9-0B24-431A-8BC5-025782F20092}" sibTransId="{E7CBB069-09BC-4819-AC41-9EE3B206EC86}"/>
-    <dgm:cxn modelId="{ADAA652E-9A95-4FE2-B697-7D994F6F0089}" type="presOf" srcId="{F3951931-37D1-49F4-A17F-0AA4275E14EA}" destId="{3B8FD8EE-2DCA-4D04-A6F5-61D8E9AB0CAC}" srcOrd="0" destOrd="0" presId="urn:microsoft.com/office/officeart/2005/8/layout/process4"/>
-    <dgm:cxn modelId="{9E4E7702-CC56-465A-98F3-F551AD48E40F}" srcId="{01F7BFF8-AEE2-4307-978D-72FD544536BC}" destId="{F3951931-37D1-49F4-A17F-0AA4275E14EA}" srcOrd="1" destOrd="0" parTransId="{33380E35-B494-405A-98D1-67A955FAEA51}" sibTransId="{22F17BB4-6D2B-4374-B005-088927D2F01E}"/>
-    <dgm:cxn modelId="{F901F2C8-7CA4-4EB7-8CF1-CB62E5E1FC36}" type="presOf" srcId="{5DEFB192-CC75-4D77-BC1E-76DA0D96FCF8}" destId="{80C4C253-F3CC-427E-B5BC-9D3D9F0EAC7B}" srcOrd="1" destOrd="0" presId="urn:microsoft.com/office/officeart/2005/8/layout/process4"/>
-    <dgm:cxn modelId="{FB1698D4-2D3E-4138-BCF5-97D77BD6FE01}" type="presOf" srcId="{60508791-7A69-4F68-8A80-A873CFA15328}" destId="{0686FFA8-42C0-40C3-81C3-806407F57D94}" srcOrd="0" destOrd="0" presId="urn:microsoft.com/office/officeart/2005/8/layout/process4"/>
-    <dgm:cxn modelId="{F028F782-D988-4801-B499-B10FC2B43936}" type="presOf" srcId="{01F7BFF8-AEE2-4307-978D-72FD544536BC}" destId="{8FA7161E-225B-4905-B819-AF73231A5A55}" srcOrd="1" destOrd="0" presId="urn:microsoft.com/office/officeart/2005/8/layout/process4"/>
-    <dgm:cxn modelId="{6235002B-D389-4FA9-B391-B419BC741D21}" srcId="{34AE5CF4-1AFA-4E06-A487-C901F15105CB}" destId="{5DEFB192-CC75-4D77-BC1E-76DA0D96FCF8}" srcOrd="1" destOrd="0" parTransId="{3FB48CD5-C3D6-443C-B7BC-583E279B4B6A}" sibTransId="{434E353E-B7A4-4E23-9CAF-CFD013468B2A}"/>
-    <dgm:cxn modelId="{F87C1622-54B2-4218-AFA7-3E2BA4405F38}" srcId="{34AE5CF4-1AFA-4E06-A487-C901F15105CB}" destId="{60508791-7A69-4F68-8A80-A873CFA15328}" srcOrd="2" destOrd="0" parTransId="{8AE69A79-F46A-478C-8A4B-2934663178F3}" sibTransId="{2A2F5CBA-C8A5-42AE-92E8-1AB62BE86349}"/>
-    <dgm:cxn modelId="{AD426B8D-E046-4FA7-9B87-02FE997C996A}" type="presOf" srcId="{0EB7AC4D-CBB5-48AE-AD05-A89C211E7674}" destId="{A748E2B8-E8AE-459F-BE06-AF6185E71E92}" srcOrd="0" destOrd="0" presId="urn:microsoft.com/office/officeart/2005/8/layout/process4"/>
-    <dgm:cxn modelId="{EB87B35D-B970-4DCF-8F0E-E85082794285}" srcId="{01F7BFF8-AEE2-4307-978D-72FD544536BC}" destId="{BDE65DEC-8E56-468C-9107-E23A970579CB}" srcOrd="0" destOrd="0" parTransId="{2268C120-C4AF-46A0-9714-1B3B890105B3}" sibTransId="{B817622D-B0A2-42FF-B026-EAD8AE0FD395}"/>
-    <dgm:cxn modelId="{2F90E89D-9F11-494D-8FAD-3D23D91578EC}" type="presOf" srcId="{34AE5CF4-1AFA-4E06-A487-C901F15105CB}" destId="{3FA36FCD-B4D5-4C78-BEC7-937E8AEA2B9E}" srcOrd="0" destOrd="0" presId="urn:microsoft.com/office/officeart/2005/8/layout/process4"/>
     <dgm:cxn modelId="{38038F76-C908-42B3-B4B0-1DA4328F2947}" type="presOf" srcId="{68F27188-9D0D-4579-8541-F69D4D0AD884}" destId="{BC19EA49-9BD6-4B0B-A643-14E2D1D51FD7}" srcOrd="0" destOrd="0" presId="urn:microsoft.com/office/officeart/2005/8/layout/process4"/>
-    <dgm:cxn modelId="{33A0F711-9D40-4B5A-AE96-1E606650A509}" srcId="{34AE5CF4-1AFA-4E06-A487-C901F15105CB}" destId="{01F7BFF8-AEE2-4307-978D-72FD544536BC}" srcOrd="0" destOrd="0" parTransId="{A5EDCB5A-BD5F-4164-8058-0A4DAB77F200}" sibTransId="{5EF04E45-ABAC-48A3-B652-70E2BF49CF16}"/>
     <dgm:cxn modelId="{58C31B3F-0567-46F8-B025-DC4E53799CBD}" type="presOf" srcId="{11AF5375-B905-43B6-B363-ACA4500D7FA7}" destId="{F90F6698-48CE-41FF-B784-EAC805DE1AE5}" srcOrd="0" destOrd="0" presId="urn:microsoft.com/office/officeart/2005/8/layout/process4"/>
-    <dgm:cxn modelId="{C5AF076D-F1CA-4FE8-8737-770BF0D15752}" type="presOf" srcId="{5DEFB192-CC75-4D77-BC1E-76DA0D96FCF8}" destId="{4DA1137B-5DF3-4134-97CE-EA5B67EEA0E0}" srcOrd="0" destOrd="0" presId="urn:microsoft.com/office/officeart/2005/8/layout/process4"/>
-    <dgm:cxn modelId="{A86F3533-961E-4021-809D-3CCBE8694472}" type="presOf" srcId="{BDE65DEC-8E56-468C-9107-E23A970579CB}" destId="{55615565-4810-469E-AB98-FB7F982602A4}" srcOrd="0" destOrd="0" presId="urn:microsoft.com/office/officeart/2005/8/layout/process4"/>
-    <dgm:cxn modelId="{5BBE43D2-6390-489D-8D06-C2310C1E795D}" srcId="{60508791-7A69-4F68-8A80-A873CFA15328}" destId="{5C291062-2A50-4F22-82C0-A414AFE21660}" srcOrd="0" destOrd="0" parTransId="{F6303C8A-9EFA-445C-8128-24439FF1DF5F}" sibTransId="{A9DD2B95-C604-4070-B9FC-FB54D6ABB919}"/>
-    <dgm:cxn modelId="{435C5684-3197-46CA-9F05-026E61D7B1FC}" srcId="{5DEFB192-CC75-4D77-BC1E-76DA0D96FCF8}" destId="{68F27188-9D0D-4579-8541-F69D4D0AD884}" srcOrd="0" destOrd="0" parTransId="{DA36FCFE-3651-4665-88C6-61F81B0DF337}" sibTransId="{D2F12EEC-BE1A-44A0-92C1-E6351A612296}"/>
-    <dgm:cxn modelId="{48870FAE-2B2F-4A2B-AF84-AA476F052627}" srcId="{60508791-7A69-4F68-8A80-A873CFA15328}" destId="{11AF5375-B905-43B6-B363-ACA4500D7FA7}" srcOrd="1" destOrd="0" parTransId="{0B6B3004-D21A-4990-9BAB-090B15BE1E26}" sibTransId="{4C9F9036-0251-444A-B0C4-182C4A973BC9}"/>
-    <dgm:cxn modelId="{726567E2-DF4E-443E-A685-E0A298C318E6}" type="presOf" srcId="{5C291062-2A50-4F22-82C0-A414AFE21660}" destId="{5BD278B1-7145-4AC7-BD26-53E7D7AD6B78}" srcOrd="0" destOrd="0" presId="urn:microsoft.com/office/officeart/2005/8/layout/process4"/>
     <dgm:cxn modelId="{391FCB15-8E77-4E9D-9697-038E505A2D9C}" type="presParOf" srcId="{3FA36FCD-B4D5-4C78-BEC7-937E8AEA2B9E}" destId="{D2CD66A3-77AB-473B-9E45-0D6A165516FB}" srcOrd="0" destOrd="0" presId="urn:microsoft.com/office/officeart/2005/8/layout/process4"/>
     <dgm:cxn modelId="{012C6E4D-1AEC-4EDC-B39F-C987EEE55965}" type="presParOf" srcId="{D2CD66A3-77AB-473B-9E45-0D6A165516FB}" destId="{0686FFA8-42C0-40C3-81C3-806407F57D94}" srcOrd="0" destOrd="0" presId="urn:microsoft.com/office/officeart/2005/8/layout/process4"/>
     <dgm:cxn modelId="{8F33634E-7CC6-4A59-95E7-189CD76D4566}" type="presParOf" srcId="{D2CD66A3-77AB-473B-9E45-0D6A165516FB}" destId="{80BF6343-45F3-4F2D-82A8-8CB97949DC96}" srcOrd="1" destOrd="0" presId="urn:microsoft.com/office/officeart/2005/8/layout/process4"/>
@@ -3176,21 +3165,21 @@
   </dgm:ptLst>
   <dgm:cxnLst>
     <dgm:cxn modelId="{2C5CFE18-EBB6-4EC9-BF4B-4CDA0653FF17}" type="presOf" srcId="{817FDC4B-1AD4-4D22-A22E-BDB3B35D38F6}" destId="{D1F5EB53-15C2-4934-A386-10A60E78570C}" srcOrd="0" destOrd="0" presId="urn:microsoft.com/office/officeart/2008/layout/HexagonCluster"/>
+    <dgm:cxn modelId="{1C103380-7181-4300-9E05-6FB223A251BC}" type="presOf" srcId="{33EED54C-60C3-4592-B321-760D5A3FDB5F}" destId="{7CC4C60D-ED8F-4895-95B8-2122AF2808CB}" srcOrd="0" destOrd="0" presId="urn:microsoft.com/office/officeart/2008/layout/HexagonCluster"/>
+    <dgm:cxn modelId="{8CD12FC7-F309-414E-B09D-FE7C97A7033B}" srcId="{817FDC4B-1AD4-4D22-A22E-BDB3B35D38F6}" destId="{535DFC15-FE5C-4D96-B595-C28FDA2EF018}" srcOrd="3" destOrd="0" parTransId="{BF888BA8-ABA8-44BD-8244-2ED82E59967F}" sibTransId="{33EED54C-60C3-4592-B321-760D5A3FDB5F}"/>
+    <dgm:cxn modelId="{8879A4E0-64B2-44C4-9319-336E43C09C7C}" type="presOf" srcId="{EBCB0DAA-4619-4025-8DD1-0EE98CAA8576}" destId="{9898F361-8795-4FE7-99F2-81B2897DA7B8}" srcOrd="0" destOrd="0" presId="urn:microsoft.com/office/officeart/2008/layout/HexagonCluster"/>
     <dgm:cxn modelId="{5FF80B12-E408-435D-A5C5-F5B3802B810A}" type="presOf" srcId="{1D530DC9-98B3-470E-B4A2-B5630DF55EBA}" destId="{CD676E23-78CA-4090-AFD0-97D7FF645941}" srcOrd="0" destOrd="0" presId="urn:microsoft.com/office/officeart/2008/layout/HexagonCluster"/>
+    <dgm:cxn modelId="{8FDEA2B7-303C-4DE8-9FF4-B7B07673A54F}" srcId="{817FDC4B-1AD4-4D22-A22E-BDB3B35D38F6}" destId="{D4A8B75E-612B-4733-98A9-B141F049C0F6}" srcOrd="1" destOrd="0" parTransId="{D7AB9852-E58C-4A9E-86FE-9BACCA8041DC}" sibTransId="{7885C1BD-B3F1-4077-9E61-B308F8C5DE88}"/>
+    <dgm:cxn modelId="{BC5593F0-9842-4955-9CB4-3454BE060B5A}" type="presOf" srcId="{F8578B36-147F-450D-A6CD-1FD1F003FD3F}" destId="{2F8E7381-5734-4AF2-9F05-9EC3ADFCF186}" srcOrd="0" destOrd="0" presId="urn:microsoft.com/office/officeart/2008/layout/HexagonCluster"/>
+    <dgm:cxn modelId="{DB90FF4D-D5BB-449A-9146-4C9E14883487}" srcId="{817FDC4B-1AD4-4D22-A22E-BDB3B35D38F6}" destId="{DECCB897-5BA2-4A7E-B5E6-F457A9E093BE}" srcOrd="4" destOrd="0" parTransId="{B467D5DE-6BBD-4E95-AE31-FA4629481A2A}" sibTransId="{1D530DC9-98B3-470E-B4A2-B5630DF55EBA}"/>
+    <dgm:cxn modelId="{6BA25FC0-1EF8-4490-993E-6CD90859C1AB}" type="presOf" srcId="{AA57A5C8-BB79-4C68-B603-97995F7838DD}" destId="{7A815C2B-A3A2-4657-A297-BA0B0F7644BF}" srcOrd="0" destOrd="0" presId="urn:microsoft.com/office/officeart/2008/layout/HexagonCluster"/>
+    <dgm:cxn modelId="{3133A441-0CA2-4618-97AA-0523B94038EE}" type="presOf" srcId="{BCD4AAC2-0F38-4F04-8781-F016C7905630}" destId="{13FD9861-E442-43E2-B3A9-8794688DA2D1}" srcOrd="0" destOrd="0" presId="urn:microsoft.com/office/officeart/2008/layout/HexagonCluster"/>
     <dgm:cxn modelId="{BA98BC42-1D35-4292-9D4C-AA5526BCA08D}" type="presOf" srcId="{D4A8B75E-612B-4733-98A9-B141F049C0F6}" destId="{C06D903E-2AAD-4AD2-BAEF-73BA12365631}" srcOrd="0" destOrd="0" presId="urn:microsoft.com/office/officeart/2008/layout/HexagonCluster"/>
+    <dgm:cxn modelId="{3749496B-F970-4660-9F70-2DE30A94F866}" type="presOf" srcId="{535DFC15-FE5C-4D96-B595-C28FDA2EF018}" destId="{5A94CC82-680E-4196-9861-DD7ED57D811C}" srcOrd="0" destOrd="0" presId="urn:microsoft.com/office/officeart/2008/layout/HexagonCluster"/>
+    <dgm:cxn modelId="{BBF12310-68D3-45A1-A457-76736DA2435F}" srcId="{817FDC4B-1AD4-4D22-A22E-BDB3B35D38F6}" destId="{AA57A5C8-BB79-4C68-B603-97995F7838DD}" srcOrd="0" destOrd="0" parTransId="{1807B9DE-9030-4988-8B52-5A3092636477}" sibTransId="{EBCB0DAA-4619-4025-8DD1-0EE98CAA8576}"/>
     <dgm:cxn modelId="{796B06E1-119C-40F6-9986-93D6FA80C72B}" srcId="{817FDC4B-1AD4-4D22-A22E-BDB3B35D38F6}" destId="{F8578B36-147F-450D-A6CD-1FD1F003FD3F}" srcOrd="2" destOrd="0" parTransId="{3F6C4B83-30EE-42E9-A545-DD89E6CF66F7}" sibTransId="{BCD4AAC2-0F38-4F04-8781-F016C7905630}"/>
-    <dgm:cxn modelId="{1C103380-7181-4300-9E05-6FB223A251BC}" type="presOf" srcId="{33EED54C-60C3-4592-B321-760D5A3FDB5F}" destId="{7CC4C60D-ED8F-4895-95B8-2122AF2808CB}" srcOrd="0" destOrd="0" presId="urn:microsoft.com/office/officeart/2008/layout/HexagonCluster"/>
+    <dgm:cxn modelId="{FC5F610A-EB4B-45A4-88C8-CB633014595B}" type="presOf" srcId="{DECCB897-5BA2-4A7E-B5E6-F457A9E093BE}" destId="{62907D7D-AEE5-4EDD-8D3F-0A704B3CC073}" srcOrd="0" destOrd="0" presId="urn:microsoft.com/office/officeart/2008/layout/HexagonCluster"/>
     <dgm:cxn modelId="{C633D13B-67FE-4492-9A27-4278D2A68B63}" type="presOf" srcId="{7885C1BD-B3F1-4077-9E61-B308F8C5DE88}" destId="{FAFDD83C-AA6C-4ADD-AF56-9D7B8D31CE43}" srcOrd="0" destOrd="0" presId="urn:microsoft.com/office/officeart/2008/layout/HexagonCluster"/>
-    <dgm:cxn modelId="{BBF12310-68D3-45A1-A457-76736DA2435F}" srcId="{817FDC4B-1AD4-4D22-A22E-BDB3B35D38F6}" destId="{AA57A5C8-BB79-4C68-B603-97995F7838DD}" srcOrd="0" destOrd="0" parTransId="{1807B9DE-9030-4988-8B52-5A3092636477}" sibTransId="{EBCB0DAA-4619-4025-8DD1-0EE98CAA8576}"/>
-    <dgm:cxn modelId="{3133A441-0CA2-4618-97AA-0523B94038EE}" type="presOf" srcId="{BCD4AAC2-0F38-4F04-8781-F016C7905630}" destId="{13FD9861-E442-43E2-B3A9-8794688DA2D1}" srcOrd="0" destOrd="0" presId="urn:microsoft.com/office/officeart/2008/layout/HexagonCluster"/>
-    <dgm:cxn modelId="{8CD12FC7-F309-414E-B09D-FE7C97A7033B}" srcId="{817FDC4B-1AD4-4D22-A22E-BDB3B35D38F6}" destId="{535DFC15-FE5C-4D96-B595-C28FDA2EF018}" srcOrd="3" destOrd="0" parTransId="{BF888BA8-ABA8-44BD-8244-2ED82E59967F}" sibTransId="{33EED54C-60C3-4592-B321-760D5A3FDB5F}"/>
-    <dgm:cxn modelId="{6BA25FC0-1EF8-4490-993E-6CD90859C1AB}" type="presOf" srcId="{AA57A5C8-BB79-4C68-B603-97995F7838DD}" destId="{7A815C2B-A3A2-4657-A297-BA0B0F7644BF}" srcOrd="0" destOrd="0" presId="urn:microsoft.com/office/officeart/2008/layout/HexagonCluster"/>
-    <dgm:cxn modelId="{DB90FF4D-D5BB-449A-9146-4C9E14883487}" srcId="{817FDC4B-1AD4-4D22-A22E-BDB3B35D38F6}" destId="{DECCB897-5BA2-4A7E-B5E6-F457A9E093BE}" srcOrd="4" destOrd="0" parTransId="{B467D5DE-6BBD-4E95-AE31-FA4629481A2A}" sibTransId="{1D530DC9-98B3-470E-B4A2-B5630DF55EBA}"/>
-    <dgm:cxn modelId="{BC5593F0-9842-4955-9CB4-3454BE060B5A}" type="presOf" srcId="{F8578B36-147F-450D-A6CD-1FD1F003FD3F}" destId="{2F8E7381-5734-4AF2-9F05-9EC3ADFCF186}" srcOrd="0" destOrd="0" presId="urn:microsoft.com/office/officeart/2008/layout/HexagonCluster"/>
-    <dgm:cxn modelId="{8879A4E0-64B2-44C4-9319-336E43C09C7C}" type="presOf" srcId="{EBCB0DAA-4619-4025-8DD1-0EE98CAA8576}" destId="{9898F361-8795-4FE7-99F2-81B2897DA7B8}" srcOrd="0" destOrd="0" presId="urn:microsoft.com/office/officeart/2008/layout/HexagonCluster"/>
-    <dgm:cxn modelId="{3749496B-F970-4660-9F70-2DE30A94F866}" type="presOf" srcId="{535DFC15-FE5C-4D96-B595-C28FDA2EF018}" destId="{5A94CC82-680E-4196-9861-DD7ED57D811C}" srcOrd="0" destOrd="0" presId="urn:microsoft.com/office/officeart/2008/layout/HexagonCluster"/>
-    <dgm:cxn modelId="{FC5F610A-EB4B-45A4-88C8-CB633014595B}" type="presOf" srcId="{DECCB897-5BA2-4A7E-B5E6-F457A9E093BE}" destId="{62907D7D-AEE5-4EDD-8D3F-0A704B3CC073}" srcOrd="0" destOrd="0" presId="urn:microsoft.com/office/officeart/2008/layout/HexagonCluster"/>
-    <dgm:cxn modelId="{8FDEA2B7-303C-4DE8-9FF4-B7B07673A54F}" srcId="{817FDC4B-1AD4-4D22-A22E-BDB3B35D38F6}" destId="{D4A8B75E-612B-4733-98A9-B141F049C0F6}" srcOrd="1" destOrd="0" parTransId="{D7AB9852-E58C-4A9E-86FE-9BACCA8041DC}" sibTransId="{7885C1BD-B3F1-4077-9E61-B308F8C5DE88}"/>
     <dgm:cxn modelId="{2897448D-17AF-40CE-8FC1-6F419B1CCD7B}" type="presParOf" srcId="{D1F5EB53-15C2-4934-A386-10A60E78570C}" destId="{AD592533-0459-475F-8BCC-A7E156DDEFA5}" srcOrd="0" destOrd="0" presId="urn:microsoft.com/office/officeart/2008/layout/HexagonCluster"/>
     <dgm:cxn modelId="{32B90B4E-A2BA-413F-8B34-1499E7662CAB}" type="presParOf" srcId="{AD592533-0459-475F-8BCC-A7E156DDEFA5}" destId="{7A815C2B-A3A2-4657-A297-BA0B0F7644BF}" srcOrd="0" destOrd="0" presId="urn:microsoft.com/office/officeart/2008/layout/HexagonCluster"/>
     <dgm:cxn modelId="{AD97D8CB-2600-4880-AF54-58405704BCD2}" type="presParOf" srcId="{D1F5EB53-15C2-4934-A386-10A60E78570C}" destId="{D2F24B84-A444-43E5-A586-65678DA45DF3}" srcOrd="1" destOrd="0" presId="urn:microsoft.com/office/officeart/2008/layout/HexagonCluster"/>
@@ -3257,8 +3246,8 @@
       </dsp:nvSpPr>
       <dsp:spPr>
         <a:xfrm>
-          <a:off x="0" y="3759053"/>
-          <a:ext cx="5362325" cy="1240212"/>
+          <a:off x="0" y="2819290"/>
+          <a:ext cx="5362325" cy="930159"/>
         </a:xfrm>
         <a:prstGeom prst="rect">
           <a:avLst/>
@@ -3340,8 +3329,8 @@
         </a:p>
       </dsp:txBody>
       <dsp:txXfrm>
-        <a:off x="0" y="3759053"/>
-        <a:ext cx="5362325" cy="669714"/>
+        <a:off x="0" y="2819290"/>
+        <a:ext cx="5362325" cy="502286"/>
       </dsp:txXfrm>
     </dsp:sp>
     <dsp:sp modelId="{5BD278B1-7145-4AC7-BD26-53E7D7AD6B78}">
@@ -3351,8 +3340,8 @@
       </dsp:nvSpPr>
       <dsp:spPr>
         <a:xfrm>
-          <a:off x="0" y="4423484"/>
-          <a:ext cx="2681162" cy="570497"/>
+          <a:off x="0" y="3317614"/>
+          <a:ext cx="2681162" cy="427873"/>
         </a:xfrm>
         <a:prstGeom prst="rect">
           <a:avLst/>
@@ -3427,8 +3416,8 @@
         </a:p>
       </dsp:txBody>
       <dsp:txXfrm>
-        <a:off x="0" y="4423484"/>
-        <a:ext cx="2681162" cy="570497"/>
+        <a:off x="0" y="3317614"/>
+        <a:ext cx="2681162" cy="427873"/>
       </dsp:txXfrm>
     </dsp:sp>
     <dsp:sp modelId="{F90F6698-48CE-41FF-B784-EAC805DE1AE5}">
@@ -3438,8 +3427,8 @@
       </dsp:nvSpPr>
       <dsp:spPr>
         <a:xfrm>
-          <a:off x="2681162" y="4423484"/>
-          <a:ext cx="2681162" cy="570497"/>
+          <a:off x="2681162" y="3317614"/>
+          <a:ext cx="2681162" cy="427873"/>
         </a:xfrm>
         <a:prstGeom prst="rect">
           <a:avLst/>
@@ -3514,8 +3503,8 @@
         </a:p>
       </dsp:txBody>
       <dsp:txXfrm>
-        <a:off x="2681162" y="4423484"/>
-        <a:ext cx="2681162" cy="570497"/>
+        <a:off x="2681162" y="3317614"/>
+        <a:ext cx="2681162" cy="427873"/>
       </dsp:txXfrm>
     </dsp:sp>
     <dsp:sp modelId="{80C4C253-F3CC-427E-B5BC-9D3D9F0EAC7B}">
@@ -3525,8 +3514,8 @@
       </dsp:nvSpPr>
       <dsp:spPr>
         <a:xfrm rot="10800000">
-          <a:off x="0" y="1889730"/>
-          <a:ext cx="5362325" cy="1907446"/>
+          <a:off x="0" y="1417298"/>
+          <a:ext cx="5362325" cy="1430585"/>
         </a:xfrm>
         <a:prstGeom prst="upArrowCallout">
           <a:avLst/>
@@ -3608,8 +3597,8 @@
         </a:p>
       </dsp:txBody>
       <dsp:txXfrm rot="-10800000">
-        <a:off x="0" y="1889730"/>
-        <a:ext cx="5362325" cy="669513"/>
+        <a:off x="0" y="1417298"/>
+        <a:ext cx="5362325" cy="502135"/>
       </dsp:txXfrm>
     </dsp:sp>
     <dsp:sp modelId="{BC19EA49-9BD6-4B0B-A643-14E2D1D51FD7}">
@@ -3619,8 +3608,8 @@
       </dsp:nvSpPr>
       <dsp:spPr>
         <a:xfrm>
-          <a:off x="0" y="2559244"/>
-          <a:ext cx="2681162" cy="570326"/>
+          <a:off x="0" y="1919433"/>
+          <a:ext cx="2681162" cy="427744"/>
         </a:xfrm>
         <a:prstGeom prst="rect">
           <a:avLst/>
@@ -3695,8 +3684,8 @@
         </a:p>
       </dsp:txBody>
       <dsp:txXfrm>
-        <a:off x="0" y="2559244"/>
-        <a:ext cx="2681162" cy="570326"/>
+        <a:off x="0" y="1919433"/>
+        <a:ext cx="2681162" cy="427744"/>
       </dsp:txXfrm>
     </dsp:sp>
     <dsp:sp modelId="{A748E2B8-E8AE-459F-BE06-AF6185E71E92}">
@@ -3706,8 +3695,8 @@
       </dsp:nvSpPr>
       <dsp:spPr>
         <a:xfrm>
-          <a:off x="2681162" y="2559244"/>
-          <a:ext cx="2681162" cy="570326"/>
+          <a:off x="2681162" y="1919433"/>
+          <a:ext cx="2681162" cy="427744"/>
         </a:xfrm>
         <a:prstGeom prst="rect">
           <a:avLst/>
@@ -3782,8 +3771,8 @@
         </a:p>
       </dsp:txBody>
       <dsp:txXfrm>
-        <a:off x="2681162" y="2559244"/>
-        <a:ext cx="2681162" cy="570326"/>
+        <a:off x="2681162" y="1919433"/>
+        <a:ext cx="2681162" cy="427744"/>
       </dsp:txXfrm>
     </dsp:sp>
     <dsp:sp modelId="{8FA7161E-225B-4905-B819-AF73231A5A55}">
@@ -3793,8 +3782,8 @@
       </dsp:nvSpPr>
       <dsp:spPr>
         <a:xfrm rot="10800000">
-          <a:off x="0" y="887"/>
-          <a:ext cx="5362325" cy="1907446"/>
+          <a:off x="0" y="665"/>
+          <a:ext cx="5362325" cy="1430585"/>
         </a:xfrm>
         <a:prstGeom prst="upArrowCallout">
           <a:avLst/>
@@ -3879,8 +3868,8 @@
         </a:p>
       </dsp:txBody>
       <dsp:txXfrm rot="-10800000">
-        <a:off x="0" y="887"/>
-        <a:ext cx="5362325" cy="669513"/>
+        <a:off x="0" y="665"/>
+        <a:ext cx="5362325" cy="502135"/>
       </dsp:txXfrm>
     </dsp:sp>
     <dsp:sp modelId="{55615565-4810-469E-AB98-FB7F982602A4}">
@@ -3890,8 +3879,8 @@
       </dsp:nvSpPr>
       <dsp:spPr>
         <a:xfrm>
-          <a:off x="0" y="670401"/>
-          <a:ext cx="2681162" cy="570326"/>
+          <a:off x="0" y="502800"/>
+          <a:ext cx="2681162" cy="427744"/>
         </a:xfrm>
         <a:prstGeom prst="rect">
           <a:avLst/>
@@ -3962,8 +3951,8 @@
         </a:p>
       </dsp:txBody>
       <dsp:txXfrm>
-        <a:off x="0" y="670401"/>
-        <a:ext cx="2681162" cy="570326"/>
+        <a:off x="0" y="502800"/>
+        <a:ext cx="2681162" cy="427744"/>
       </dsp:txXfrm>
     </dsp:sp>
     <dsp:sp modelId="{3B8FD8EE-2DCA-4D04-A6F5-61D8E9AB0CAC}">
@@ -3973,8 +3962,8 @@
       </dsp:nvSpPr>
       <dsp:spPr>
         <a:xfrm>
-          <a:off x="2681162" y="670401"/>
-          <a:ext cx="2681162" cy="570326"/>
+          <a:off x="2681162" y="502800"/>
+          <a:ext cx="2681162" cy="427744"/>
         </a:xfrm>
         <a:prstGeom prst="rect">
           <a:avLst/>
@@ -4045,8 +4034,8 @@
         </a:p>
       </dsp:txBody>
       <dsp:txXfrm>
-        <a:off x="2681162" y="670401"/>
-        <a:ext cx="2681162" cy="570326"/>
+        <a:off x="2681162" y="502800"/>
+        <a:ext cx="2681162" cy="427744"/>
       </dsp:txXfrm>
     </dsp:sp>
   </dsp:spTree>
@@ -4068,7 +4057,7 @@
       </dsp:nvSpPr>
       <dsp:spPr>
         <a:xfrm>
-          <a:off x="803655" y="2712969"/>
+          <a:off x="803655" y="2101043"/>
           <a:ext cx="933884" cy="801767"/>
         </a:xfrm>
         <a:prstGeom prst="hexagon">
@@ -4139,7 +4128,7 @@
         </a:p>
       </dsp:txBody>
       <dsp:txXfrm>
-        <a:off x="948293" y="2837145"/>
+        <a:off x="948293" y="2225219"/>
         <a:ext cx="644608" cy="553415"/>
       </dsp:txXfrm>
     </dsp:sp>
@@ -4150,7 +4139,7 @@
       </dsp:nvSpPr>
       <dsp:spPr>
         <a:xfrm>
-          <a:off x="825938" y="3071491"/>
+          <a:off x="825938" y="2459565"/>
           <a:ext cx="108936" cy="93898"/>
         </a:xfrm>
         <a:prstGeom prst="hexagon">
@@ -4200,7 +4189,7 @@
       </dsp:nvSpPr>
       <dsp:spPr>
         <a:xfrm>
-          <a:off x="0" y="2269724"/>
+          <a:off x="0" y="1657798"/>
           <a:ext cx="933884" cy="801767"/>
         </a:xfrm>
         <a:prstGeom prst="hexagon">
@@ -4242,7 +4231,7 @@
       </dsp:nvSpPr>
       <dsp:spPr>
         <a:xfrm>
-          <a:off x="639755" y="2965002"/>
+          <a:off x="639755" y="2353076"/>
           <a:ext cx="108936" cy="93898"/>
         </a:xfrm>
         <a:prstGeom prst="hexagon">
@@ -4292,7 +4281,7 @@
       </dsp:nvSpPr>
       <dsp:spPr>
         <a:xfrm>
-          <a:off x="1607311" y="2267163"/>
+          <a:off x="1607311" y="1655237"/>
           <a:ext cx="933884" cy="801767"/>
         </a:xfrm>
         <a:prstGeom prst="hexagon">
@@ -4355,7 +4344,7 @@
         </a:p>
       </dsp:txBody>
       <dsp:txXfrm>
-        <a:off x="1751949" y="2391339"/>
+        <a:off x="1751949" y="1779413"/>
         <a:ext cx="644608" cy="553415"/>
       </dsp:txXfrm>
     </dsp:sp>
@@ -4366,7 +4355,7 @@
       </dsp:nvSpPr>
       <dsp:spPr>
         <a:xfrm>
-          <a:off x="2250037" y="2960733"/>
+          <a:off x="2250037" y="2348807"/>
           <a:ext cx="108936" cy="93898"/>
         </a:xfrm>
         <a:prstGeom prst="hexagon">
@@ -4416,7 +4405,7 @@
       </dsp:nvSpPr>
       <dsp:spPr>
         <a:xfrm>
-          <a:off x="2410471" y="2711261"/>
+          <a:off x="2410471" y="2099335"/>
           <a:ext cx="933884" cy="801767"/>
         </a:xfrm>
         <a:prstGeom prst="hexagon">
@@ -4462,7 +4451,7 @@
       </dsp:nvSpPr>
       <dsp:spPr>
         <a:xfrm>
-          <a:off x="2433249" y="3068077"/>
+          <a:off x="2433249" y="2456151"/>
           <a:ext cx="108936" cy="93898"/>
         </a:xfrm>
         <a:prstGeom prst="hexagon">
@@ -4512,7 +4501,7 @@
       </dsp:nvSpPr>
       <dsp:spPr>
         <a:xfrm>
-          <a:off x="803655" y="1826479"/>
+          <a:off x="803655" y="1214553"/>
           <a:ext cx="933884" cy="801767"/>
         </a:xfrm>
         <a:prstGeom prst="hexagon">
@@ -4575,7 +4564,7 @@
         </a:p>
       </dsp:txBody>
       <dsp:txXfrm>
-        <a:off x="948293" y="1950655"/>
+        <a:off x="948293" y="1338729"/>
         <a:ext cx="644608" cy="553415"/>
       </dsp:txXfrm>
     </dsp:sp>
@@ -4586,7 +4575,7 @@
       </dsp:nvSpPr>
       <dsp:spPr>
         <a:xfrm>
-          <a:off x="1443411" y="1841630"/>
+          <a:off x="1443411" y="1229704"/>
           <a:ext cx="108936" cy="93898"/>
         </a:xfrm>
         <a:prstGeom prst="hexagon">
@@ -4636,7 +4625,7 @@
       </dsp:nvSpPr>
       <dsp:spPr>
         <a:xfrm>
-          <a:off x="1607311" y="1380673"/>
+          <a:off x="1607311" y="768747"/>
           <a:ext cx="933884" cy="801767"/>
         </a:xfrm>
         <a:prstGeom prst="hexagon">
@@ -4682,7 +4671,7 @@
       </dsp:nvSpPr>
       <dsp:spPr>
         <a:xfrm>
-          <a:off x="1633555" y="1735994"/>
+          <a:off x="1633555" y="1124068"/>
           <a:ext cx="108936" cy="93898"/>
         </a:xfrm>
         <a:prstGeom prst="hexagon">
@@ -4732,7 +4721,7 @@
       </dsp:nvSpPr>
       <dsp:spPr>
         <a:xfrm>
-          <a:off x="2410471" y="1824771"/>
+          <a:off x="2410471" y="1212845"/>
           <a:ext cx="933884" cy="801767"/>
         </a:xfrm>
         <a:prstGeom prst="hexagon">
@@ -4798,7 +4787,7 @@
         </a:p>
       </dsp:txBody>
       <dsp:txXfrm>
-        <a:off x="2555109" y="1948947"/>
+        <a:off x="2555109" y="1337021"/>
         <a:ext cx="644608" cy="553415"/>
       </dsp:txXfrm>
     </dsp:sp>
@@ -4809,7 +4798,7 @@
       </dsp:nvSpPr>
       <dsp:spPr>
         <a:xfrm>
-          <a:off x="3218584" y="2180093"/>
+          <a:off x="3218584" y="1568167"/>
           <a:ext cx="108936" cy="93898"/>
         </a:xfrm>
         <a:prstGeom prst="hexagon">
@@ -4859,7 +4848,7 @@
       </dsp:nvSpPr>
       <dsp:spPr>
         <a:xfrm>
-          <a:off x="3214127" y="2275486"/>
+          <a:off x="3214127" y="1663560"/>
           <a:ext cx="933884" cy="801767"/>
         </a:xfrm>
         <a:prstGeom prst="hexagon">
@@ -4908,7 +4897,7 @@
       </dsp:nvSpPr>
       <dsp:spPr>
         <a:xfrm>
-          <a:off x="3396349" y="2289997"/>
+          <a:off x="3396349" y="1678071"/>
           <a:ext cx="108936" cy="93898"/>
         </a:xfrm>
         <a:prstGeom prst="hexagon">
@@ -4958,7 +4947,7 @@
       </dsp:nvSpPr>
       <dsp:spPr>
         <a:xfrm>
-          <a:off x="3214127" y="1389209"/>
+          <a:off x="3214127" y="777283"/>
           <a:ext cx="933884" cy="801767"/>
         </a:xfrm>
         <a:prstGeom prst="hexagon">
@@ -5061,7 +5050,7 @@
         </a:p>
       </dsp:txBody>
       <dsp:txXfrm>
-        <a:off x="3358765" y="1513385"/>
+        <a:off x="3358765" y="901459"/>
         <a:ext cx="644608" cy="553415"/>
       </dsp:txXfrm>
     </dsp:sp>
@@ -5072,7 +5061,7 @@
       </dsp:nvSpPr>
       <dsp:spPr>
         <a:xfrm>
-          <a:off x="4022239" y="1748585"/>
+          <a:off x="4022239" y="1136659"/>
           <a:ext cx="108936" cy="93898"/>
         </a:xfrm>
         <a:prstGeom prst="hexagon">
@@ -5122,7 +5111,7 @@
       </dsp:nvSpPr>
       <dsp:spPr>
         <a:xfrm>
-          <a:off x="4017783" y="1836509"/>
+          <a:off x="4017783" y="1224583"/>
           <a:ext cx="933884" cy="801767"/>
         </a:xfrm>
         <a:prstGeom prst="hexagon">
@@ -5168,7 +5157,7 @@
       </dsp:nvSpPr>
       <dsp:spPr>
         <a:xfrm>
-          <a:off x="4203966" y="1854435"/>
+          <a:off x="4203966" y="1242509"/>
           <a:ext cx="108936" cy="93898"/>
         </a:xfrm>
         <a:prstGeom prst="hexagon">
@@ -9984,7 +9973,7 @@
           <a:p>
             <a:fld id="{F46F08AE-647D-4BAD-8B44-E4FFCE16FF61}" type="datetimeFigureOut">
               <a:rPr lang="zh-CN" altLang="en-US" smtClean="0"/>
-              <a:t>2019/10/9</a:t>
+              <a:t>2019/10/14</a:t>
             </a:fld>
             <a:endParaRPr lang="zh-CN" altLang="en-US"/>
           </a:p>
@@ -10002,8 +9991,8 @@
         </p:nvSpPr>
         <p:spPr>
           <a:xfrm>
-            <a:off x="1143000" y="685800"/>
-            <a:ext cx="4572000" cy="3429000"/>
+            <a:off x="381000" y="685800"/>
+            <a:ext cx="6096000" cy="3429000"/>
           </a:xfrm>
           <a:prstGeom prst="rect">
             <a:avLst/>
@@ -10279,7 +10268,12 @@
             <p:ph type="sldImg"/>
           </p:nvPr>
         </p:nvSpPr>
-        <p:spPr/>
+        <p:spPr>
+          <a:xfrm>
+            <a:off x="381000" y="685800"/>
+            <a:ext cx="6096000" cy="3429000"/>
+          </a:xfrm>
+        </p:spPr>
       </p:sp>
       <p:sp>
         <p:nvSpPr>
@@ -10388,7 +10382,12 @@
             <p:ph type="sldImg"/>
           </p:nvPr>
         </p:nvSpPr>
-        <p:spPr/>
+        <p:spPr>
+          <a:xfrm>
+            <a:off x="381000" y="685800"/>
+            <a:ext cx="6096000" cy="3429000"/>
+          </a:xfrm>
+        </p:spPr>
       </p:sp>
       <p:sp>
         <p:nvSpPr>
@@ -10480,7 +10479,12 @@
             <p:ph type="sldImg"/>
           </p:nvPr>
         </p:nvSpPr>
-        <p:spPr/>
+        <p:spPr>
+          <a:xfrm>
+            <a:off x="381000" y="685800"/>
+            <a:ext cx="6096000" cy="3429000"/>
+          </a:xfrm>
+        </p:spPr>
       </p:sp>
       <p:sp>
         <p:nvSpPr>
@@ -10572,7 +10576,12 @@
             <p:ph type="sldImg"/>
           </p:nvPr>
         </p:nvSpPr>
-        <p:spPr/>
+        <p:spPr>
+          <a:xfrm>
+            <a:off x="381000" y="685800"/>
+            <a:ext cx="6096000" cy="3429000"/>
+          </a:xfrm>
+        </p:spPr>
       </p:sp>
       <p:sp>
         <p:nvSpPr>
@@ -10664,7 +10673,12 @@
             <p:ph type="sldImg"/>
           </p:nvPr>
         </p:nvSpPr>
-        <p:spPr/>
+        <p:spPr>
+          <a:xfrm>
+            <a:off x="381000" y="685800"/>
+            <a:ext cx="6096000" cy="3429000"/>
+          </a:xfrm>
+        </p:spPr>
       </p:sp>
       <p:sp>
         <p:nvSpPr>
@@ -10773,94 +10787,12 @@
             <p:ph type="sldImg"/>
           </p:nvPr>
         </p:nvSpPr>
-        <p:spPr/>
-      </p:sp>
-      <p:sp>
-        <p:nvSpPr>
-          <p:cNvPr id="3" name="备注占位符 2"/>
-          <p:cNvSpPr>
-            <a:spLocks noGrp="1"/>
-          </p:cNvSpPr>
-          <p:nvPr>
-            <p:ph type="body" idx="1"/>
-          </p:nvPr>
-        </p:nvSpPr>
-        <p:spPr/>
-        <p:txBody>
-          <a:bodyPr>
-            <a:normAutofit/>
-          </a:bodyPr>
-          <a:lstStyle/>
-          <a:p>
-            <a:endParaRPr lang="zh-CN" altLang="en-US" dirty="0"/>
-          </a:p>
-        </p:txBody>
-      </p:sp>
-      <p:sp>
-        <p:nvSpPr>
-          <p:cNvPr id="4" name="灯片编号占位符 3"/>
-          <p:cNvSpPr>
-            <a:spLocks noGrp="1"/>
-          </p:cNvSpPr>
-          <p:nvPr>
-            <p:ph type="sldNum" sz="quarter" idx="10"/>
-          </p:nvPr>
-        </p:nvSpPr>
-        <p:spPr/>
-        <p:txBody>
-          <a:bodyPr/>
-          <a:lstStyle/>
-          <a:p>
-            <a:fld id="{83060E57-2597-4886-99DA-3D12E33994EF}" type="slidenum">
-              <a:rPr lang="en-US" altLang="ko-KR" smtClean="0"/>
-              <a:pPr/>
-              <a:t>13</a:t>
-            </a:fld>
-            <a:endParaRPr lang="en-US" altLang="ko-KR" dirty="0"/>
-          </a:p>
-        </p:txBody>
-      </p:sp>
-    </p:spTree>
-    <p:extLst>
-      <p:ext uri="{BB962C8B-B14F-4D97-AF65-F5344CB8AC3E}">
-        <p14:creationId xmlns:p14="http://schemas.microsoft.com/office/powerpoint/2010/main" val="263616771"/>
-      </p:ext>
-    </p:extLst>
-  </p:cSld>
-  <p:clrMapOvr>
-    <a:masterClrMapping/>
-  </p:clrMapOvr>
-</p:notes>
-</file>
-
-<file path=ppt/notesSlides/notesSlide7.xml><?xml version="1.0" encoding="utf-8"?>
-<p:notes xmlns:a="http://schemas.openxmlformats.org/drawingml/2006/main" xmlns:r="http://schemas.openxmlformats.org/officeDocument/2006/relationships" xmlns:p="http://schemas.openxmlformats.org/presentationml/2006/main">
-  <p:cSld>
-    <p:spTree>
-      <p:nvGrpSpPr>
-        <p:cNvPr id="1" name=""/>
-        <p:cNvGrpSpPr/>
-        <p:nvPr/>
-      </p:nvGrpSpPr>
-      <p:grpSpPr>
-        <a:xfrm>
-          <a:off x="0" y="0"/>
-          <a:ext cx="0" cy="0"/>
-          <a:chOff x="0" y="0"/>
-          <a:chExt cx="0" cy="0"/>
-        </a:xfrm>
-      </p:grpSpPr>
-      <p:sp>
-        <p:nvSpPr>
-          <p:cNvPr id="2" name="幻灯片图像占位符 1"/>
-          <p:cNvSpPr>
-            <a:spLocks noGrp="1" noRot="1" noChangeAspect="1"/>
-          </p:cNvSpPr>
-          <p:nvPr>
-            <p:ph type="sldImg"/>
-          </p:nvPr>
-        </p:nvSpPr>
-        <p:spPr/>
+        <p:spPr>
+          <a:xfrm>
+            <a:off x="381000" y="685800"/>
+            <a:ext cx="6096000" cy="3429000"/>
+          </a:xfrm>
+        </p:spPr>
       </p:sp>
       <p:sp>
         <p:nvSpPr>
@@ -10910,6 +10842,98 @@
     </p:spTree>
     <p:extLst>
       <p:ext uri="{BB962C8B-B14F-4D97-AF65-F5344CB8AC3E}">
+        <p14:creationId xmlns:p14="http://schemas.microsoft.com/office/powerpoint/2010/main" val="263616771"/>
+      </p:ext>
+    </p:extLst>
+  </p:cSld>
+  <p:clrMapOvr>
+    <a:masterClrMapping/>
+  </p:clrMapOvr>
+</p:notes>
+</file>
+
+<file path=ppt/notesSlides/notesSlide7.xml><?xml version="1.0" encoding="utf-8"?>
+<p:notes xmlns:a="http://schemas.openxmlformats.org/drawingml/2006/main" xmlns:r="http://schemas.openxmlformats.org/officeDocument/2006/relationships" xmlns:p="http://schemas.openxmlformats.org/presentationml/2006/main">
+  <p:cSld>
+    <p:spTree>
+      <p:nvGrpSpPr>
+        <p:cNvPr id="1" name=""/>
+        <p:cNvGrpSpPr/>
+        <p:nvPr/>
+      </p:nvGrpSpPr>
+      <p:grpSpPr>
+        <a:xfrm>
+          <a:off x="0" y="0"/>
+          <a:ext cx="0" cy="0"/>
+          <a:chOff x="0" y="0"/>
+          <a:chExt cx="0" cy="0"/>
+        </a:xfrm>
+      </p:grpSpPr>
+      <p:sp>
+        <p:nvSpPr>
+          <p:cNvPr id="2" name="幻灯片图像占位符 1"/>
+          <p:cNvSpPr>
+            <a:spLocks noGrp="1" noRot="1" noChangeAspect="1"/>
+          </p:cNvSpPr>
+          <p:nvPr>
+            <p:ph type="sldImg"/>
+          </p:nvPr>
+        </p:nvSpPr>
+        <p:spPr>
+          <a:xfrm>
+            <a:off x="381000" y="685800"/>
+            <a:ext cx="6096000" cy="3429000"/>
+          </a:xfrm>
+        </p:spPr>
+      </p:sp>
+      <p:sp>
+        <p:nvSpPr>
+          <p:cNvPr id="3" name="备注占位符 2"/>
+          <p:cNvSpPr>
+            <a:spLocks noGrp="1"/>
+          </p:cNvSpPr>
+          <p:nvPr>
+            <p:ph type="body" idx="1"/>
+          </p:nvPr>
+        </p:nvSpPr>
+        <p:spPr/>
+        <p:txBody>
+          <a:bodyPr>
+            <a:normAutofit/>
+          </a:bodyPr>
+          <a:lstStyle/>
+          <a:p>
+            <a:endParaRPr lang="zh-CN" altLang="en-US" dirty="0"/>
+          </a:p>
+        </p:txBody>
+      </p:sp>
+      <p:sp>
+        <p:nvSpPr>
+          <p:cNvPr id="4" name="灯片编号占位符 3"/>
+          <p:cNvSpPr>
+            <a:spLocks noGrp="1"/>
+          </p:cNvSpPr>
+          <p:nvPr>
+            <p:ph type="sldNum" sz="quarter" idx="10"/>
+          </p:nvPr>
+        </p:nvSpPr>
+        <p:spPr/>
+        <p:txBody>
+          <a:bodyPr/>
+          <a:lstStyle/>
+          <a:p>
+            <a:fld id="{83060E57-2597-4886-99DA-3D12E33994EF}" type="slidenum">
+              <a:rPr lang="en-US" altLang="ko-KR" smtClean="0"/>
+              <a:pPr/>
+              <a:t>15</a:t>
+            </a:fld>
+            <a:endParaRPr lang="en-US" altLang="ko-KR" dirty="0"/>
+          </a:p>
+        </p:txBody>
+      </p:sp>
+    </p:spTree>
+    <p:extLst>
+      <p:ext uri="{BB962C8B-B14F-4D97-AF65-F5344CB8AC3E}">
         <p14:creationId xmlns:p14="http://schemas.microsoft.com/office/powerpoint/2010/main" val="2488395879"/>
       </p:ext>
     </p:extLst>
@@ -10947,7 +10971,12 @@
             <p:ph type="sldImg"/>
           </p:nvPr>
         </p:nvSpPr>
-        <p:spPr/>
+        <p:spPr>
+          <a:xfrm>
+            <a:off x="381000" y="685800"/>
+            <a:ext cx="6096000" cy="3429000"/>
+          </a:xfrm>
+        </p:spPr>
       </p:sp>
       <p:sp>
         <p:nvSpPr>
@@ -10993,7 +11022,7 @@
               <a:pPr>
                 <a:defRPr/>
               </a:pPr>
-              <a:t>18</a:t>
+              <a:t>20</a:t>
             </a:fld>
             <a:endParaRPr lang="en-US" altLang="zh-CN"/>
           </a:p>
@@ -11034,7 +11063,12 @@
             <p:ph type="sldImg"/>
           </p:nvPr>
         </p:nvSpPr>
-        <p:spPr/>
+        <p:spPr>
+          <a:xfrm>
+            <a:off x="381000" y="685800"/>
+            <a:ext cx="6096000" cy="3429000"/>
+          </a:xfrm>
+        </p:spPr>
       </p:sp>
       <p:sp>
         <p:nvSpPr>
@@ -11113,7 +11147,7 @@
               <a:pPr>
                 <a:defRPr/>
               </a:pPr>
-              <a:t>19</a:t>
+              <a:t>21</a:t>
             </a:fld>
             <a:endParaRPr lang="en-US" altLang="zh-CN"/>
           </a:p>
@@ -11161,7 +11195,7 @@
           <a:p>
             <a:fld id="{530820CF-B880-4189-942D-D702A7CBA730}" type="datetimeFigureOut">
               <a:rPr lang="zh-CN" altLang="en-US" smtClean="0"/>
-              <a:t>2019/10/9</a:t>
+              <a:t>2019/10/14</a:t>
             </a:fld>
             <a:endParaRPr lang="zh-CN" altLang="en-US"/>
           </a:p>
@@ -11217,8 +11251,8 @@
         </p:nvSpPr>
         <p:spPr>
           <a:xfrm>
-            <a:off x="2106" y="818866"/>
-            <a:ext cx="9144000" cy="6210887"/>
+            <a:off x="2106" y="614150"/>
+            <a:ext cx="9144000" cy="4658165"/>
           </a:xfrm>
           <a:prstGeom prst="rect">
             <a:avLst/>
@@ -11263,8 +11297,8 @@
         </p:nvSpPr>
         <p:spPr>
           <a:xfrm>
-            <a:off x="0" y="-1"/>
-            <a:ext cx="9145588" cy="818867"/>
+            <a:off x="0" y="0"/>
+            <a:ext cx="9145588" cy="614150"/>
           </a:xfrm>
           <a:prstGeom prst="rect">
             <a:avLst/>
@@ -11313,8 +11347,8 @@
         </p:nvSpPr>
         <p:spPr>
           <a:xfrm>
-            <a:off x="685800" y="2130425"/>
-            <a:ext cx="7772400" cy="1470025"/>
+            <a:off x="685800" y="1597819"/>
+            <a:ext cx="7772400" cy="1102519"/>
           </a:xfrm>
         </p:spPr>
         <p:txBody>
@@ -11353,8 +11387,8 @@
         </p:nvSpPr>
         <p:spPr>
           <a:xfrm>
-            <a:off x="1371600" y="3886200"/>
-            <a:ext cx="6400800" cy="1752600"/>
+            <a:off x="1371600" y="2914650"/>
+            <a:ext cx="6400800" cy="1314450"/>
           </a:xfrm>
         </p:spPr>
         <p:txBody>
@@ -11585,7 +11619,7 @@
           <a:p>
             <a:fld id="{530820CF-B880-4189-942D-D702A7CBA730}" type="datetimeFigureOut">
               <a:rPr lang="zh-CN" altLang="en-US" smtClean="0"/>
-              <a:t>2019/10/9</a:t>
+              <a:t>2019/10/14</a:t>
             </a:fld>
             <a:endParaRPr lang="zh-CN" altLang="en-US"/>
           </a:p>
@@ -11641,8 +11675,8 @@
         </p:nvSpPr>
         <p:spPr>
           <a:xfrm>
-            <a:off x="0" y="-1"/>
-            <a:ext cx="9145588" cy="818867"/>
+            <a:off x="0" y="0"/>
+            <a:ext cx="9145588" cy="614150"/>
           </a:xfrm>
           <a:prstGeom prst="rect">
             <a:avLst/>
@@ -11691,8 +11725,8 @@
         </p:nvSpPr>
         <p:spPr>
           <a:xfrm>
-            <a:off x="-9602" y="-1"/>
-            <a:ext cx="9153601" cy="818867"/>
+            <a:off x="-9602" y="0"/>
+            <a:ext cx="9153601" cy="614150"/>
           </a:xfrm>
         </p:spPr>
         <p:txBody>
@@ -11756,8 +11790,8 @@
         </p:nvSpPr>
         <p:spPr>
           <a:xfrm>
-            <a:off x="683568" y="1052736"/>
-            <a:ext cx="7666037" cy="4641850"/>
+            <a:off x="683568" y="789552"/>
+            <a:ext cx="7666037" cy="3481388"/>
           </a:xfrm>
         </p:spPr>
         <p:txBody>
@@ -11844,8 +11878,8 @@
         </p:nvSpPr>
         <p:spPr>
           <a:xfrm>
-            <a:off x="782638" y="6527800"/>
-            <a:ext cx="349250" cy="207963"/>
+            <a:off x="782638" y="4895851"/>
+            <a:ext cx="349250" cy="155972"/>
           </a:xfrm>
           <a:prstGeom prst="rect">
             <a:avLst/>
@@ -11877,8 +11911,8 @@
         </p:nvSpPr>
         <p:spPr>
           <a:xfrm>
-            <a:off x="-828600" y="-162272"/>
-            <a:ext cx="8229600" cy="1143000"/>
+            <a:off x="-828600" y="-121704"/>
+            <a:ext cx="8229600" cy="857250"/>
           </a:xfrm>
           <a:prstGeom prst="rect">
             <a:avLst/>
@@ -11921,8 +11955,8 @@
         </p:nvSpPr>
         <p:spPr>
           <a:xfrm>
-            <a:off x="0" y="-1"/>
-            <a:ext cx="9145588" cy="818867"/>
+            <a:off x="0" y="0"/>
+            <a:ext cx="9145588" cy="614150"/>
           </a:xfrm>
           <a:prstGeom prst="rect">
             <a:avLst/>
@@ -12013,8 +12047,8 @@
         </p:nvSpPr>
         <p:spPr>
           <a:xfrm>
-            <a:off x="457200" y="274638"/>
-            <a:ext cx="8229600" cy="1143000"/>
+            <a:off x="457200" y="205978"/>
+            <a:ext cx="8229600" cy="857250"/>
           </a:xfrm>
           <a:prstGeom prst="rect">
             <a:avLst/>
@@ -12046,8 +12080,8 @@
         </p:nvSpPr>
         <p:spPr>
           <a:xfrm>
-            <a:off x="457200" y="1600200"/>
-            <a:ext cx="8229600" cy="4525963"/>
+            <a:off x="457200" y="1200151"/>
+            <a:ext cx="8229600" cy="3394472"/>
           </a:xfrm>
           <a:prstGeom prst="rect">
             <a:avLst/>
@@ -12108,8 +12142,8 @@
         </p:nvSpPr>
         <p:spPr>
           <a:xfrm>
-            <a:off x="457200" y="6356350"/>
-            <a:ext cx="2133600" cy="365125"/>
+            <a:off x="457200" y="4767263"/>
+            <a:ext cx="2133600" cy="273844"/>
           </a:xfrm>
           <a:prstGeom prst="rect">
             <a:avLst/>
@@ -12131,7 +12165,7 @@
           <a:p>
             <a:fld id="{530820CF-B880-4189-942D-D702A7CBA730}" type="datetimeFigureOut">
               <a:rPr lang="zh-CN" altLang="en-US" smtClean="0"/>
-              <a:t>2019/10/9</a:t>
+              <a:t>2019/10/14</a:t>
             </a:fld>
             <a:endParaRPr lang="zh-CN" altLang="en-US"/>
           </a:p>
@@ -12149,8 +12183,8 @@
         </p:nvSpPr>
         <p:spPr>
           <a:xfrm>
-            <a:off x="3124200" y="6356350"/>
-            <a:ext cx="2895600" cy="365125"/>
+            <a:off x="3124200" y="4767263"/>
+            <a:ext cx="2895600" cy="273844"/>
           </a:xfrm>
           <a:prstGeom prst="rect">
             <a:avLst/>
@@ -12186,8 +12220,8 @@
         </p:nvSpPr>
         <p:spPr>
           <a:xfrm>
-            <a:off x="6553200" y="6356350"/>
-            <a:ext cx="2133600" cy="365125"/>
+            <a:off x="6553200" y="4767263"/>
+            <a:ext cx="2133600" cy="273844"/>
           </a:xfrm>
           <a:prstGeom prst="rect">
             <a:avLst/>
@@ -12505,7 +12539,9 @@
         </p:nvSpPr>
         <p:spPr/>
         <p:txBody>
-          <a:bodyPr/>
+          <a:bodyPr>
+            <a:normAutofit fontScale="90000"/>
+          </a:bodyPr>
           <a:lstStyle/>
           <a:p>
             <a:r>
@@ -12598,7 +12634,9 @@
         </p:nvSpPr>
         <p:spPr/>
         <p:txBody>
-          <a:bodyPr/>
+          <a:bodyPr>
+            <a:normAutofit fontScale="90000"/>
+          </a:bodyPr>
           <a:lstStyle/>
           <a:p>
             <a:r>
@@ -12649,8 +12687,8 @@
           </p:nvPr>
         </p:nvGraphicFramePr>
         <p:xfrm>
-          <a:off x="1907165" y="1216988"/>
-          <a:ext cx="5362325" cy="5019674"/>
+          <a:off x="1907166" y="912741"/>
+          <a:ext cx="5362325" cy="3764756"/>
         </p:xfrm>
         <a:graphic>
           <a:graphicData uri="http://schemas.openxmlformats.org/drawingml/2006/diagram">
@@ -12710,7 +12748,9 @@
         </p:nvSpPr>
         <p:spPr/>
         <p:txBody>
-          <a:bodyPr/>
+          <a:bodyPr>
+            <a:normAutofit fontScale="90000"/>
+          </a:bodyPr>
           <a:lstStyle/>
           <a:p>
             <a:r>
@@ -12741,8 +12781,8 @@
         </p:nvSpPr>
         <p:spPr>
           <a:xfrm>
-            <a:off x="363915" y="981295"/>
-            <a:ext cx="8229600" cy="5040020"/>
+            <a:off x="363915" y="735971"/>
+            <a:ext cx="8229600" cy="3780015"/>
           </a:xfrm>
         </p:spPr>
         <p:txBody>
@@ -12750,44 +12790,44 @@
           <a:lstStyle/>
           <a:p>
             <a:r>
-              <a:rPr lang="zh-CN" altLang="en-US" dirty="0" smtClean="0"/>
+              <a:rPr lang="zh-CN" altLang="en-US" sz="2800" dirty="0" smtClean="0"/>
               <a:t>通过询问开发人员获知所使用的协议；</a:t>
             </a:r>
           </a:p>
           <a:p>
             <a:r>
-              <a:rPr lang="zh-CN" altLang="en-US" dirty="0" smtClean="0"/>
+              <a:rPr lang="zh-CN" altLang="en-US" sz="2800" dirty="0" smtClean="0"/>
               <a:t>通过</a:t>
             </a:r>
             <a:r>
-              <a:rPr lang="en-US" dirty="0" smtClean="0"/>
+              <a:rPr lang="en-US" sz="2800" dirty="0" smtClean="0"/>
               <a:t>LR</a:t>
             </a:r>
             <a:r>
-              <a:rPr lang="zh-CN" altLang="en-US" dirty="0" smtClean="0"/>
+              <a:rPr lang="zh-CN" altLang="en-US" sz="2800" dirty="0" smtClean="0"/>
               <a:t>自带的“</a:t>
             </a:r>
             <a:r>
-              <a:rPr lang="en-US" dirty="0" smtClean="0"/>
+              <a:rPr lang="en-US" sz="2800" dirty="0" smtClean="0"/>
               <a:t>Protocol Advisor</a:t>
             </a:r>
             <a:r>
-              <a:rPr lang="zh-CN" altLang="en-US" dirty="0" smtClean="0"/>
+              <a:rPr lang="zh-CN" altLang="en-US" sz="2800" dirty="0" smtClean="0"/>
               <a:t>”</a:t>
             </a:r>
             <a:r>
-              <a:rPr lang="en-US" dirty="0" smtClean="0"/>
+              <a:rPr lang="en-US" sz="2800" dirty="0" smtClean="0"/>
               <a:t>——</a:t>
             </a:r>
             <a:r>
-              <a:rPr lang="zh-CN" altLang="en-US" dirty="0" smtClean="0"/>
+              <a:rPr lang="zh-CN" altLang="en-US" sz="2800" dirty="0" smtClean="0"/>
               <a:t>建议采用；</a:t>
             </a:r>
-            <a:endParaRPr lang="en-US" altLang="zh-CN" dirty="0" smtClean="0"/>
+            <a:endParaRPr lang="en-US" altLang="zh-CN" sz="2800" dirty="0" smtClean="0"/>
           </a:p>
           <a:p>
             <a:r>
-              <a:rPr lang="zh-CN" altLang="en-US" dirty="0" smtClean="0"/>
+              <a:rPr lang="zh-CN" altLang="en-US" sz="2800" dirty="0" smtClean="0"/>
               <a:t>通过概要或详细设计手册获知所使用的协议；</a:t>
             </a:r>
           </a:p>
@@ -12812,8 +12852,8 @@
         </p:blipFill>
         <p:spPr>
           <a:xfrm>
-            <a:off x="1835696" y="3501008"/>
-            <a:ext cx="4966255" cy="2732700"/>
+            <a:off x="2339751" y="2499742"/>
+            <a:ext cx="4966255" cy="2049525"/>
           </a:xfrm>
           <a:prstGeom prst="rect">
             <a:avLst/>
@@ -13081,7 +13121,9 @@
         </p:nvSpPr>
         <p:spPr/>
         <p:txBody>
-          <a:bodyPr/>
+          <a:bodyPr>
+            <a:normAutofit fontScale="90000"/>
+          </a:bodyPr>
           <a:lstStyle/>
           <a:p>
             <a:r>
@@ -13112,13 +13154,13 @@
         </p:nvSpPr>
         <p:spPr>
           <a:xfrm>
-            <a:off x="457200" y="1053287"/>
-            <a:ext cx="8229600" cy="5040020"/>
+            <a:off x="457200" y="789965"/>
+            <a:ext cx="8229600" cy="3780015"/>
           </a:xfrm>
         </p:spPr>
         <p:txBody>
           <a:bodyPr>
-            <a:normAutofit fontScale="77500" lnSpcReduction="20000"/>
+            <a:normAutofit fontScale="55000" lnSpcReduction="20000"/>
           </a:bodyPr>
           <a:lstStyle/>
           <a:p>
@@ -13194,6 +13236,10 @@
           </a:p>
           <a:p>
             <a:pPr lvl="1"/>
+            <a:endParaRPr lang="en-US" altLang="zh-CN" dirty="0"/>
+          </a:p>
+          <a:p>
+            <a:pPr lvl="1"/>
             <a:r>
               <a:rPr lang="zh-CN" altLang="en-US" dirty="0" smtClean="0"/>
               <a:t>邮件</a:t>
@@ -13269,8 +13315,8 @@
         </p:nvGrpSpPr>
         <p:grpSpPr>
           <a:xfrm>
-            <a:off x="2575857" y="2061165"/>
-            <a:ext cx="5113333" cy="4895410"/>
+            <a:off x="3203848" y="746295"/>
+            <a:ext cx="5113333" cy="3671558"/>
             <a:chOff x="3107609" y="1773921"/>
             <a:chExt cx="6296483" cy="4064941"/>
           </a:xfrm>
@@ -13305,8 +13351,8 @@
           </p:nvSpPr>
           <p:spPr>
             <a:xfrm>
-              <a:off x="5243573" y="2712441"/>
-              <a:ext cx="1021382" cy="536686"/>
+              <a:off x="5243574" y="2712441"/>
+              <a:ext cx="1021382" cy="715581"/>
             </a:xfrm>
             <a:prstGeom prst="rect">
               <a:avLst/>
@@ -13344,8 +13390,8 @@
           </p:nvSpPr>
           <p:spPr>
             <a:xfrm>
-              <a:off x="3218301" y="3582603"/>
-              <a:ext cx="967455" cy="766694"/>
+              <a:off x="3218301" y="3582604"/>
+              <a:ext cx="967454" cy="1022259"/>
             </a:xfrm>
             <a:prstGeom prst="rect">
               <a:avLst/>
@@ -13390,7 +13436,7 @@
           <p:spPr>
             <a:xfrm>
               <a:off x="6042405" y="4257178"/>
-              <a:ext cx="1224222" cy="536686"/>
+              <a:ext cx="1224221" cy="715581"/>
             </a:xfrm>
             <a:prstGeom prst="rect">
               <a:avLst/>
@@ -13433,8 +13479,8 @@
           </p:nvSpPr>
           <p:spPr>
             <a:xfrm>
-              <a:off x="7245101" y="3854055"/>
-              <a:ext cx="896552" cy="306678"/>
+              <a:off x="7245100" y="3854055"/>
+              <a:ext cx="896552" cy="408903"/>
             </a:xfrm>
             <a:prstGeom prst="rect">
               <a:avLst/>
@@ -13463,7 +13509,7 @@
           <p:spPr>
             <a:xfrm>
               <a:off x="8098624" y="3242248"/>
-              <a:ext cx="1305468" cy="536686"/>
+              <a:ext cx="1305468" cy="715581"/>
             </a:xfrm>
             <a:prstGeom prst="rect">
               <a:avLst/>
@@ -13543,7 +13589,7 @@
                                         <p:tgtEl>
                                           <p:spTgt spid="5">
                                             <p:txEl>
-                                              <p:pRg st="11" end="11"/>
+                                              <p:pRg st="12" end="12"/>
                                             </p:txEl>
                                           </p:spTgt>
                                         </p:tgtEl>
@@ -13561,7 +13607,7 @@
                                         <p:tgtEl>
                                           <p:spTgt spid="5">
                                             <p:txEl>
-                                              <p:pRg st="11" end="11"/>
+                                              <p:pRg st="12" end="12"/>
                                             </p:txEl>
                                           </p:spTgt>
                                         </p:tgtEl>
@@ -13586,7 +13632,7 @@
                                         <p:tgtEl>
                                           <p:spTgt spid="5">
                                             <p:txEl>
-                                              <p:pRg st="12" end="12"/>
+                                              <p:pRg st="13" end="13"/>
                                             </p:txEl>
                                           </p:spTgt>
                                         </p:tgtEl>
@@ -13604,7 +13650,7 @@
                                         <p:tgtEl>
                                           <p:spTgt spid="5">
                                             <p:txEl>
-                                              <p:pRg st="12" end="12"/>
+                                              <p:pRg st="13" end="13"/>
                                             </p:txEl>
                                           </p:spTgt>
                                         </p:tgtEl>
@@ -13629,7 +13675,7 @@
                                         <p:tgtEl>
                                           <p:spTgt spid="5">
                                             <p:txEl>
-                                              <p:pRg st="13" end="13"/>
+                                              <p:pRg st="14" end="14"/>
                                             </p:txEl>
                                           </p:spTgt>
                                         </p:tgtEl>
@@ -13647,7 +13693,7 @@
                                         <p:tgtEl>
                                           <p:spTgt spid="5">
                                             <p:txEl>
-                                              <p:pRg st="13" end="13"/>
+                                              <p:pRg st="14" end="14"/>
                                             </p:txEl>
                                           </p:spTgt>
                                         </p:tgtEl>
@@ -14066,6 +14112,230 @@
           <a:chExt cx="0" cy="0"/>
         </a:xfrm>
       </p:grpSpPr>
+      <p:sp>
+        <p:nvSpPr>
+          <p:cNvPr id="2" name="标题 1"/>
+          <p:cNvSpPr>
+            <a:spLocks noGrp="1"/>
+          </p:cNvSpPr>
+          <p:nvPr>
+            <p:ph type="title"/>
+          </p:nvPr>
+        </p:nvSpPr>
+        <p:spPr/>
+        <p:txBody>
+          <a:bodyPr>
+            <a:normAutofit fontScale="90000"/>
+          </a:bodyPr>
+          <a:lstStyle/>
+          <a:p>
+            <a:r>
+              <a:rPr lang="zh-CN" altLang="en-US" dirty="0"/>
+              <a:t>目录</a:t>
+            </a:r>
+          </a:p>
+        </p:txBody>
+      </p:sp>
+      <p:sp>
+        <p:nvSpPr>
+          <p:cNvPr id="3" name="内容占位符 2"/>
+          <p:cNvSpPr>
+            <a:spLocks noGrp="1"/>
+          </p:cNvSpPr>
+          <p:nvPr>
+            <p:ph idx="1"/>
+          </p:nvPr>
+        </p:nvSpPr>
+        <p:spPr/>
+        <p:txBody>
+          <a:bodyPr>
+            <a:normAutofit/>
+          </a:bodyPr>
+          <a:lstStyle/>
+          <a:p>
+            <a:pPr marL="742950" indent="-742950">
+              <a:lnSpc>
+                <a:spcPct val="170000"/>
+              </a:lnSpc>
+              <a:buFont typeface="+mj-lt"/>
+              <a:buAutoNum type="arabicPeriod"/>
+            </a:pPr>
+            <a:r>
+              <a:rPr lang="en-US" altLang="zh-CN" sz="2800" b="1" dirty="0" err="1"/>
+              <a:t>LoadRunner</a:t>
+            </a:r>
+            <a:r>
+              <a:rPr lang="zh-CN" altLang="en-US" sz="2800" b="1" dirty="0"/>
+              <a:t>开启</a:t>
+            </a:r>
+            <a:endParaRPr lang="en-US" altLang="zh-CN" sz="2800" b="1" dirty="0"/>
+          </a:p>
+          <a:p>
+            <a:pPr marL="742950" indent="-742950">
+              <a:lnSpc>
+                <a:spcPct val="170000"/>
+              </a:lnSpc>
+              <a:buFont typeface="+mj-lt"/>
+              <a:buAutoNum type="arabicPeriod"/>
+            </a:pPr>
+            <a:r>
+              <a:rPr lang="zh-CN" altLang="en-US" sz="2800" b="1" dirty="0"/>
+              <a:t>协议选择</a:t>
+            </a:r>
+            <a:endParaRPr lang="en-US" altLang="zh-CN" sz="2800" b="1" dirty="0"/>
+          </a:p>
+          <a:p>
+            <a:pPr marL="742950" indent="-742950">
+              <a:lnSpc>
+                <a:spcPct val="170000"/>
+              </a:lnSpc>
+              <a:buFont typeface="+mj-lt"/>
+              <a:buAutoNum type="arabicPeriod"/>
+            </a:pPr>
+            <a:r>
+              <a:rPr lang="zh-CN" altLang="en-US" sz="2800" b="1" dirty="0">
+                <a:solidFill>
+                  <a:srgbClr val="FF0000"/>
+                </a:solidFill>
+              </a:rPr>
+              <a:t>录制选项设置</a:t>
+            </a:r>
+            <a:endParaRPr lang="en-US" altLang="zh-CN" sz="2800" b="1" dirty="0">
+              <a:solidFill>
+                <a:srgbClr val="FF0000"/>
+              </a:solidFill>
+            </a:endParaRPr>
+          </a:p>
+          <a:p>
+            <a:pPr marL="742950" indent="-742950">
+              <a:lnSpc>
+                <a:spcPct val="170000"/>
+              </a:lnSpc>
+              <a:buFont typeface="+mj-lt"/>
+              <a:buAutoNum type="arabicPeriod"/>
+            </a:pPr>
+            <a:r>
+              <a:rPr lang="zh-CN" altLang="en-US" sz="2800" b="1" dirty="0"/>
+              <a:t>录制登录操作、手动书写函数</a:t>
+            </a:r>
+            <a:endParaRPr lang="en-US" altLang="zh-CN" sz="2800" b="1" dirty="0"/>
+          </a:p>
+          <a:p>
+            <a:endParaRPr lang="en-US" altLang="zh-CN" dirty="0"/>
+          </a:p>
+          <a:p>
+            <a:endParaRPr lang="en-US" altLang="zh-CN" dirty="0" smtClean="0"/>
+          </a:p>
+          <a:p>
+            <a:endParaRPr lang="zh-CN" altLang="en-US" dirty="0"/>
+          </a:p>
+        </p:txBody>
+      </p:sp>
+    </p:spTree>
+    <p:extLst>
+      <p:ext uri="{BB962C8B-B14F-4D97-AF65-F5344CB8AC3E}">
+        <p14:creationId xmlns:p14="http://schemas.microsoft.com/office/powerpoint/2010/main" val="2102421886"/>
+      </p:ext>
+    </p:extLst>
+  </p:cSld>
+  <p:clrMapOvr>
+    <a:masterClrMapping/>
+  </p:clrMapOvr>
+  <p:timing>
+    <p:tnLst>
+      <p:par>
+        <p:cTn id="1" dur="indefinite" restart="never" nodeType="tmRoot">
+          <p:childTnLst>
+            <p:seq concurrent="1" nextAc="seek">
+              <p:cTn id="2" dur="indefinite" nodeType="mainSeq">
+                <p:childTnLst>
+                  <p:par>
+                    <p:cTn id="3" fill="hold">
+                      <p:stCondLst>
+                        <p:cond delay="indefinite"/>
+                      </p:stCondLst>
+                      <p:childTnLst>
+                        <p:par>
+                          <p:cTn id="4" fill="hold">
+                            <p:stCondLst>
+                              <p:cond delay="0"/>
+                            </p:stCondLst>
+                            <p:childTnLst>
+                              <p:par>
+                                <p:cTn id="5" presetID="3" presetClass="emph" presetSubtype="2" fill="hold" nodeType="clickEffect">
+                                  <p:stCondLst>
+                                    <p:cond delay="0"/>
+                                  </p:stCondLst>
+                                  <p:childTnLst>
+                                    <p:animClr clrSpc="rgb" dir="cw">
+                                      <p:cBhvr override="childStyle">
+                                        <p:cTn id="6" dur="500" fill="hold"/>
+                                        <p:tgtEl>
+                                          <p:spTgt spid="3">
+                                            <p:txEl>
+                                              <p:pRg st="0" end="0"/>
+                                            </p:txEl>
+                                          </p:spTgt>
+                                        </p:tgtEl>
+                                        <p:attrNameLst>
+                                          <p:attrName>style.color</p:attrName>
+                                        </p:attrNameLst>
+                                      </p:cBhvr>
+                                      <p:to>
+                                        <a:srgbClr val="FF0000"/>
+                                      </p:to>
+                                    </p:animClr>
+                                  </p:childTnLst>
+                                </p:cTn>
+                              </p:par>
+                            </p:childTnLst>
+                          </p:cTn>
+                        </p:par>
+                      </p:childTnLst>
+                    </p:cTn>
+                  </p:par>
+                </p:childTnLst>
+              </p:cTn>
+              <p:prevCondLst>
+                <p:cond evt="onPrev" delay="0">
+                  <p:tgtEl>
+                    <p:sldTgt/>
+                  </p:tgtEl>
+                </p:cond>
+              </p:prevCondLst>
+              <p:nextCondLst>
+                <p:cond evt="onNext" delay="0">
+                  <p:tgtEl>
+                    <p:sldTgt/>
+                  </p:tgtEl>
+                </p:cond>
+              </p:nextCondLst>
+            </p:seq>
+          </p:childTnLst>
+        </p:cTn>
+      </p:par>
+    </p:tnLst>
+  </p:timing>
+</p:sld>
+</file>
+
+<file path=ppt/slides/slide14.xml><?xml version="1.0" encoding="utf-8"?>
+<p:sld xmlns:a="http://schemas.openxmlformats.org/drawingml/2006/main" xmlns:r="http://schemas.openxmlformats.org/officeDocument/2006/relationships" xmlns:p="http://schemas.openxmlformats.org/presentationml/2006/main">
+  <p:cSld>
+    <p:spTree>
+      <p:nvGrpSpPr>
+        <p:cNvPr id="1" name=""/>
+        <p:cNvGrpSpPr/>
+        <p:nvPr/>
+      </p:nvGrpSpPr>
+      <p:grpSpPr>
+        <a:xfrm>
+          <a:off x="0" y="0"/>
+          <a:ext cx="0" cy="0"/>
+          <a:chOff x="0" y="0"/>
+          <a:chExt cx="0" cy="0"/>
+        </a:xfrm>
+      </p:grpSpPr>
       <p:pic>
         <p:nvPicPr>
           <p:cNvPr id="15" name="图片 14"/>
@@ -14081,8 +14351,8 @@
         </p:blipFill>
         <p:spPr bwMode="auto">
           <a:xfrm>
-            <a:off x="4122527" y="4396442"/>
-            <a:ext cx="3505633" cy="2175864"/>
+            <a:off x="4122528" y="3297332"/>
+            <a:ext cx="3505633" cy="1631898"/>
           </a:xfrm>
           <a:prstGeom prst="rect">
             <a:avLst/>
@@ -14108,7 +14378,9 @@
         </p:nvSpPr>
         <p:spPr/>
         <p:txBody>
-          <a:bodyPr/>
+          <a:bodyPr>
+            <a:normAutofit fontScale="90000"/>
+          </a:bodyPr>
           <a:lstStyle/>
           <a:p>
             <a:r>
@@ -14131,8 +14403,8 @@
         </p:nvSpPr>
         <p:spPr>
           <a:xfrm>
-            <a:off x="148116" y="1053287"/>
-            <a:ext cx="8229600" cy="5040020"/>
+            <a:off x="148116" y="789965"/>
+            <a:ext cx="8229600" cy="3780015"/>
           </a:xfrm>
         </p:spPr>
         <p:txBody>
@@ -14140,113 +14412,113 @@
           <a:lstStyle/>
           <a:p>
             <a:r>
-              <a:rPr lang="zh-CN" altLang="en-US" dirty="0" smtClean="0"/>
+              <a:rPr lang="zh-CN" altLang="en-US" sz="2800" dirty="0" smtClean="0"/>
               <a:t>字段含义</a:t>
             </a:r>
-            <a:endParaRPr lang="en-US" altLang="zh-CN" dirty="0" smtClean="0"/>
+            <a:endParaRPr lang="en-US" altLang="zh-CN" sz="2800" dirty="0" smtClean="0"/>
           </a:p>
           <a:p>
             <a:pPr lvl="1"/>
             <a:r>
-              <a:rPr lang="en-US" altLang="zh-CN" dirty="0" smtClean="0"/>
+              <a:rPr lang="en-US" altLang="zh-CN" sz="2000" dirty="0" smtClean="0"/>
               <a:t>【</a:t>
             </a:r>
             <a:r>
-              <a:rPr lang="en-US" dirty="0" smtClean="0"/>
+              <a:rPr lang="en-US" sz="2000" dirty="0" smtClean="0"/>
               <a:t>Application type</a:t>
             </a:r>
             <a:r>
-              <a:rPr lang="en-US" altLang="zh-CN" dirty="0" smtClean="0"/>
+              <a:rPr lang="en-US" altLang="zh-CN" sz="2000" dirty="0" smtClean="0"/>
               <a:t>】</a:t>
             </a:r>
             <a:r>
-              <a:rPr lang="zh-CN" altLang="en-US" dirty="0" smtClean="0"/>
+              <a:rPr lang="zh-CN" altLang="en-US" sz="2000" dirty="0" smtClean="0"/>
               <a:t>：应用程序类型</a:t>
             </a:r>
-            <a:endParaRPr lang="en-US" altLang="zh-CN" dirty="0" smtClean="0"/>
+            <a:endParaRPr lang="en-US" altLang="zh-CN" sz="2000" dirty="0" smtClean="0"/>
           </a:p>
           <a:p>
             <a:pPr lvl="1"/>
             <a:r>
-              <a:rPr lang="en-US" altLang="zh-CN" dirty="0" smtClean="0"/>
+              <a:rPr lang="en-US" altLang="zh-CN" sz="2000" dirty="0" smtClean="0"/>
               <a:t>【</a:t>
             </a:r>
             <a:r>
-              <a:rPr lang="en-US" dirty="0" smtClean="0"/>
+              <a:rPr lang="en-US" sz="2000" dirty="0" smtClean="0"/>
               <a:t>Program to record</a:t>
             </a:r>
             <a:r>
-              <a:rPr lang="en-US" altLang="zh-CN" dirty="0" smtClean="0"/>
+              <a:rPr lang="en-US" altLang="zh-CN" sz="2000" dirty="0" smtClean="0"/>
               <a:t>】</a:t>
             </a:r>
             <a:r>
-              <a:rPr lang="zh-CN" altLang="en-US" dirty="0" smtClean="0"/>
+              <a:rPr lang="zh-CN" altLang="en-US" sz="2000" dirty="0" smtClean="0"/>
               <a:t>：要录制的程序</a:t>
             </a:r>
-            <a:endParaRPr lang="en-US" altLang="zh-CN" dirty="0" smtClean="0"/>
+            <a:endParaRPr lang="en-US" altLang="zh-CN" sz="2000" dirty="0" smtClean="0"/>
           </a:p>
           <a:p>
             <a:pPr lvl="1"/>
             <a:r>
-              <a:rPr lang="en-US" altLang="zh-CN" dirty="0" smtClean="0"/>
+              <a:rPr lang="en-US" altLang="zh-CN" sz="2000" dirty="0" smtClean="0"/>
               <a:t>【</a:t>
             </a:r>
             <a:r>
-              <a:rPr lang="en-US" dirty="0" smtClean="0"/>
+              <a:rPr lang="en-US" sz="2000" dirty="0" smtClean="0"/>
               <a:t>URL Address</a:t>
             </a:r>
             <a:r>
-              <a:rPr lang="en-US" altLang="zh-CN" dirty="0" smtClean="0"/>
+              <a:rPr lang="en-US" altLang="zh-CN" sz="2000" dirty="0" smtClean="0"/>
               <a:t>】</a:t>
             </a:r>
             <a:r>
-              <a:rPr lang="zh-CN" altLang="en-US" dirty="0" smtClean="0"/>
+              <a:rPr lang="zh-CN" altLang="en-US" sz="2000" dirty="0" smtClean="0"/>
               <a:t>：待测试的</a:t>
             </a:r>
             <a:r>
-              <a:rPr lang="en-US" dirty="0" smtClean="0"/>
+              <a:rPr lang="en-US" sz="2000" dirty="0" smtClean="0"/>
               <a:t>URL</a:t>
             </a:r>
           </a:p>
           <a:p>
             <a:pPr lvl="1"/>
             <a:r>
-              <a:rPr lang="en-US" altLang="zh-CN" dirty="0" smtClean="0"/>
+              <a:rPr lang="en-US" altLang="zh-CN" sz="2000" dirty="0" smtClean="0"/>
               <a:t>【</a:t>
             </a:r>
             <a:r>
-              <a:rPr lang="en-US" dirty="0" smtClean="0"/>
+              <a:rPr lang="en-US" sz="2000" dirty="0" smtClean="0"/>
               <a:t>Working directory</a:t>
             </a:r>
             <a:r>
-              <a:rPr lang="en-US" altLang="zh-CN" dirty="0" smtClean="0"/>
+              <a:rPr lang="en-US" altLang="zh-CN" sz="2000" dirty="0" smtClean="0"/>
               <a:t>】</a:t>
             </a:r>
             <a:r>
-              <a:rPr lang="zh-CN" altLang="en-US" dirty="0" smtClean="0"/>
+              <a:rPr lang="zh-CN" altLang="en-US" sz="2000" dirty="0" smtClean="0"/>
               <a:t>：设置工作目录</a:t>
             </a:r>
-            <a:endParaRPr lang="en-US" dirty="0" smtClean="0"/>
+            <a:endParaRPr lang="en-US" sz="2000" dirty="0" smtClean="0"/>
           </a:p>
           <a:p>
             <a:pPr lvl="1"/>
             <a:r>
-              <a:rPr lang="en-US" altLang="zh-CN" dirty="0" smtClean="0"/>
+              <a:rPr lang="en-US" altLang="zh-CN" sz="2000" dirty="0" smtClean="0"/>
               <a:t>【</a:t>
             </a:r>
             <a:r>
-              <a:rPr lang="en-US" dirty="0" smtClean="0"/>
+              <a:rPr lang="en-US" sz="2000" dirty="0" smtClean="0"/>
               <a:t>Record into Action</a:t>
             </a:r>
             <a:r>
-              <a:rPr lang="en-US" altLang="zh-CN" dirty="0" smtClean="0"/>
+              <a:rPr lang="en-US" altLang="zh-CN" sz="2000" dirty="0" smtClean="0"/>
               <a:t>】</a:t>
             </a:r>
             <a:r>
-              <a:rPr lang="zh-CN" altLang="en-US" dirty="0" smtClean="0"/>
+              <a:rPr lang="zh-CN" altLang="en-US" sz="2000" dirty="0" smtClean="0"/>
               <a:t>：录制到操作，即选择把录制的脚本存放于哪一个函数部分</a:t>
             </a:r>
-            <a:endParaRPr lang="en-US" altLang="zh-CN" dirty="0" smtClean="0"/>
+            <a:endParaRPr lang="en-US" altLang="zh-CN" sz="2000" dirty="0" smtClean="0"/>
           </a:p>
         </p:txBody>
       </p:sp>
@@ -14260,8 +14532,8 @@
         </p:nvSpPr>
         <p:spPr bwMode="auto">
           <a:xfrm>
-            <a:off x="5003848" y="1863725"/>
-            <a:ext cx="2627962" cy="366713"/>
+            <a:off x="5003848" y="1397794"/>
+            <a:ext cx="2627962" cy="354494"/>
           </a:xfrm>
           <a:prstGeom prst="rect">
             <a:avLst/>
@@ -14303,8 +14575,8 @@
         </p:nvSpPr>
         <p:spPr bwMode="auto">
           <a:xfrm>
-            <a:off x="1856559" y="4045642"/>
-            <a:ext cx="2825446" cy="1728788"/>
+            <a:off x="1856559" y="3034232"/>
+            <a:ext cx="2825446" cy="1296591"/>
           </a:xfrm>
           <a:prstGeom prst="rect">
             <a:avLst/>
@@ -14354,8 +14626,8 @@
         </p:nvSpPr>
         <p:spPr bwMode="auto">
           <a:xfrm>
-            <a:off x="4696384" y="5260344"/>
-            <a:ext cx="2711933" cy="298865"/>
+            <a:off x="4696385" y="3945258"/>
+            <a:ext cx="2711933" cy="224149"/>
           </a:xfrm>
           <a:prstGeom prst="rect">
             <a:avLst/>
@@ -14487,7 +14759,7 @@
 </p:sld>
 </file>
 
-<file path=ppt/slides/slide14.xml><?xml version="1.0" encoding="utf-8"?>
+<file path=ppt/slides/slide15.xml><?xml version="1.0" encoding="utf-8"?>
 <p:sld xmlns:a="http://schemas.openxmlformats.org/drawingml/2006/main" xmlns:r="http://schemas.openxmlformats.org/officeDocument/2006/relationships" xmlns:p="http://schemas.openxmlformats.org/presentationml/2006/main">
   <p:cSld>
     <p:spTree>
@@ -14516,7 +14788,9 @@
         </p:nvSpPr>
         <p:spPr/>
         <p:txBody>
-          <a:bodyPr/>
+          <a:bodyPr>
+            <a:normAutofit fontScale="90000"/>
+          </a:bodyPr>
           <a:lstStyle/>
           <a:p>
             <a:r>
@@ -14537,7 +14811,12 @@
             <p:ph idx="1"/>
           </p:nvPr>
         </p:nvSpPr>
-        <p:spPr/>
+        <p:spPr>
+          <a:xfrm>
+            <a:off x="467544" y="555526"/>
+            <a:ext cx="8229600" cy="3394472"/>
+          </a:xfrm>
+        </p:spPr>
         <p:txBody>
           <a:bodyPr/>
           <a:lstStyle/>
@@ -14604,8 +14883,8 @@
         </p:nvSpPr>
         <p:spPr bwMode="auto">
           <a:xfrm>
-            <a:off x="5003848" y="1863725"/>
-            <a:ext cx="2627962" cy="366713"/>
+            <a:off x="5003848" y="1397794"/>
+            <a:ext cx="2627962" cy="354494"/>
           </a:xfrm>
           <a:prstGeom prst="rect">
             <a:avLst/>
@@ -14654,8 +14933,8 @@
         </p:blipFill>
         <p:spPr bwMode="auto">
           <a:xfrm>
-            <a:off x="2467958" y="4076922"/>
-            <a:ext cx="5227270" cy="2015757"/>
+            <a:off x="2467958" y="3057692"/>
+            <a:ext cx="5227270" cy="1511818"/>
           </a:xfrm>
           <a:prstGeom prst="rect">
             <a:avLst/>
@@ -15002,124 +15281,6 @@
 </p:sld>
 </file>
 
-<file path=ppt/slides/slide15.xml><?xml version="1.0" encoding="utf-8"?>
-<p:sld xmlns:a="http://schemas.openxmlformats.org/drawingml/2006/main" xmlns:r="http://schemas.openxmlformats.org/officeDocument/2006/relationships" xmlns:p="http://schemas.openxmlformats.org/presentationml/2006/main">
-  <p:cSld>
-    <p:spTree>
-      <p:nvGrpSpPr>
-        <p:cNvPr id="1" name=""/>
-        <p:cNvGrpSpPr/>
-        <p:nvPr/>
-      </p:nvGrpSpPr>
-      <p:grpSpPr>
-        <a:xfrm>
-          <a:off x="0" y="0"/>
-          <a:ext cx="0" cy="0"/>
-          <a:chOff x="0" y="0"/>
-          <a:chExt cx="0" cy="0"/>
-        </a:xfrm>
-      </p:grpSpPr>
-      <p:sp>
-        <p:nvSpPr>
-          <p:cNvPr id="2" name="标题 1"/>
-          <p:cNvSpPr>
-            <a:spLocks noGrp="1"/>
-          </p:cNvSpPr>
-          <p:nvPr>
-            <p:ph type="title"/>
-          </p:nvPr>
-        </p:nvSpPr>
-        <p:spPr/>
-        <p:txBody>
-          <a:bodyPr/>
-          <a:lstStyle/>
-          <a:p>
-            <a:r>
-              <a:rPr lang="zh-CN" altLang="en-US" dirty="0" smtClean="0"/>
-              <a:t>录制订票页面的登录操作</a:t>
-            </a:r>
-            <a:endParaRPr lang="zh-CN" altLang="en-US" dirty="0"/>
-          </a:p>
-        </p:txBody>
-      </p:sp>
-      <p:sp>
-        <p:nvSpPr>
-          <p:cNvPr id="3" name="内容占位符 2"/>
-          <p:cNvSpPr>
-            <a:spLocks noGrp="1"/>
-          </p:cNvSpPr>
-          <p:nvPr>
-            <p:ph idx="1"/>
-          </p:nvPr>
-        </p:nvSpPr>
-        <p:spPr/>
-        <p:txBody>
-          <a:bodyPr/>
-          <a:lstStyle/>
-          <a:p>
-            <a:pPr marL="0" indent="0">
-              <a:buNone/>
-            </a:pPr>
-            <a:r>
-              <a:rPr lang="en-US" altLang="zh-CN" dirty="0" smtClean="0"/>
-              <a:t>1 </a:t>
-            </a:r>
-            <a:r>
-              <a:rPr lang="zh-CN" altLang="en-US" dirty="0" smtClean="0"/>
-              <a:t>新建脚本</a:t>
-            </a:r>
-            <a:endParaRPr lang="en-US" altLang="zh-CN" dirty="0" smtClean="0"/>
-          </a:p>
-          <a:p>
-            <a:pPr marL="0" indent="0">
-              <a:buNone/>
-            </a:pPr>
-            <a:r>
-              <a:rPr lang="en-US" altLang="zh-CN" dirty="0" smtClean="0"/>
-              <a:t>2 </a:t>
-            </a:r>
-            <a:r>
-              <a:rPr lang="zh-CN" altLang="en-US" dirty="0" smtClean="0"/>
-              <a:t>设置相关选项，开始录制</a:t>
-            </a:r>
-            <a:endParaRPr lang="en-US" altLang="zh-CN" dirty="0" smtClean="0"/>
-          </a:p>
-          <a:p>
-            <a:pPr marL="0" indent="0">
-              <a:buNone/>
-            </a:pPr>
-            <a:r>
-              <a:rPr lang="en-US" altLang="zh-CN" dirty="0" smtClean="0"/>
-              <a:t>3 </a:t>
-            </a:r>
-            <a:r>
-              <a:rPr lang="zh-CN" altLang="en-US" dirty="0" smtClean="0"/>
-              <a:t>录制后，保存脚本</a:t>
-            </a:r>
-            <a:endParaRPr lang="en-US" altLang="zh-CN" dirty="0" smtClean="0"/>
-          </a:p>
-        </p:txBody>
-      </p:sp>
-    </p:spTree>
-    <p:extLst>
-      <p:ext uri="{BB962C8B-B14F-4D97-AF65-F5344CB8AC3E}">
-        <p14:creationId xmlns:p14="http://schemas.microsoft.com/office/powerpoint/2010/main" val="3379293103"/>
-      </p:ext>
-    </p:extLst>
-  </p:cSld>
-  <p:clrMapOvr>
-    <a:masterClrMapping/>
-  </p:clrMapOvr>
-  <p:timing>
-    <p:tnLst>
-      <p:par>
-        <p:cTn id="1" dur="indefinite" restart="never" nodeType="tmRoot"/>
-      </p:par>
-    </p:tnLst>
-  </p:timing>
-</p:sld>
-</file>
-
 <file path=ppt/slides/slide16.xml><?xml version="1.0" encoding="utf-8"?>
 <p:sld xmlns:a="http://schemas.openxmlformats.org/drawingml/2006/main" xmlns:r="http://schemas.openxmlformats.org/officeDocument/2006/relationships" xmlns:p="http://schemas.openxmlformats.org/presentationml/2006/main">
   <p:cSld>
@@ -15149,12 +15310,14 @@
         </p:nvSpPr>
         <p:spPr/>
         <p:txBody>
-          <a:bodyPr/>
+          <a:bodyPr>
+            <a:normAutofit fontScale="90000"/>
+          </a:bodyPr>
           <a:lstStyle/>
           <a:p>
             <a:r>
               <a:rPr lang="zh-CN" altLang="en-US" dirty="0"/>
-              <a:t>录制订票页面的登录操作</a:t>
+              <a:t>目录</a:t>
             </a:r>
           </a:p>
         </p:txBody>
@@ -15171,91 +15334,93 @@
         </p:nvSpPr>
         <p:spPr/>
         <p:txBody>
-          <a:bodyPr/>
+          <a:bodyPr>
+            <a:normAutofit/>
+          </a:bodyPr>
           <a:lstStyle/>
           <a:p>
-            <a:pPr marL="0" indent="0">
-              <a:buNone/>
+            <a:pPr marL="742950" indent="-742950">
+              <a:lnSpc>
+                <a:spcPct val="170000"/>
+              </a:lnSpc>
+              <a:buFont typeface="+mj-lt"/>
+              <a:buAutoNum type="arabicPeriod"/>
             </a:pPr>
             <a:r>
-              <a:rPr lang="en-US" altLang="zh-CN" dirty="0"/>
-              <a:t>4 </a:t>
-            </a:r>
-            <a:r>
-              <a:rPr lang="zh-CN" altLang="en-US" dirty="0" smtClean="0"/>
-              <a:t>修改设置项，重新录制</a:t>
-            </a:r>
+              <a:rPr lang="en-US" altLang="zh-CN" sz="2800" b="1" dirty="0" err="1"/>
+              <a:t>LoadRunner</a:t>
+            </a:r>
+            <a:r>
+              <a:rPr lang="zh-CN" altLang="en-US" sz="2800" b="1" dirty="0"/>
+              <a:t>开启</a:t>
+            </a:r>
+            <a:endParaRPr lang="en-US" altLang="zh-CN" sz="2800" b="1" dirty="0"/>
+          </a:p>
+          <a:p>
+            <a:pPr marL="742950" indent="-742950">
+              <a:lnSpc>
+                <a:spcPct val="170000"/>
+              </a:lnSpc>
+              <a:buFont typeface="+mj-lt"/>
+              <a:buAutoNum type="arabicPeriod"/>
+            </a:pPr>
+            <a:r>
+              <a:rPr lang="zh-CN" altLang="en-US" sz="2800" b="1" dirty="0"/>
+              <a:t>协议选择</a:t>
+            </a:r>
+            <a:endParaRPr lang="en-US" altLang="zh-CN" sz="2800" b="1" dirty="0"/>
+          </a:p>
+          <a:p>
+            <a:pPr marL="742950" indent="-742950">
+              <a:lnSpc>
+                <a:spcPct val="170000"/>
+              </a:lnSpc>
+              <a:buFont typeface="+mj-lt"/>
+              <a:buAutoNum type="arabicPeriod"/>
+            </a:pPr>
+            <a:r>
+              <a:rPr lang="zh-CN" altLang="en-US" sz="2800" b="1" dirty="0"/>
+              <a:t>录制选项设置</a:t>
+            </a:r>
+            <a:endParaRPr lang="en-US" altLang="zh-CN" sz="2800" b="1" dirty="0"/>
+          </a:p>
+          <a:p>
+            <a:pPr marL="742950" indent="-742950">
+              <a:lnSpc>
+                <a:spcPct val="170000"/>
+              </a:lnSpc>
+              <a:buFont typeface="+mj-lt"/>
+              <a:buAutoNum type="arabicPeriod"/>
+            </a:pPr>
+            <a:r>
+              <a:rPr lang="zh-CN" altLang="en-US" sz="2800" b="1" dirty="0">
+                <a:solidFill>
+                  <a:srgbClr val="FF0000"/>
+                </a:solidFill>
+              </a:rPr>
+              <a:t>录制登录操作、手动书写函数</a:t>
+            </a:r>
+            <a:endParaRPr lang="en-US" altLang="zh-CN" sz="2800" b="1" dirty="0">
+              <a:solidFill>
+                <a:srgbClr val="FF0000"/>
+              </a:solidFill>
+            </a:endParaRPr>
+          </a:p>
+          <a:p>
+            <a:endParaRPr lang="en-US" altLang="zh-CN" dirty="0"/>
+          </a:p>
+          <a:p>
             <a:endParaRPr lang="en-US" altLang="zh-CN" dirty="0" smtClean="0"/>
           </a:p>
           <a:p>
-            <a:pPr marL="0" indent="0">
-              <a:buNone/>
-            </a:pPr>
-            <a:r>
-              <a:rPr lang="en-US" altLang="zh-CN" dirty="0" smtClean="0"/>
-              <a:t>—</a:t>
-            </a:r>
-            <a:r>
-              <a:rPr lang="zh-CN" altLang="en-US" dirty="0" smtClean="0"/>
-              <a:t>将</a:t>
-            </a:r>
-            <a:r>
-              <a:rPr lang="en-US" altLang="zh-CN" dirty="0" smtClean="0"/>
-              <a:t>Recording options </a:t>
-            </a:r>
-            <a:r>
-              <a:rPr lang="zh-CN" altLang="en-US" dirty="0" smtClean="0"/>
-              <a:t>中 </a:t>
-            </a:r>
-            <a:r>
-              <a:rPr lang="en-US" altLang="zh-CN" dirty="0" smtClean="0"/>
-              <a:t>HTML-based script </a:t>
-            </a:r>
-            <a:r>
-              <a:rPr lang="zh-CN" altLang="en-US" dirty="0" smtClean="0"/>
-              <a:t>改为</a:t>
-            </a:r>
-            <a:r>
-              <a:rPr lang="en-US" altLang="zh-CN" dirty="0" smtClean="0"/>
-              <a:t>URL-based script</a:t>
-            </a:r>
-            <a:endParaRPr lang="zh-CN" altLang="en-US" dirty="0"/>
-          </a:p>
-          <a:p>
-            <a:pPr marL="0" indent="0">
-              <a:buNone/>
-            </a:pPr>
             <a:endParaRPr lang="zh-CN" altLang="en-US" dirty="0"/>
           </a:p>
         </p:txBody>
       </p:sp>
-      <p:pic>
-        <p:nvPicPr>
-          <p:cNvPr id="5" name="图片 4"/>
-          <p:cNvPicPr>
-            <a:picLocks noChangeAspect="1"/>
-          </p:cNvPicPr>
-          <p:nvPr/>
-        </p:nvPicPr>
-        <p:blipFill rotWithShape="1">
-          <a:blip r:embed="rId2"/>
-          <a:srcRect r="13684"/>
-          <a:stretch/>
-        </p:blipFill>
-        <p:spPr>
-          <a:xfrm>
-            <a:off x="1820560" y="2853070"/>
-            <a:ext cx="6146907" cy="3304990"/>
-          </a:xfrm>
-          <a:prstGeom prst="rect">
-            <a:avLst/>
-          </a:prstGeom>
-        </p:spPr>
-      </p:pic>
     </p:spTree>
     <p:extLst>
       <p:ext uri="{BB962C8B-B14F-4D97-AF65-F5344CB8AC3E}">
-        <p14:creationId xmlns:p14="http://schemas.microsoft.com/office/powerpoint/2010/main" val="1276097809"/>
+        <p14:creationId xmlns:p14="http://schemas.microsoft.com/office/powerpoint/2010/main" val="4157280590"/>
       </p:ext>
     </p:extLst>
   </p:cSld>
@@ -15265,7 +15430,75 @@
   <p:timing>
     <p:tnLst>
       <p:par>
-        <p:cTn id="1" dur="indefinite" restart="never" nodeType="tmRoot"/>
+        <p:cTn id="1" dur="indefinite" restart="never" nodeType="tmRoot">
+          <p:childTnLst>
+            <p:seq concurrent="1" nextAc="seek">
+              <p:cTn id="2" dur="indefinite" nodeType="mainSeq">
+                <p:childTnLst>
+                  <p:par>
+                    <p:cTn id="3" fill="hold">
+                      <p:stCondLst>
+                        <p:cond delay="indefinite"/>
+                      </p:stCondLst>
+                      <p:childTnLst>
+                        <p:par>
+                          <p:cTn id="4" fill="hold">
+                            <p:stCondLst>
+                              <p:cond delay="0"/>
+                            </p:stCondLst>
+                            <p:childTnLst>
+                              <p:par>
+                                <p:cTn id="5" presetID="3" presetClass="emph" presetSubtype="2" fill="hold" nodeType="clickEffect">
+                                  <p:stCondLst>
+                                    <p:cond delay="0"/>
+                                  </p:stCondLst>
+                                  <p:childTnLst>
+                                    <p:animClr clrSpc="rgb" dir="cw">
+                                      <p:cBhvr override="childStyle">
+                                        <p:cTn id="6" dur="500" fill="hold"/>
+                                        <p:tgtEl>
+                                          <p:spTgt spid="3">
+                                            <p:txEl>
+                                              <p:pRg st="0" end="0"/>
+                                            </p:txEl>
+                                          </p:spTgt>
+                                        </p:tgtEl>
+                                        <p:attrNameLst>
+                                          <p:attrName>style.color</p:attrName>
+                                        </p:attrNameLst>
+                                      </p:cBhvr>
+                                      <p:to>
+                                        <a:srgbClr val="FF0000"/>
+                                      </p:to>
+                                    </p:animClr>
+                                  </p:childTnLst>
+                                </p:cTn>
+                              </p:par>
+                            </p:childTnLst>
+                          </p:cTn>
+                        </p:par>
+                      </p:childTnLst>
+                    </p:cTn>
+                  </p:par>
+                </p:childTnLst>
+              </p:cTn>
+              <p:prevCondLst>
+                <p:cond evt="onPrev" delay="0">
+                  <p:tgtEl>
+                    <p:sldTgt/>
+                  </p:tgtEl>
+                </p:cond>
+              </p:prevCondLst>
+              <p:nextCondLst>
+                <p:cond evt="onNext" delay="0">
+                  <p:tgtEl>
+                    <p:sldTgt/>
+                  </p:tgtEl>
+                </p:cond>
+              </p:nextCondLst>
+            </p:seq>
+          </p:childTnLst>
+        </p:cTn>
       </p:par>
     </p:tnLst>
   </p:timing>
@@ -15301,12 +15534,14 @@
         </p:nvSpPr>
         <p:spPr/>
         <p:txBody>
-          <a:bodyPr/>
+          <a:bodyPr>
+            <a:normAutofit fontScale="90000"/>
+          </a:bodyPr>
           <a:lstStyle/>
           <a:p>
             <a:r>
-              <a:rPr lang="zh-CN" altLang="en-US" smtClean="0"/>
-              <a:t>录制选项设置</a:t>
+              <a:rPr lang="zh-CN" altLang="en-US" dirty="0" smtClean="0"/>
+              <a:t>录制订票页面的登录操作</a:t>
             </a:r>
             <a:endParaRPr lang="zh-CN" altLang="en-US" dirty="0"/>
           </a:p>
@@ -15322,160 +15557,58 @@
             <p:ph idx="1"/>
           </p:nvPr>
         </p:nvSpPr>
-        <p:spPr>
-          <a:xfrm>
-            <a:off x="148117" y="1053287"/>
-            <a:ext cx="9120673" cy="5040020"/>
-          </a:xfrm>
-        </p:spPr>
+        <p:spPr/>
         <p:txBody>
-          <a:bodyPr>
-            <a:normAutofit fontScale="77500" lnSpcReduction="20000"/>
-          </a:bodyPr>
+          <a:bodyPr/>
           <a:lstStyle/>
           <a:p>
-            <a:pPr>
-              <a:lnSpc>
-                <a:spcPct val="130000"/>
-              </a:lnSpc>
+            <a:pPr marL="0" indent="0">
+              <a:buNone/>
             </a:pPr>
             <a:r>
               <a:rPr lang="en-US" altLang="zh-CN" dirty="0" smtClean="0"/>
-              <a:t>HTML-based script </a:t>
-            </a:r>
+              <a:t>1</a:t>
+            </a:r>
+            <a:r>
+              <a:rPr lang="zh-CN" altLang="en-US" dirty="0" smtClean="0"/>
+              <a:t>、新建脚本</a:t>
+            </a:r>
+            <a:endParaRPr lang="en-US" altLang="zh-CN" dirty="0" smtClean="0"/>
           </a:p>
           <a:p>
-            <a:pPr lvl="1">
-              <a:lnSpc>
-                <a:spcPct val="130000"/>
-              </a:lnSpc>
+            <a:pPr marL="0" indent="0">
+              <a:buNone/>
             </a:pPr>
             <a:r>
+              <a:rPr lang="en-US" altLang="zh-CN" dirty="0" smtClean="0"/>
+              <a:t>2</a:t>
+            </a:r>
+            <a:r>
               <a:rPr lang="zh-CN" altLang="en-US" dirty="0" smtClean="0"/>
-              <a:t>基于 </a:t>
-            </a:r>
-            <a:r>
-              <a:rPr lang="en-US" altLang="zh-CN" dirty="0" smtClean="0"/>
-              <a:t>HTML</a:t>
-            </a:r>
-            <a:r>
-              <a:rPr lang="zh-CN" altLang="en-US" dirty="0" smtClean="0"/>
-              <a:t> 的脚本级别：为每个 </a:t>
-            </a:r>
-            <a:r>
-              <a:rPr lang="en-US" altLang="zh-CN" dirty="0" smtClean="0"/>
-              <a:t>HTML</a:t>
-            </a:r>
-            <a:r>
-              <a:rPr lang="zh-CN" altLang="en-US" dirty="0" smtClean="0"/>
-              <a:t>用户操作生成单独的步骤和函数。步骤直观且脚本容易理解和维护。</a:t>
-            </a:r>
+              <a:t>、设置相关选项，开始录制</a:t>
+            </a:r>
+            <a:endParaRPr lang="en-US" altLang="zh-CN" dirty="0" smtClean="0"/>
           </a:p>
           <a:p>
-            <a:pPr>
-              <a:lnSpc>
-                <a:spcPct val="130000"/>
-              </a:lnSpc>
-            </a:pPr>
-            <a:r>
-              <a:rPr lang="en-US" altLang="zh-CN" dirty="0" smtClean="0"/>
-              <a:t>URL-based script</a:t>
-            </a:r>
-          </a:p>
-          <a:p>
-            <a:pPr lvl="1">
-              <a:lnSpc>
-                <a:spcPct val="130000"/>
-              </a:lnSpc>
-            </a:pPr>
-            <a:r>
-              <a:rPr lang="zh-CN" altLang="en-US" dirty="0" smtClean="0"/>
-              <a:t>基于 </a:t>
-            </a:r>
-            <a:r>
-              <a:rPr lang="en-US" altLang="zh-CN" dirty="0" smtClean="0"/>
-              <a:t>URL</a:t>
-            </a:r>
-            <a:r>
-              <a:rPr lang="zh-CN" altLang="en-US" dirty="0" smtClean="0"/>
-              <a:t> 的脚本级别：录制“客户端向服务器发送请求后，服务器</a:t>
-            </a:r>
-          </a:p>
-          <a:p>
-            <a:pPr marL="457135" lvl="1" indent="0">
-              <a:lnSpc>
-                <a:spcPct val="130000"/>
-              </a:lnSpc>
+            <a:pPr marL="0" indent="0">
               <a:buNone/>
             </a:pPr>
             <a:r>
+              <a:rPr lang="en-US" altLang="zh-CN" dirty="0" smtClean="0"/>
+              <a:t>3</a:t>
+            </a:r>
+            <a:r>
               <a:rPr lang="zh-CN" altLang="en-US" dirty="0" smtClean="0"/>
-              <a:t>返回给客户端的所有浏览器请求和资源”。它自动将每个</a:t>
-            </a:r>
-            <a:r>
-              <a:rPr lang="en-US" altLang="zh-CN" dirty="0" smtClean="0"/>
-              <a:t>HTTP</a:t>
-            </a:r>
-            <a:r>
-              <a:rPr lang="zh-CN" altLang="en-US" dirty="0" smtClean="0"/>
-              <a:t>资源</a:t>
-            </a:r>
-          </a:p>
-          <a:p>
-            <a:pPr marL="457135" lvl="1" indent="0">
-              <a:lnSpc>
-                <a:spcPct val="130000"/>
-              </a:lnSpc>
-              <a:buNone/>
-            </a:pPr>
-            <a:r>
-              <a:rPr lang="zh-CN" altLang="en-US" dirty="0" smtClean="0"/>
-              <a:t>（即所有操作）录制为 </a:t>
-            </a:r>
-            <a:r>
-              <a:rPr lang="en-US" altLang="zh-CN" dirty="0" smtClean="0"/>
-              <a:t>URL </a:t>
-            </a:r>
-            <a:r>
-              <a:rPr lang="zh-CN" altLang="en-US" dirty="0" smtClean="0"/>
-              <a:t>步骤（即由</a:t>
-            </a:r>
-            <a:r>
-              <a:rPr lang="en-US" altLang="zh-CN" dirty="0" err="1" smtClean="0"/>
-              <a:t>web_url</a:t>
-            </a:r>
-            <a:r>
-              <a:rPr lang="zh-CN" altLang="en-US" dirty="0" smtClean="0"/>
-              <a:t> 语句构成的脚本）。</a:t>
-            </a:r>
-          </a:p>
-          <a:p>
-            <a:pPr marL="457135" lvl="1" indent="0">
-              <a:lnSpc>
-                <a:spcPct val="130000"/>
-              </a:lnSpc>
-              <a:buNone/>
-            </a:pPr>
-            <a:r>
-              <a:rPr lang="zh-CN" altLang="en-US" dirty="0" smtClean="0"/>
-              <a:t>较上一方式，记录了更详细的客户端操作信息，甚至可捕获非</a:t>
-            </a:r>
-            <a:r>
-              <a:rPr lang="en-US" altLang="zh-CN" dirty="0" smtClean="0"/>
-              <a:t>HTML</a:t>
-            </a:r>
-            <a:r>
-              <a:rPr lang="zh-CN" altLang="en-US" dirty="0" smtClean="0"/>
-              <a:t>形式应用程序，如小程序、非浏览器程序。但生成的脚本内容长且多，显示不直观</a:t>
-            </a:r>
-            <a:endParaRPr lang="zh-CN" altLang="en-US" dirty="0"/>
+              <a:t>、录制后，保存脚本</a:t>
+            </a:r>
+            <a:endParaRPr lang="en-US" altLang="zh-CN" dirty="0" smtClean="0"/>
           </a:p>
         </p:txBody>
       </p:sp>
     </p:spTree>
     <p:extLst>
       <p:ext uri="{BB962C8B-B14F-4D97-AF65-F5344CB8AC3E}">
-        <p14:creationId xmlns:p14="http://schemas.microsoft.com/office/powerpoint/2010/main" val="763131906"/>
+        <p14:creationId xmlns:p14="http://schemas.microsoft.com/office/powerpoint/2010/main" val="3379293103"/>
       </p:ext>
     </p:extLst>
   </p:cSld>
@@ -15519,6 +15652,619 @@
             <p:ph type="title"/>
           </p:nvPr>
         </p:nvSpPr>
+        <p:spPr/>
+        <p:txBody>
+          <a:bodyPr>
+            <a:normAutofit fontScale="90000"/>
+          </a:bodyPr>
+          <a:lstStyle/>
+          <a:p>
+            <a:r>
+              <a:rPr lang="zh-CN" altLang="en-US" dirty="0"/>
+              <a:t>录制订票页面的登录操作</a:t>
+            </a:r>
+          </a:p>
+        </p:txBody>
+      </p:sp>
+      <p:sp>
+        <p:nvSpPr>
+          <p:cNvPr id="3" name="内容占位符 2"/>
+          <p:cNvSpPr>
+            <a:spLocks noGrp="1"/>
+          </p:cNvSpPr>
+          <p:nvPr>
+            <p:ph idx="1"/>
+          </p:nvPr>
+        </p:nvSpPr>
+        <p:spPr>
+          <a:xfrm>
+            <a:off x="467544" y="555526"/>
+            <a:ext cx="8229600" cy="3394472"/>
+          </a:xfrm>
+        </p:spPr>
+        <p:txBody>
+          <a:bodyPr/>
+          <a:lstStyle/>
+          <a:p>
+            <a:pPr marL="0" indent="0">
+              <a:buNone/>
+            </a:pPr>
+            <a:r>
+              <a:rPr lang="en-US" altLang="zh-CN" dirty="0" smtClean="0"/>
+              <a:t>4</a:t>
+            </a:r>
+            <a:r>
+              <a:rPr lang="zh-CN" altLang="en-US" dirty="0" smtClean="0"/>
+              <a:t>、修改</a:t>
+            </a:r>
+            <a:r>
+              <a:rPr lang="zh-CN" altLang="en-US" sz="2800" dirty="0" smtClean="0"/>
+              <a:t>设置项，重新录制</a:t>
+            </a:r>
+            <a:endParaRPr lang="en-US" altLang="zh-CN" sz="2800" dirty="0" smtClean="0"/>
+          </a:p>
+          <a:p>
+            <a:pPr marL="0" indent="0">
+              <a:buNone/>
+            </a:pPr>
+            <a:r>
+              <a:rPr lang="en-US" altLang="zh-CN" sz="2800" dirty="0" smtClean="0"/>
+              <a:t>—</a:t>
+            </a:r>
+            <a:r>
+              <a:rPr lang="zh-CN" altLang="en-US" sz="2800" dirty="0" smtClean="0"/>
+              <a:t>将</a:t>
+            </a:r>
+            <a:r>
+              <a:rPr lang="en-US" altLang="zh-CN" sz="2800" dirty="0" smtClean="0"/>
+              <a:t>Recording options </a:t>
+            </a:r>
+            <a:r>
+              <a:rPr lang="zh-CN" altLang="en-US" sz="2800" dirty="0" smtClean="0"/>
+              <a:t>中 </a:t>
+            </a:r>
+            <a:r>
+              <a:rPr lang="en-US" altLang="zh-CN" sz="2800" dirty="0" smtClean="0"/>
+              <a:t>HTML-based script </a:t>
+            </a:r>
+            <a:r>
+              <a:rPr lang="zh-CN" altLang="en-US" sz="2800" dirty="0" smtClean="0"/>
+              <a:t>改为</a:t>
+            </a:r>
+            <a:r>
+              <a:rPr lang="en-US" altLang="zh-CN" sz="2800" dirty="0" smtClean="0"/>
+              <a:t>URL-based script</a:t>
+            </a:r>
+            <a:endParaRPr lang="zh-CN" altLang="en-US" sz="2800" dirty="0"/>
+          </a:p>
+          <a:p>
+            <a:pPr marL="0" indent="0">
+              <a:buNone/>
+            </a:pPr>
+            <a:endParaRPr lang="zh-CN" altLang="en-US" dirty="0"/>
+          </a:p>
+        </p:txBody>
+      </p:sp>
+      <p:pic>
+        <p:nvPicPr>
+          <p:cNvPr id="5" name="图片 4"/>
+          <p:cNvPicPr>
+            <a:picLocks noChangeAspect="1"/>
+          </p:cNvPicPr>
+          <p:nvPr/>
+        </p:nvPicPr>
+        <p:blipFill rotWithShape="1">
+          <a:blip r:embed="rId2"/>
+          <a:srcRect r="13684"/>
+          <a:stretch/>
+        </p:blipFill>
+        <p:spPr>
+          <a:xfrm>
+            <a:off x="2771800" y="2523390"/>
+            <a:ext cx="5195667" cy="2095155"/>
+          </a:xfrm>
+          <a:prstGeom prst="rect">
+            <a:avLst/>
+          </a:prstGeom>
+        </p:spPr>
+      </p:pic>
+    </p:spTree>
+    <p:extLst>
+      <p:ext uri="{BB962C8B-B14F-4D97-AF65-F5344CB8AC3E}">
+        <p14:creationId xmlns:p14="http://schemas.microsoft.com/office/powerpoint/2010/main" val="1276097809"/>
+      </p:ext>
+    </p:extLst>
+  </p:cSld>
+  <p:clrMapOvr>
+    <a:masterClrMapping/>
+  </p:clrMapOvr>
+  <p:timing>
+    <p:tnLst>
+      <p:par>
+        <p:cTn id="1" dur="indefinite" restart="never" nodeType="tmRoot"/>
+      </p:par>
+    </p:tnLst>
+  </p:timing>
+</p:sld>
+</file>
+
+<file path=ppt/slides/slide19.xml><?xml version="1.0" encoding="utf-8"?>
+<p:sld xmlns:a="http://schemas.openxmlformats.org/drawingml/2006/main" xmlns:r="http://schemas.openxmlformats.org/officeDocument/2006/relationships" xmlns:p="http://schemas.openxmlformats.org/presentationml/2006/main">
+  <p:cSld>
+    <p:spTree>
+      <p:nvGrpSpPr>
+        <p:cNvPr id="1" name=""/>
+        <p:cNvGrpSpPr/>
+        <p:nvPr/>
+      </p:nvGrpSpPr>
+      <p:grpSpPr>
+        <a:xfrm>
+          <a:off x="0" y="0"/>
+          <a:ext cx="0" cy="0"/>
+          <a:chOff x="0" y="0"/>
+          <a:chExt cx="0" cy="0"/>
+        </a:xfrm>
+      </p:grpSpPr>
+      <p:sp>
+        <p:nvSpPr>
+          <p:cNvPr id="2" name="标题 1"/>
+          <p:cNvSpPr>
+            <a:spLocks noGrp="1"/>
+          </p:cNvSpPr>
+          <p:nvPr>
+            <p:ph type="title"/>
+          </p:nvPr>
+        </p:nvSpPr>
+        <p:spPr/>
+        <p:txBody>
+          <a:bodyPr>
+            <a:normAutofit fontScale="90000"/>
+          </a:bodyPr>
+          <a:lstStyle/>
+          <a:p>
+            <a:r>
+              <a:rPr lang="zh-CN" altLang="en-US" smtClean="0"/>
+              <a:t>录制选项设置</a:t>
+            </a:r>
+            <a:endParaRPr lang="zh-CN" altLang="en-US" dirty="0"/>
+          </a:p>
+        </p:txBody>
+      </p:sp>
+      <p:sp>
+        <p:nvSpPr>
+          <p:cNvPr id="3" name="内容占位符 2"/>
+          <p:cNvSpPr>
+            <a:spLocks noGrp="1"/>
+          </p:cNvSpPr>
+          <p:nvPr>
+            <p:ph idx="1"/>
+          </p:nvPr>
+        </p:nvSpPr>
+        <p:spPr>
+          <a:xfrm>
+            <a:off x="148117" y="789965"/>
+            <a:ext cx="9120673" cy="3780015"/>
+          </a:xfrm>
+        </p:spPr>
+        <p:txBody>
+          <a:bodyPr>
+            <a:normAutofit fontScale="70000" lnSpcReduction="20000"/>
+          </a:bodyPr>
+          <a:lstStyle/>
+          <a:p>
+            <a:pPr>
+              <a:lnSpc>
+                <a:spcPct val="130000"/>
+              </a:lnSpc>
+            </a:pPr>
+            <a:r>
+              <a:rPr lang="en-US" altLang="zh-CN" dirty="0" smtClean="0"/>
+              <a:t>HTML-based script </a:t>
+            </a:r>
+          </a:p>
+          <a:p>
+            <a:pPr lvl="1">
+              <a:lnSpc>
+                <a:spcPct val="130000"/>
+              </a:lnSpc>
+            </a:pPr>
+            <a:r>
+              <a:rPr lang="zh-CN" altLang="en-US" dirty="0" smtClean="0"/>
+              <a:t>基于 </a:t>
+            </a:r>
+            <a:r>
+              <a:rPr lang="en-US" altLang="zh-CN" dirty="0" smtClean="0"/>
+              <a:t>HTML</a:t>
+            </a:r>
+            <a:r>
+              <a:rPr lang="zh-CN" altLang="en-US" dirty="0" smtClean="0"/>
+              <a:t> 的脚本级别：为每个 </a:t>
+            </a:r>
+            <a:r>
+              <a:rPr lang="en-US" altLang="zh-CN" dirty="0" smtClean="0"/>
+              <a:t>HTML</a:t>
+            </a:r>
+            <a:r>
+              <a:rPr lang="zh-CN" altLang="en-US" dirty="0" smtClean="0"/>
+              <a:t>用户操作生成单独的步骤和函数。步骤直观且脚本容易理解和维护。</a:t>
+            </a:r>
+          </a:p>
+          <a:p>
+            <a:pPr>
+              <a:lnSpc>
+                <a:spcPct val="130000"/>
+              </a:lnSpc>
+            </a:pPr>
+            <a:r>
+              <a:rPr lang="en-US" altLang="zh-CN" dirty="0" smtClean="0"/>
+              <a:t>URL-based script</a:t>
+            </a:r>
+          </a:p>
+          <a:p>
+            <a:pPr lvl="1">
+              <a:lnSpc>
+                <a:spcPct val="130000"/>
+              </a:lnSpc>
+            </a:pPr>
+            <a:r>
+              <a:rPr lang="zh-CN" altLang="en-US" dirty="0" smtClean="0"/>
+              <a:t>基于 </a:t>
+            </a:r>
+            <a:r>
+              <a:rPr lang="en-US" altLang="zh-CN" dirty="0" smtClean="0"/>
+              <a:t>URL</a:t>
+            </a:r>
+            <a:r>
+              <a:rPr lang="zh-CN" altLang="en-US" dirty="0" smtClean="0"/>
+              <a:t> 的脚本级别：录制“客户端向服务器发送请求后，服务器</a:t>
+            </a:r>
+          </a:p>
+          <a:p>
+            <a:pPr marL="457135" lvl="1" indent="0">
+              <a:lnSpc>
+                <a:spcPct val="130000"/>
+              </a:lnSpc>
+              <a:buNone/>
+            </a:pPr>
+            <a:r>
+              <a:rPr lang="zh-CN" altLang="en-US" dirty="0" smtClean="0"/>
+              <a:t>返回给客户端的所有浏览器请求和资源”。它自动将每个</a:t>
+            </a:r>
+            <a:r>
+              <a:rPr lang="en-US" altLang="zh-CN" dirty="0" smtClean="0"/>
+              <a:t>HTTP</a:t>
+            </a:r>
+            <a:r>
+              <a:rPr lang="zh-CN" altLang="en-US" dirty="0" smtClean="0"/>
+              <a:t>资源</a:t>
+            </a:r>
+          </a:p>
+          <a:p>
+            <a:pPr marL="457135" lvl="1" indent="0">
+              <a:lnSpc>
+                <a:spcPct val="130000"/>
+              </a:lnSpc>
+              <a:buNone/>
+            </a:pPr>
+            <a:r>
+              <a:rPr lang="zh-CN" altLang="en-US" dirty="0" smtClean="0"/>
+              <a:t>（即所有操作）录制为 </a:t>
+            </a:r>
+            <a:r>
+              <a:rPr lang="en-US" altLang="zh-CN" dirty="0" smtClean="0"/>
+              <a:t>URL </a:t>
+            </a:r>
+            <a:r>
+              <a:rPr lang="zh-CN" altLang="en-US" dirty="0" smtClean="0"/>
+              <a:t>步骤（即由</a:t>
+            </a:r>
+            <a:r>
+              <a:rPr lang="en-US" altLang="zh-CN" dirty="0" err="1" smtClean="0"/>
+              <a:t>web_url</a:t>
+            </a:r>
+            <a:r>
+              <a:rPr lang="zh-CN" altLang="en-US" dirty="0" smtClean="0"/>
+              <a:t> 语句构成的脚本）。</a:t>
+            </a:r>
+          </a:p>
+          <a:p>
+            <a:pPr marL="457135" lvl="1" indent="0">
+              <a:lnSpc>
+                <a:spcPct val="130000"/>
+              </a:lnSpc>
+              <a:buNone/>
+            </a:pPr>
+            <a:r>
+              <a:rPr lang="zh-CN" altLang="en-US" dirty="0" smtClean="0"/>
+              <a:t>较上一方式，记录了更详细的客户端操作信息，甚至可捕获非</a:t>
+            </a:r>
+            <a:r>
+              <a:rPr lang="en-US" altLang="zh-CN" dirty="0" smtClean="0"/>
+              <a:t>HTML</a:t>
+            </a:r>
+            <a:r>
+              <a:rPr lang="zh-CN" altLang="en-US" dirty="0" smtClean="0"/>
+              <a:t>形式应用程序，如小程序、非浏览器程序。但生成的脚本内容长且多，显示不直观</a:t>
+            </a:r>
+            <a:endParaRPr lang="zh-CN" altLang="en-US" dirty="0"/>
+          </a:p>
+        </p:txBody>
+      </p:sp>
+    </p:spTree>
+    <p:extLst>
+      <p:ext uri="{BB962C8B-B14F-4D97-AF65-F5344CB8AC3E}">
+        <p14:creationId xmlns:p14="http://schemas.microsoft.com/office/powerpoint/2010/main" val="763131906"/>
+      </p:ext>
+    </p:extLst>
+  </p:cSld>
+  <p:clrMapOvr>
+    <a:masterClrMapping/>
+  </p:clrMapOvr>
+  <p:timing>
+    <p:tnLst>
+      <p:par>
+        <p:cTn id="1" dur="indefinite" restart="never" nodeType="tmRoot"/>
+      </p:par>
+    </p:tnLst>
+  </p:timing>
+</p:sld>
+</file>
+
+<file path=ppt/slides/slide2.xml><?xml version="1.0" encoding="utf-8"?>
+<p:sld xmlns:a="http://schemas.openxmlformats.org/drawingml/2006/main" xmlns:r="http://schemas.openxmlformats.org/officeDocument/2006/relationships" xmlns:p="http://schemas.openxmlformats.org/presentationml/2006/main">
+  <p:cSld>
+    <p:spTree>
+      <p:nvGrpSpPr>
+        <p:cNvPr id="1" name=""/>
+        <p:cNvGrpSpPr/>
+        <p:nvPr/>
+      </p:nvGrpSpPr>
+      <p:grpSpPr>
+        <a:xfrm>
+          <a:off x="0" y="0"/>
+          <a:ext cx="0" cy="0"/>
+          <a:chOff x="0" y="0"/>
+          <a:chExt cx="0" cy="0"/>
+        </a:xfrm>
+      </p:grpSpPr>
+      <p:sp>
+        <p:nvSpPr>
+          <p:cNvPr id="2" name="标题 1"/>
+          <p:cNvSpPr>
+            <a:spLocks noGrp="1"/>
+          </p:cNvSpPr>
+          <p:nvPr>
+            <p:ph type="title"/>
+          </p:nvPr>
+        </p:nvSpPr>
+        <p:spPr/>
+        <p:txBody>
+          <a:bodyPr>
+            <a:normAutofit fontScale="90000"/>
+          </a:bodyPr>
+          <a:lstStyle/>
+          <a:p>
+            <a:r>
+              <a:rPr lang="zh-CN" altLang="en-US" dirty="0"/>
+              <a:t>目录</a:t>
+            </a:r>
+          </a:p>
+        </p:txBody>
+      </p:sp>
+      <p:sp>
+        <p:nvSpPr>
+          <p:cNvPr id="3" name="内容占位符 2"/>
+          <p:cNvSpPr>
+            <a:spLocks noGrp="1"/>
+          </p:cNvSpPr>
+          <p:nvPr>
+            <p:ph idx="1"/>
+          </p:nvPr>
+        </p:nvSpPr>
+        <p:spPr/>
+        <p:txBody>
+          <a:bodyPr>
+            <a:normAutofit/>
+          </a:bodyPr>
+          <a:lstStyle/>
+          <a:p>
+            <a:pPr marL="742950" indent="-742950">
+              <a:lnSpc>
+                <a:spcPct val="170000"/>
+              </a:lnSpc>
+              <a:buFont typeface="+mj-lt"/>
+              <a:buAutoNum type="arabicPeriod"/>
+            </a:pPr>
+            <a:r>
+              <a:rPr lang="en-US" altLang="zh-CN" sz="2800" b="1" dirty="0" err="1">
+                <a:solidFill>
+                  <a:srgbClr val="FF0000"/>
+                </a:solidFill>
+              </a:rPr>
+              <a:t>LoadRunner</a:t>
+            </a:r>
+            <a:r>
+              <a:rPr lang="zh-CN" altLang="en-US" sz="2800" b="1" dirty="0">
+                <a:solidFill>
+                  <a:srgbClr val="FF0000"/>
+                </a:solidFill>
+              </a:rPr>
+              <a:t>开启</a:t>
+            </a:r>
+            <a:endParaRPr lang="en-US" altLang="zh-CN" sz="2800" b="1" dirty="0">
+              <a:solidFill>
+                <a:srgbClr val="FF0000"/>
+              </a:solidFill>
+            </a:endParaRPr>
+          </a:p>
+          <a:p>
+            <a:pPr marL="742950" indent="-742950">
+              <a:lnSpc>
+                <a:spcPct val="170000"/>
+              </a:lnSpc>
+              <a:buFont typeface="+mj-lt"/>
+              <a:buAutoNum type="arabicPeriod"/>
+            </a:pPr>
+            <a:r>
+              <a:rPr lang="zh-CN" altLang="en-US" sz="2800" b="1" dirty="0"/>
+              <a:t>协议选择</a:t>
+            </a:r>
+            <a:endParaRPr lang="en-US" altLang="zh-CN" sz="2800" b="1" dirty="0"/>
+          </a:p>
+          <a:p>
+            <a:pPr marL="742950" indent="-742950">
+              <a:lnSpc>
+                <a:spcPct val="170000"/>
+              </a:lnSpc>
+              <a:buFont typeface="+mj-lt"/>
+              <a:buAutoNum type="arabicPeriod"/>
+            </a:pPr>
+            <a:r>
+              <a:rPr lang="zh-CN" altLang="en-US" sz="2800" b="1" dirty="0"/>
+              <a:t>录制选项设置</a:t>
+            </a:r>
+            <a:endParaRPr lang="en-US" altLang="zh-CN" sz="2800" b="1" dirty="0"/>
+          </a:p>
+          <a:p>
+            <a:pPr marL="742950" indent="-742950">
+              <a:lnSpc>
+                <a:spcPct val="170000"/>
+              </a:lnSpc>
+              <a:buFont typeface="+mj-lt"/>
+              <a:buAutoNum type="arabicPeriod"/>
+            </a:pPr>
+            <a:r>
+              <a:rPr lang="zh-CN" altLang="en-US" sz="2800" b="1" dirty="0"/>
+              <a:t>录制登录操作、手动书写函数</a:t>
+            </a:r>
+            <a:endParaRPr lang="en-US" altLang="zh-CN" sz="2800" b="1" dirty="0"/>
+          </a:p>
+          <a:p>
+            <a:endParaRPr lang="en-US" altLang="zh-CN" dirty="0"/>
+          </a:p>
+          <a:p>
+            <a:endParaRPr lang="en-US" altLang="zh-CN" dirty="0" smtClean="0"/>
+          </a:p>
+          <a:p>
+            <a:endParaRPr lang="zh-CN" altLang="en-US" dirty="0"/>
+          </a:p>
+        </p:txBody>
+      </p:sp>
+    </p:spTree>
+    <p:extLst>
+      <p:ext uri="{BB962C8B-B14F-4D97-AF65-F5344CB8AC3E}">
+        <p14:creationId xmlns:p14="http://schemas.microsoft.com/office/powerpoint/2010/main" val="3162610998"/>
+      </p:ext>
+    </p:extLst>
+  </p:cSld>
+  <p:clrMapOvr>
+    <a:masterClrMapping/>
+  </p:clrMapOvr>
+  <p:timing>
+    <p:tnLst>
+      <p:par>
+        <p:cTn id="1" dur="indefinite" restart="never" nodeType="tmRoot">
+          <p:childTnLst>
+            <p:seq concurrent="1" nextAc="seek">
+              <p:cTn id="2" dur="indefinite" nodeType="mainSeq">
+                <p:childTnLst>
+                  <p:par>
+                    <p:cTn id="3" fill="hold">
+                      <p:stCondLst>
+                        <p:cond delay="indefinite"/>
+                      </p:stCondLst>
+                      <p:childTnLst>
+                        <p:par>
+                          <p:cTn id="4" fill="hold">
+                            <p:stCondLst>
+                              <p:cond delay="0"/>
+                            </p:stCondLst>
+                            <p:childTnLst>
+                              <p:par>
+                                <p:cTn id="5" presetID="3" presetClass="emph" presetSubtype="2" fill="hold" nodeType="clickEffect">
+                                  <p:stCondLst>
+                                    <p:cond delay="0"/>
+                                  </p:stCondLst>
+                                  <p:childTnLst>
+                                    <p:animClr clrSpc="rgb" dir="cw">
+                                      <p:cBhvr override="childStyle">
+                                        <p:cTn id="6" dur="500" fill="hold"/>
+                                        <p:tgtEl>
+                                          <p:spTgt spid="3">
+                                            <p:txEl>
+                                              <p:pRg st="0" end="0"/>
+                                            </p:txEl>
+                                          </p:spTgt>
+                                        </p:tgtEl>
+                                        <p:attrNameLst>
+                                          <p:attrName>style.color</p:attrName>
+                                        </p:attrNameLst>
+                                      </p:cBhvr>
+                                      <p:to>
+                                        <a:srgbClr val="FF0000"/>
+                                      </p:to>
+                                    </p:animClr>
+                                  </p:childTnLst>
+                                </p:cTn>
+                              </p:par>
+                            </p:childTnLst>
+                          </p:cTn>
+                        </p:par>
+                      </p:childTnLst>
+                    </p:cTn>
+                  </p:par>
+                </p:childTnLst>
+              </p:cTn>
+              <p:prevCondLst>
+                <p:cond evt="onPrev" delay="0">
+                  <p:tgtEl>
+                    <p:sldTgt/>
+                  </p:tgtEl>
+                </p:cond>
+              </p:prevCondLst>
+              <p:nextCondLst>
+                <p:cond evt="onNext" delay="0">
+                  <p:tgtEl>
+                    <p:sldTgt/>
+                  </p:tgtEl>
+                </p:cond>
+              </p:nextCondLst>
+            </p:seq>
+          </p:childTnLst>
+        </p:cTn>
+      </p:par>
+    </p:tnLst>
+  </p:timing>
+</p:sld>
+</file>
+
+<file path=ppt/slides/slide20.xml><?xml version="1.0" encoding="utf-8"?>
+<p:sld xmlns:a="http://schemas.openxmlformats.org/drawingml/2006/main" xmlns:r="http://schemas.openxmlformats.org/officeDocument/2006/relationships" xmlns:p="http://schemas.openxmlformats.org/presentationml/2006/main">
+  <p:cSld>
+    <p:spTree>
+      <p:nvGrpSpPr>
+        <p:cNvPr id="1" name=""/>
+        <p:cNvGrpSpPr/>
+        <p:nvPr/>
+      </p:nvGrpSpPr>
+      <p:grpSpPr>
+        <a:xfrm>
+          <a:off x="0" y="0"/>
+          <a:ext cx="0" cy="0"/>
+          <a:chOff x="0" y="0"/>
+          <a:chExt cx="0" cy="0"/>
+        </a:xfrm>
+      </p:grpSpPr>
+      <p:sp>
+        <p:nvSpPr>
+          <p:cNvPr id="2" name="标题 1"/>
+          <p:cNvSpPr>
+            <a:spLocks noGrp="1"/>
+          </p:cNvSpPr>
+          <p:nvPr>
+            <p:ph type="title"/>
+          </p:nvPr>
+        </p:nvSpPr>
         <p:spPr>
           <a:noFill/>
           <a:ln>
@@ -15564,13 +16310,13 @@
         </p:nvSpPr>
         <p:spPr>
           <a:xfrm>
-            <a:off x="539552" y="1268760"/>
-            <a:ext cx="8229600" cy="4525963"/>
+            <a:off x="539552" y="951571"/>
+            <a:ext cx="8229600" cy="3394472"/>
           </a:xfrm>
         </p:spPr>
         <p:txBody>
           <a:bodyPr>
-            <a:normAutofit fontScale="92500" lnSpcReduction="10000"/>
+            <a:normAutofit fontScale="77500" lnSpcReduction="20000"/>
           </a:bodyPr>
           <a:lstStyle/>
           <a:p>
@@ -16236,7 +16982,7 @@
 </p:sld>
 </file>
 
-<file path=ppt/slides/slide19.xml><?xml version="1.0" encoding="utf-8"?>
+<file path=ppt/slides/slide21.xml><?xml version="1.0" encoding="utf-8"?>
 <p:sld xmlns:a="http://schemas.openxmlformats.org/drawingml/2006/main" xmlns:r="http://schemas.openxmlformats.org/officeDocument/2006/relationships" xmlns:p="http://schemas.openxmlformats.org/presentationml/2006/main">
   <p:cSld>
     <p:spTree>
@@ -16337,8 +17083,8 @@
         </p:blipFill>
         <p:spPr bwMode="auto">
           <a:xfrm>
-            <a:off x="310239" y="1505257"/>
-            <a:ext cx="2276554" cy="2010148"/>
+            <a:off x="310239" y="1128943"/>
+            <a:ext cx="2276554" cy="1507611"/>
           </a:xfrm>
           <a:prstGeom prst="rect">
             <a:avLst/>
@@ -16370,8 +17116,8 @@
         </p:blipFill>
         <p:spPr bwMode="auto">
           <a:xfrm>
-            <a:off x="6898699" y="1670273"/>
-            <a:ext cx="2033030" cy="2062613"/>
+            <a:off x="6898699" y="1252705"/>
+            <a:ext cx="2033030" cy="1546960"/>
           </a:xfrm>
           <a:prstGeom prst="rect">
             <a:avLst/>
@@ -16394,8 +17140,8 @@
         </p:nvCxnSpPr>
         <p:spPr bwMode="auto">
           <a:xfrm>
-            <a:off x="2841172" y="1751918"/>
-            <a:ext cx="3673929" cy="32656"/>
+            <a:off x="2841173" y="1313939"/>
+            <a:ext cx="3673929" cy="24492"/>
           </a:xfrm>
           <a:prstGeom prst="straightConnector1">
             <a:avLst/>
@@ -16423,8 +17169,8 @@
         </p:nvCxnSpPr>
         <p:spPr bwMode="auto">
           <a:xfrm rot="10800000">
-            <a:off x="2813963" y="3863753"/>
-            <a:ext cx="3684809" cy="10886"/>
+            <a:off x="2813964" y="2897815"/>
+            <a:ext cx="3684809" cy="8165"/>
           </a:xfrm>
           <a:prstGeom prst="straightConnector1">
             <a:avLst/>
@@ -16461,8 +17207,8 @@
         </p:blipFill>
         <p:spPr bwMode="auto">
           <a:xfrm>
-            <a:off x="4245429" y="1333726"/>
-            <a:ext cx="800099" cy="788987"/>
+            <a:off x="4245430" y="1000295"/>
+            <a:ext cx="800099" cy="591740"/>
           </a:xfrm>
           <a:prstGeom prst="rect">
             <a:avLst/>
@@ -16494,8 +17240,8 @@
         </p:blipFill>
         <p:spPr bwMode="auto">
           <a:xfrm>
-            <a:off x="4278087" y="3375560"/>
-            <a:ext cx="854528" cy="842659"/>
+            <a:off x="4278087" y="2531671"/>
+            <a:ext cx="854528" cy="631994"/>
           </a:xfrm>
           <a:prstGeom prst="rect">
             <a:avLst/>
@@ -16518,8 +17264,8 @@
         </p:nvSpPr>
         <p:spPr>
           <a:xfrm>
-            <a:off x="2824854" y="1278392"/>
-            <a:ext cx="685789" cy="384721"/>
+            <a:off x="2824855" y="958794"/>
+            <a:ext cx="685789" cy="369332"/>
           </a:xfrm>
           <a:prstGeom prst="rect">
             <a:avLst/>
@@ -16556,7 +17302,7 @@
         </p:nvSpPr>
         <p:spPr>
           <a:xfrm>
-            <a:off x="3087465" y="2204656"/>
+            <a:off x="3087465" y="1653492"/>
             <a:ext cx="1576072" cy="923330"/>
           </a:xfrm>
           <a:prstGeom prst="rect">
@@ -16669,8 +17415,8 @@
         </p:nvSpPr>
         <p:spPr>
           <a:xfrm>
-            <a:off x="1099468" y="3700460"/>
-            <a:ext cx="1121218" cy="384721"/>
+            <a:off x="1099468" y="2775345"/>
+            <a:ext cx="1121218" cy="369332"/>
           </a:xfrm>
           <a:prstGeom prst="rect">
             <a:avLst/>
@@ -16711,8 +17457,8 @@
         </p:nvSpPr>
         <p:spPr>
           <a:xfrm>
-            <a:off x="7270594" y="3852860"/>
-            <a:ext cx="1121218" cy="384721"/>
+            <a:off x="7270594" y="2889645"/>
+            <a:ext cx="1121218" cy="369332"/>
           </a:xfrm>
           <a:prstGeom prst="rect">
             <a:avLst/>
@@ -16753,8 +17499,8 @@
         </p:nvSpPr>
         <p:spPr>
           <a:xfrm>
-            <a:off x="5829300" y="4010706"/>
-            <a:ext cx="674914" cy="384721"/>
+            <a:off x="5829300" y="3008030"/>
+            <a:ext cx="674914" cy="369332"/>
           </a:xfrm>
           <a:prstGeom prst="rect">
             <a:avLst/>
@@ -16791,8 +17537,8 @@
         </p:nvSpPr>
         <p:spPr bwMode="auto">
           <a:xfrm>
-            <a:off x="731521" y="4385140"/>
-            <a:ext cx="6084916" cy="1404852"/>
+            <a:off x="731521" y="3288855"/>
+            <a:ext cx="6084916" cy="1053639"/>
           </a:xfrm>
           <a:prstGeom prst="wedgeRoundRectCallout">
             <a:avLst>
@@ -17058,7 +17804,7 @@
         </p:nvSpPr>
         <p:spPr>
           <a:xfrm>
-            <a:off x="5194065" y="625840"/>
+            <a:off x="5194066" y="469380"/>
             <a:ext cx="3380281" cy="707886"/>
           </a:xfrm>
           <a:prstGeom prst="rect">
@@ -17121,8 +17867,8 @@
         </p:nvSpPr>
         <p:spPr>
           <a:xfrm>
-            <a:off x="4464540" y="2193766"/>
-            <a:ext cx="1576073" cy="923330"/>
+            <a:off x="4464541" y="1645324"/>
+            <a:ext cx="1576072" cy="923330"/>
           </a:xfrm>
           <a:prstGeom prst="rect">
             <a:avLst/>
@@ -17758,7 +18504,7 @@
 </p:sld>
 </file>
 
-<file path=ppt/slides/slide2.xml><?xml version="1.0" encoding="utf-8"?>
+<file path=ppt/slides/slide22.xml><?xml version="1.0" encoding="utf-8"?>
 <p:sld xmlns:a="http://schemas.openxmlformats.org/drawingml/2006/main" xmlns:r="http://schemas.openxmlformats.org/officeDocument/2006/relationships" xmlns:p="http://schemas.openxmlformats.org/presentationml/2006/main">
   <p:cSld>
     <p:spTree>
@@ -17787,13 +18533,16 @@
         </p:nvSpPr>
         <p:spPr/>
         <p:txBody>
-          <a:bodyPr/>
+          <a:bodyPr>
+            <a:normAutofit fontScale="90000"/>
+          </a:bodyPr>
           <a:lstStyle/>
           <a:p>
             <a:r>
-              <a:rPr lang="zh-CN" altLang="en-US" dirty="0"/>
-              <a:t>目录</a:t>
-            </a:r>
+              <a:rPr lang="zh-CN" altLang="en-US" dirty="0" smtClean="0"/>
+              <a:t>录制脚本分析</a:t>
+            </a:r>
+            <a:endParaRPr lang="zh-CN" altLang="en-US" dirty="0"/>
           </a:p>
         </p:txBody>
       </p:sp>
@@ -17812,6 +18561,618 @@
           <a:bodyPr/>
           <a:lstStyle/>
           <a:p>
+            <a:r>
+              <a:rPr lang="en-US" altLang="zh-CN" dirty="0" err="1" smtClean="0"/>
+              <a:t>web_URL</a:t>
+            </a:r>
+            <a:r>
+              <a:rPr lang="en-US" altLang="zh-CN" dirty="0" smtClean="0"/>
+              <a:t>()</a:t>
+            </a:r>
+          </a:p>
+          <a:p>
+            <a:r>
+              <a:rPr lang="en-US" altLang="zh-CN" dirty="0" err="1" smtClean="0"/>
+              <a:t>web_submit_data</a:t>
+            </a:r>
+            <a:r>
+              <a:rPr lang="en-US" altLang="zh-CN" dirty="0" smtClean="0"/>
+              <a:t>()</a:t>
+            </a:r>
+          </a:p>
+          <a:p>
+            <a:r>
+              <a:rPr lang="en-US" altLang="zh-CN" dirty="0" err="1" smtClean="0"/>
+              <a:t>web_custom_request</a:t>
+            </a:r>
+            <a:r>
+              <a:rPr lang="en-US" altLang="zh-CN" dirty="0" smtClean="0"/>
+              <a:t>()</a:t>
+            </a:r>
+          </a:p>
+          <a:p>
+            <a:endParaRPr lang="zh-CN" altLang="en-US" dirty="0"/>
+          </a:p>
+        </p:txBody>
+      </p:sp>
+    </p:spTree>
+    <p:extLst>
+      <p:ext uri="{BB962C8B-B14F-4D97-AF65-F5344CB8AC3E}">
+        <p14:creationId xmlns:p14="http://schemas.microsoft.com/office/powerpoint/2010/main" val="3863823426"/>
+      </p:ext>
+    </p:extLst>
+  </p:cSld>
+  <p:clrMapOvr>
+    <a:masterClrMapping/>
+  </p:clrMapOvr>
+  <p:timing>
+    <p:tnLst>
+      <p:par>
+        <p:cTn id="1" dur="indefinite" restart="never" nodeType="tmRoot"/>
+      </p:par>
+    </p:tnLst>
+  </p:timing>
+</p:sld>
+</file>
+
+<file path=ppt/slides/slide23.xml><?xml version="1.0" encoding="utf-8"?>
+<p:sld xmlns:a="http://schemas.openxmlformats.org/drawingml/2006/main" xmlns:r="http://schemas.openxmlformats.org/officeDocument/2006/relationships" xmlns:p="http://schemas.openxmlformats.org/presentationml/2006/main">
+  <p:cSld>
+    <p:spTree>
+      <p:nvGrpSpPr>
+        <p:cNvPr id="1" name=""/>
+        <p:cNvGrpSpPr/>
+        <p:nvPr/>
+      </p:nvGrpSpPr>
+      <p:grpSpPr>
+        <a:xfrm>
+          <a:off x="0" y="0"/>
+          <a:ext cx="0" cy="0"/>
+          <a:chOff x="0" y="0"/>
+          <a:chExt cx="0" cy="0"/>
+        </a:xfrm>
+      </p:grpSpPr>
+      <p:sp>
+        <p:nvSpPr>
+          <p:cNvPr id="2" name="标题 1"/>
+          <p:cNvSpPr>
+            <a:spLocks noGrp="1"/>
+          </p:cNvSpPr>
+          <p:nvPr>
+            <p:ph type="title"/>
+          </p:nvPr>
+        </p:nvSpPr>
+        <p:spPr/>
+        <p:txBody>
+          <a:bodyPr>
+            <a:normAutofit fontScale="90000"/>
+          </a:bodyPr>
+          <a:lstStyle/>
+          <a:p>
+            <a:r>
+              <a:rPr lang="zh-CN" altLang="en-US" dirty="0" smtClean="0"/>
+              <a:t>脚本分析</a:t>
+            </a:r>
+            <a:endParaRPr lang="zh-CN" altLang="en-US" dirty="0"/>
+          </a:p>
+        </p:txBody>
+      </p:sp>
+      <p:sp>
+        <p:nvSpPr>
+          <p:cNvPr id="6" name="内容占位符 5"/>
+          <p:cNvSpPr>
+            <a:spLocks noGrp="1"/>
+          </p:cNvSpPr>
+          <p:nvPr>
+            <p:ph idx="1"/>
+          </p:nvPr>
+        </p:nvSpPr>
+        <p:spPr/>
+        <p:txBody>
+          <a:bodyPr/>
+          <a:lstStyle/>
+          <a:p>
+            <a:endParaRPr lang="zh-CN" altLang="en-US" dirty="0"/>
+          </a:p>
+        </p:txBody>
+      </p:sp>
+      <p:pic>
+        <p:nvPicPr>
+          <p:cNvPr id="7" name="图片 6"/>
+          <p:cNvPicPr>
+            <a:picLocks noChangeAspect="1"/>
+          </p:cNvPicPr>
+          <p:nvPr/>
+        </p:nvPicPr>
+        <p:blipFill>
+          <a:blip r:embed="rId2"/>
+          <a:stretch>
+            <a:fillRect/>
+          </a:stretch>
+        </p:blipFill>
+        <p:spPr>
+          <a:xfrm>
+            <a:off x="3654854" y="3057692"/>
+            <a:ext cx="5069868" cy="1673798"/>
+          </a:xfrm>
+          <a:prstGeom prst="rect">
+            <a:avLst/>
+          </a:prstGeom>
+          <a:ln w="19050">
+            <a:solidFill>
+              <a:srgbClr val="92D050"/>
+            </a:solidFill>
+          </a:ln>
+        </p:spPr>
+      </p:pic>
+      <p:pic>
+        <p:nvPicPr>
+          <p:cNvPr id="8" name="图片 7"/>
+          <p:cNvPicPr>
+            <a:picLocks noChangeAspect="1"/>
+          </p:cNvPicPr>
+          <p:nvPr/>
+        </p:nvPicPr>
+        <p:blipFill>
+          <a:blip r:embed="rId3"/>
+          <a:stretch>
+            <a:fillRect/>
+          </a:stretch>
+        </p:blipFill>
+        <p:spPr>
+          <a:xfrm>
+            <a:off x="525766" y="1321137"/>
+            <a:ext cx="5385093" cy="1682561"/>
+          </a:xfrm>
+          <a:prstGeom prst="rect">
+            <a:avLst/>
+          </a:prstGeom>
+          <a:ln w="19050">
+            <a:solidFill>
+              <a:srgbClr val="92D050"/>
+            </a:solidFill>
+          </a:ln>
+        </p:spPr>
+      </p:pic>
+      <p:pic>
+        <p:nvPicPr>
+          <p:cNvPr id="9" name="图片 8"/>
+          <p:cNvPicPr>
+            <a:picLocks noChangeAspect="1"/>
+          </p:cNvPicPr>
+          <p:nvPr/>
+        </p:nvPicPr>
+        <p:blipFill>
+          <a:blip r:embed="rId4"/>
+          <a:stretch>
+            <a:fillRect/>
+          </a:stretch>
+        </p:blipFill>
+        <p:spPr>
+          <a:xfrm>
+            <a:off x="579715" y="951944"/>
+            <a:ext cx="7022518" cy="289191"/>
+          </a:xfrm>
+          <a:prstGeom prst="rect">
+            <a:avLst/>
+          </a:prstGeom>
+          <a:ln w="19050">
+            <a:solidFill>
+              <a:srgbClr val="92D050"/>
+            </a:solidFill>
+          </a:ln>
+        </p:spPr>
+      </p:pic>
+    </p:spTree>
+    <p:extLst>
+      <p:ext uri="{BB962C8B-B14F-4D97-AF65-F5344CB8AC3E}">
+        <p14:creationId xmlns:p14="http://schemas.microsoft.com/office/powerpoint/2010/main" val="1472620005"/>
+      </p:ext>
+    </p:extLst>
+  </p:cSld>
+  <p:clrMapOvr>
+    <a:masterClrMapping/>
+  </p:clrMapOvr>
+  <p:timing>
+    <p:tnLst>
+      <p:par>
+        <p:cTn id="1" dur="indefinite" restart="never" nodeType="tmRoot"/>
+      </p:par>
+    </p:tnLst>
+  </p:timing>
+</p:sld>
+</file>
+
+<file path=ppt/slides/slide3.xml><?xml version="1.0" encoding="utf-8"?>
+<p:sld xmlns:a="http://schemas.openxmlformats.org/drawingml/2006/main" xmlns:r="http://schemas.openxmlformats.org/officeDocument/2006/relationships" xmlns:p="http://schemas.openxmlformats.org/presentationml/2006/main">
+  <p:cSld>
+    <p:spTree>
+      <p:nvGrpSpPr>
+        <p:cNvPr id="1" name=""/>
+        <p:cNvGrpSpPr/>
+        <p:nvPr/>
+      </p:nvGrpSpPr>
+      <p:grpSpPr>
+        <a:xfrm>
+          <a:off x="0" y="0"/>
+          <a:ext cx="0" cy="0"/>
+          <a:chOff x="0" y="0"/>
+          <a:chExt cx="0" cy="0"/>
+        </a:xfrm>
+      </p:grpSpPr>
+      <p:sp>
+        <p:nvSpPr>
+          <p:cNvPr id="2" name="标题 1"/>
+          <p:cNvSpPr>
+            <a:spLocks noGrp="1"/>
+          </p:cNvSpPr>
+          <p:nvPr>
+            <p:ph type="title"/>
+          </p:nvPr>
+        </p:nvSpPr>
+        <p:spPr/>
+        <p:txBody>
+          <a:bodyPr>
+            <a:normAutofit fontScale="90000"/>
+          </a:bodyPr>
+          <a:lstStyle/>
+          <a:p>
+            <a:r>
+              <a:rPr lang="en-US" altLang="zh-CN" dirty="0" err="1" smtClean="0"/>
+              <a:t>LoadRunner</a:t>
+            </a:r>
+            <a:r>
+              <a:rPr lang="zh-CN" altLang="en-US" dirty="0" smtClean="0"/>
+              <a:t>开启</a:t>
+            </a:r>
+            <a:endParaRPr lang="zh-CN" altLang="en-US" dirty="0"/>
+          </a:p>
+        </p:txBody>
+      </p:sp>
+      <p:sp>
+        <p:nvSpPr>
+          <p:cNvPr id="3" name="内容占位符 2"/>
+          <p:cNvSpPr>
+            <a:spLocks noGrp="1"/>
+          </p:cNvSpPr>
+          <p:nvPr>
+            <p:ph idx="1"/>
+          </p:nvPr>
+        </p:nvSpPr>
+        <p:spPr/>
+        <p:txBody>
+          <a:bodyPr/>
+          <a:lstStyle/>
+          <a:p>
+            <a:endParaRPr lang="zh-CN" altLang="en-US" dirty="0"/>
+          </a:p>
+        </p:txBody>
+      </p:sp>
+      <p:pic>
+        <p:nvPicPr>
+          <p:cNvPr id="4" name="图片 3"/>
+          <p:cNvPicPr>
+            <a:picLocks noChangeAspect="1"/>
+          </p:cNvPicPr>
+          <p:nvPr/>
+        </p:nvPicPr>
+        <p:blipFill>
+          <a:blip r:embed="rId2"/>
+          <a:stretch>
+            <a:fillRect/>
+          </a:stretch>
+        </p:blipFill>
+        <p:spPr>
+          <a:xfrm>
+            <a:off x="849464" y="951945"/>
+            <a:ext cx="7810026" cy="2483701"/>
+          </a:xfrm>
+          <a:prstGeom prst="rect">
+            <a:avLst/>
+          </a:prstGeom>
+        </p:spPr>
+      </p:pic>
+    </p:spTree>
+    <p:extLst>
+      <p:ext uri="{BB962C8B-B14F-4D97-AF65-F5344CB8AC3E}">
+        <p14:creationId xmlns:p14="http://schemas.microsoft.com/office/powerpoint/2010/main" val="1370853008"/>
+      </p:ext>
+    </p:extLst>
+  </p:cSld>
+  <p:clrMapOvr>
+    <a:masterClrMapping/>
+  </p:clrMapOvr>
+  <p:timing>
+    <p:tnLst>
+      <p:par>
+        <p:cTn id="1" dur="indefinite" restart="never" nodeType="tmRoot"/>
+      </p:par>
+    </p:tnLst>
+  </p:timing>
+</p:sld>
+</file>
+
+<file path=ppt/slides/slide4.xml><?xml version="1.0" encoding="utf-8"?>
+<p:sld xmlns:a="http://schemas.openxmlformats.org/drawingml/2006/main" xmlns:r="http://schemas.openxmlformats.org/officeDocument/2006/relationships" xmlns:p="http://schemas.openxmlformats.org/presentationml/2006/main">
+  <p:cSld>
+    <p:spTree>
+      <p:nvGrpSpPr>
+        <p:cNvPr id="1" name=""/>
+        <p:cNvGrpSpPr/>
+        <p:nvPr/>
+      </p:nvGrpSpPr>
+      <p:grpSpPr>
+        <a:xfrm>
+          <a:off x="0" y="0"/>
+          <a:ext cx="0" cy="0"/>
+          <a:chOff x="0" y="0"/>
+          <a:chExt cx="0" cy="0"/>
+        </a:xfrm>
+      </p:grpSpPr>
+      <p:sp>
+        <p:nvSpPr>
+          <p:cNvPr id="2" name="标题 1"/>
+          <p:cNvSpPr>
+            <a:spLocks noGrp="1"/>
+          </p:cNvSpPr>
+          <p:nvPr>
+            <p:ph type="title"/>
+          </p:nvPr>
+        </p:nvSpPr>
+        <p:spPr/>
+        <p:txBody>
+          <a:bodyPr>
+            <a:normAutofit fontScale="90000"/>
+          </a:bodyPr>
+          <a:lstStyle/>
+          <a:p>
+            <a:r>
+              <a:rPr lang="en-US" altLang="zh-CN" dirty="0" err="1" smtClean="0"/>
+              <a:t>LoadRunner</a:t>
+            </a:r>
+            <a:r>
+              <a:rPr lang="zh-CN" altLang="en-US" dirty="0" smtClean="0"/>
+              <a:t>开启</a:t>
+            </a:r>
+            <a:endParaRPr lang="zh-CN" altLang="en-US" dirty="0"/>
+          </a:p>
+        </p:txBody>
+      </p:sp>
+      <p:sp>
+        <p:nvSpPr>
+          <p:cNvPr id="3" name="内容占位符 2"/>
+          <p:cNvSpPr>
+            <a:spLocks noGrp="1"/>
+          </p:cNvSpPr>
+          <p:nvPr>
+            <p:ph idx="1"/>
+          </p:nvPr>
+        </p:nvSpPr>
+        <p:spPr/>
+        <p:txBody>
+          <a:bodyPr/>
+          <a:lstStyle/>
+          <a:p>
+            <a:endParaRPr lang="zh-CN" altLang="en-US"/>
+          </a:p>
+        </p:txBody>
+      </p:sp>
+      <p:pic>
+        <p:nvPicPr>
+          <p:cNvPr id="4" name="图片 3"/>
+          <p:cNvPicPr>
+            <a:picLocks noChangeAspect="1"/>
+          </p:cNvPicPr>
+          <p:nvPr/>
+        </p:nvPicPr>
+        <p:blipFill>
+          <a:blip r:embed="rId2"/>
+          <a:stretch>
+            <a:fillRect/>
+          </a:stretch>
+        </p:blipFill>
+        <p:spPr>
+          <a:xfrm>
+            <a:off x="1874510" y="897952"/>
+            <a:ext cx="4639683" cy="3762787"/>
+          </a:xfrm>
+          <a:prstGeom prst="rect">
+            <a:avLst/>
+          </a:prstGeom>
+        </p:spPr>
+      </p:pic>
+    </p:spTree>
+    <p:extLst>
+      <p:ext uri="{BB962C8B-B14F-4D97-AF65-F5344CB8AC3E}">
+        <p14:creationId xmlns:p14="http://schemas.microsoft.com/office/powerpoint/2010/main" val="1438531251"/>
+      </p:ext>
+    </p:extLst>
+  </p:cSld>
+  <p:clrMapOvr>
+    <a:masterClrMapping/>
+  </p:clrMapOvr>
+  <p:timing>
+    <p:tnLst>
+      <p:par>
+        <p:cTn id="1" dur="indefinite" restart="never" nodeType="tmRoot"/>
+      </p:par>
+    </p:tnLst>
+  </p:timing>
+</p:sld>
+</file>
+
+<file path=ppt/slides/slide5.xml><?xml version="1.0" encoding="utf-8"?>
+<p:sld xmlns:a="http://schemas.openxmlformats.org/drawingml/2006/main" xmlns:r="http://schemas.openxmlformats.org/officeDocument/2006/relationships" xmlns:p="http://schemas.openxmlformats.org/presentationml/2006/main">
+  <p:cSld>
+    <p:spTree>
+      <p:nvGrpSpPr>
+        <p:cNvPr id="1" name=""/>
+        <p:cNvGrpSpPr/>
+        <p:nvPr/>
+      </p:nvGrpSpPr>
+      <p:grpSpPr>
+        <a:xfrm>
+          <a:off x="0" y="0"/>
+          <a:ext cx="0" cy="0"/>
+          <a:chOff x="0" y="0"/>
+          <a:chExt cx="0" cy="0"/>
+        </a:xfrm>
+      </p:grpSpPr>
+      <p:sp>
+        <p:nvSpPr>
+          <p:cNvPr id="2" name="标题 1"/>
+          <p:cNvSpPr>
+            <a:spLocks noGrp="1"/>
+          </p:cNvSpPr>
+          <p:nvPr>
+            <p:ph type="title"/>
+          </p:nvPr>
+        </p:nvSpPr>
+        <p:spPr/>
+        <p:txBody>
+          <a:bodyPr>
+            <a:normAutofit fontScale="90000"/>
+          </a:bodyPr>
+          <a:lstStyle/>
+          <a:p>
+            <a:r>
+              <a:rPr lang="zh-CN" altLang="en-US" smtClean="0"/>
+              <a:t>如何选择协议</a:t>
+            </a:r>
+            <a:endParaRPr lang="zh-CN" altLang="en-US" dirty="0"/>
+          </a:p>
+        </p:txBody>
+      </p:sp>
+      <p:sp>
+        <p:nvSpPr>
+          <p:cNvPr id="6" name="内容占位符 5"/>
+          <p:cNvSpPr>
+            <a:spLocks noGrp="1"/>
+          </p:cNvSpPr>
+          <p:nvPr>
+            <p:ph idx="1"/>
+          </p:nvPr>
+        </p:nvSpPr>
+        <p:spPr/>
+        <p:txBody>
+          <a:bodyPr/>
+          <a:lstStyle/>
+          <a:p>
+            <a:endParaRPr lang="zh-CN" altLang="en-US"/>
+          </a:p>
+        </p:txBody>
+      </p:sp>
+      <p:pic>
+        <p:nvPicPr>
+          <p:cNvPr id="5" name="图片 4"/>
+          <p:cNvPicPr/>
+          <p:nvPr/>
+        </p:nvPicPr>
+        <p:blipFill>
+          <a:blip r:embed="rId3"/>
+          <a:srcRect/>
+          <a:stretch>
+            <a:fillRect/>
+          </a:stretch>
+        </p:blipFill>
+        <p:spPr bwMode="auto">
+          <a:xfrm>
+            <a:off x="2399302" y="988471"/>
+            <a:ext cx="4282181" cy="3126332"/>
+          </a:xfrm>
+          <a:prstGeom prst="rect">
+            <a:avLst/>
+          </a:prstGeom>
+          <a:noFill/>
+          <a:ln w="9525">
+            <a:noFill/>
+            <a:miter lim="800000"/>
+            <a:headEnd/>
+            <a:tailEnd/>
+          </a:ln>
+        </p:spPr>
+      </p:pic>
+    </p:spTree>
+    <p:extLst>
+      <p:ext uri="{BB962C8B-B14F-4D97-AF65-F5344CB8AC3E}">
+        <p14:creationId xmlns:p14="http://schemas.microsoft.com/office/powerpoint/2010/main" val="3759541067"/>
+      </p:ext>
+    </p:extLst>
+  </p:cSld>
+  <p:clrMapOvr>
+    <a:masterClrMapping/>
+  </p:clrMapOvr>
+  <p:transition>
+    <p:random/>
+  </p:transition>
+  <p:timing>
+    <p:tnLst>
+      <p:par>
+        <p:cTn id="1" dur="indefinite" restart="never" nodeType="tmRoot"/>
+      </p:par>
+    </p:tnLst>
+  </p:timing>
+</p:sld>
+</file>
+
+<file path=ppt/slides/slide6.xml><?xml version="1.0" encoding="utf-8"?>
+<p:sld xmlns:a="http://schemas.openxmlformats.org/drawingml/2006/main" xmlns:r="http://schemas.openxmlformats.org/officeDocument/2006/relationships" xmlns:p="http://schemas.openxmlformats.org/presentationml/2006/main">
+  <p:cSld>
+    <p:spTree>
+      <p:nvGrpSpPr>
+        <p:cNvPr id="1" name=""/>
+        <p:cNvGrpSpPr/>
+        <p:nvPr/>
+      </p:nvGrpSpPr>
+      <p:grpSpPr>
+        <a:xfrm>
+          <a:off x="0" y="0"/>
+          <a:ext cx="0" cy="0"/>
+          <a:chOff x="0" y="0"/>
+          <a:chExt cx="0" cy="0"/>
+        </a:xfrm>
+      </p:grpSpPr>
+      <p:sp>
+        <p:nvSpPr>
+          <p:cNvPr id="2" name="标题 1"/>
+          <p:cNvSpPr>
+            <a:spLocks noGrp="1"/>
+          </p:cNvSpPr>
+          <p:nvPr>
+            <p:ph type="title"/>
+          </p:nvPr>
+        </p:nvSpPr>
+        <p:spPr/>
+        <p:txBody>
+          <a:bodyPr>
+            <a:normAutofit fontScale="90000"/>
+          </a:bodyPr>
+          <a:lstStyle/>
+          <a:p>
+            <a:r>
+              <a:rPr lang="zh-CN" altLang="en-US" dirty="0"/>
+              <a:t>目录</a:t>
+            </a:r>
+          </a:p>
+        </p:txBody>
+      </p:sp>
+      <p:sp>
+        <p:nvSpPr>
+          <p:cNvPr id="3" name="内容占位符 2"/>
+          <p:cNvSpPr>
+            <a:spLocks noGrp="1"/>
+          </p:cNvSpPr>
+          <p:nvPr>
+            <p:ph idx="1"/>
+          </p:nvPr>
+        </p:nvSpPr>
+        <p:spPr/>
+        <p:txBody>
+          <a:bodyPr>
+            <a:normAutofit/>
+          </a:bodyPr>
+          <a:lstStyle/>
+          <a:p>
             <a:pPr marL="742950" indent="-742950">
               <a:lnSpc>
                 <a:spcPct val="170000"/>
@@ -17820,20 +19181,30 @@
               <a:buAutoNum type="arabicPeriod"/>
             </a:pPr>
             <a:r>
-              <a:rPr lang="en-US" altLang="zh-CN" sz="2800" b="1" dirty="0" err="1">
-                <a:solidFill>
-                  <a:srgbClr val="FF0000"/>
-                </a:solidFill>
-              </a:rPr>
+              <a:rPr lang="en-US" altLang="zh-CN" sz="2800" b="1" dirty="0" err="1"/>
               <a:t>LoadRunner</a:t>
             </a:r>
+            <a:r>
+              <a:rPr lang="zh-CN" altLang="en-US" sz="2800" b="1" dirty="0"/>
+              <a:t>开启</a:t>
+            </a:r>
+            <a:endParaRPr lang="en-US" altLang="zh-CN" sz="2800" b="1" dirty="0"/>
+          </a:p>
+          <a:p>
+            <a:pPr marL="742950" indent="-742950">
+              <a:lnSpc>
+                <a:spcPct val="170000"/>
+              </a:lnSpc>
+              <a:buFont typeface="+mj-lt"/>
+              <a:buAutoNum type="arabicPeriod"/>
+            </a:pPr>
             <a:r>
               <a:rPr lang="zh-CN" altLang="en-US" sz="2800" b="1" dirty="0">
                 <a:solidFill>
                   <a:srgbClr val="FF0000"/>
                 </a:solidFill>
               </a:rPr>
-              <a:t>开启</a:t>
+              <a:t>协议选择</a:t>
             </a:r>
             <a:endParaRPr lang="en-US" altLang="zh-CN" sz="2800" b="1" dirty="0">
               <a:solidFill>
@@ -17851,7 +19222,7 @@
             </a:pPr>
             <a:r>
               <a:rPr lang="zh-CN" altLang="en-US" sz="2800" b="1" dirty="0"/>
-              <a:t>协议选择</a:t>
+              <a:t>录制选项设置</a:t>
             </a:r>
             <a:endParaRPr lang="en-US" altLang="zh-CN" sz="2800" b="1" dirty="0"/>
           </a:p>
@@ -17865,44 +19236,9 @@
             </a:pPr>
             <a:r>
               <a:rPr lang="zh-CN" altLang="en-US" sz="2800" b="1" dirty="0"/>
-              <a:t>录制</a:t>
-            </a:r>
-            <a:r>
-              <a:rPr lang="zh-CN" altLang="en-US" sz="2800" b="1" dirty="0"/>
-              <a:t>选项</a:t>
-            </a:r>
-            <a:r>
-              <a:rPr lang="zh-CN" altLang="en-US" sz="2800" b="1" dirty="0"/>
-              <a:t>设置</a:t>
+              <a:t>录制登录操作、手动书写函数</a:t>
             </a:r>
             <a:endParaRPr lang="en-US" altLang="zh-CN" sz="2800" b="1" dirty="0"/>
-          </a:p>
-          <a:p>
-            <a:pPr marL="742950" indent="-742950">
-              <a:lnSpc>
-                <a:spcPct val="170000"/>
-              </a:lnSpc>
-              <a:buFont typeface="+mj-lt"/>
-              <a:buAutoNum type="arabicPeriod"/>
-            </a:pPr>
-            <a:r>
-              <a:rPr lang="zh-CN" altLang="en-US" sz="2800" b="1" dirty="0"/>
-              <a:t>录制登录操作、手动书写函数</a:t>
-            </a:r>
-            <a:endParaRPr lang="en-US" altLang="zh-CN" sz="2800" b="1" dirty="0"/>
-          </a:p>
-          <a:p>
-            <a:pPr marL="742950" indent="-742950">
-              <a:lnSpc>
-                <a:spcPct val="170000"/>
-              </a:lnSpc>
-              <a:buFont typeface="+mj-lt"/>
-              <a:buAutoNum type="arabicPeriod"/>
-            </a:pPr>
-            <a:r>
-              <a:rPr lang="en-US" altLang="zh-CN" sz="2800" b="1" dirty="0"/>
-              <a:t>Run-time Settings</a:t>
-            </a:r>
           </a:p>
           <a:p>
             <a:endParaRPr lang="en-US" altLang="zh-CN" dirty="0"/>
@@ -17918,7 +19254,7 @@
     </p:spTree>
     <p:extLst>
       <p:ext uri="{BB962C8B-B14F-4D97-AF65-F5344CB8AC3E}">
-        <p14:creationId xmlns:p14="http://schemas.microsoft.com/office/powerpoint/2010/main" val="3162610998"/>
+        <p14:creationId xmlns:p14="http://schemas.microsoft.com/office/powerpoint/2010/main" val="1599331291"/>
       </p:ext>
     </p:extLst>
   </p:cSld>
@@ -18003,3561 +19339,6 @@
 </p:sld>
 </file>
 
-<file path=ppt/slides/slide20.xml><?xml version="1.0" encoding="utf-8"?>
-<p:sld xmlns:a="http://schemas.openxmlformats.org/drawingml/2006/main" xmlns:r="http://schemas.openxmlformats.org/officeDocument/2006/relationships" xmlns:p="http://schemas.openxmlformats.org/presentationml/2006/main">
-  <p:cSld>
-    <p:spTree>
-      <p:nvGrpSpPr>
-        <p:cNvPr id="1" name=""/>
-        <p:cNvGrpSpPr/>
-        <p:nvPr/>
-      </p:nvGrpSpPr>
-      <p:grpSpPr>
-        <a:xfrm>
-          <a:off x="0" y="0"/>
-          <a:ext cx="0" cy="0"/>
-          <a:chOff x="0" y="0"/>
-          <a:chExt cx="0" cy="0"/>
-        </a:xfrm>
-      </p:grpSpPr>
-      <p:sp>
-        <p:nvSpPr>
-          <p:cNvPr id="2" name="标题 1"/>
-          <p:cNvSpPr>
-            <a:spLocks noGrp="1"/>
-          </p:cNvSpPr>
-          <p:nvPr>
-            <p:ph type="title"/>
-          </p:nvPr>
-        </p:nvSpPr>
-        <p:spPr/>
-        <p:txBody>
-          <a:bodyPr/>
-          <a:lstStyle/>
-          <a:p>
-            <a:r>
-              <a:rPr lang="zh-CN" altLang="en-US" dirty="0" smtClean="0"/>
-              <a:t>录制脚本分析</a:t>
-            </a:r>
-            <a:endParaRPr lang="zh-CN" altLang="en-US" dirty="0"/>
-          </a:p>
-        </p:txBody>
-      </p:sp>
-      <p:sp>
-        <p:nvSpPr>
-          <p:cNvPr id="3" name="内容占位符 2"/>
-          <p:cNvSpPr>
-            <a:spLocks noGrp="1"/>
-          </p:cNvSpPr>
-          <p:nvPr>
-            <p:ph idx="1"/>
-          </p:nvPr>
-        </p:nvSpPr>
-        <p:spPr/>
-        <p:txBody>
-          <a:bodyPr/>
-          <a:lstStyle/>
-          <a:p>
-            <a:r>
-              <a:rPr lang="en-US" altLang="zh-CN" dirty="0" err="1" smtClean="0"/>
-              <a:t>web_URL</a:t>
-            </a:r>
-            <a:r>
-              <a:rPr lang="en-US" altLang="zh-CN" dirty="0" smtClean="0"/>
-              <a:t>()</a:t>
-            </a:r>
-          </a:p>
-          <a:p>
-            <a:r>
-              <a:rPr lang="en-US" altLang="zh-CN" dirty="0" err="1" smtClean="0"/>
-              <a:t>web_submit_data</a:t>
-            </a:r>
-            <a:r>
-              <a:rPr lang="en-US" altLang="zh-CN" dirty="0" smtClean="0"/>
-              <a:t>()</a:t>
-            </a:r>
-          </a:p>
-          <a:p>
-            <a:r>
-              <a:rPr lang="en-US" altLang="zh-CN" dirty="0" err="1" smtClean="0"/>
-              <a:t>web_custom_request</a:t>
-            </a:r>
-            <a:r>
-              <a:rPr lang="en-US" altLang="zh-CN" dirty="0" smtClean="0"/>
-              <a:t>()</a:t>
-            </a:r>
-          </a:p>
-          <a:p>
-            <a:r>
-              <a:rPr lang="zh-CN" altLang="en-US" dirty="0" smtClean="0"/>
-              <a:t>手动书写如上三个函数，实现售票系统登录操作</a:t>
-            </a:r>
-            <a:endParaRPr lang="en-US" altLang="zh-CN" dirty="0" smtClean="0"/>
-          </a:p>
-          <a:p>
-            <a:endParaRPr lang="zh-CN" altLang="en-US" dirty="0"/>
-          </a:p>
-        </p:txBody>
-      </p:sp>
-    </p:spTree>
-    <p:extLst>
-      <p:ext uri="{BB962C8B-B14F-4D97-AF65-F5344CB8AC3E}">
-        <p14:creationId xmlns:p14="http://schemas.microsoft.com/office/powerpoint/2010/main" val="3863823426"/>
-      </p:ext>
-    </p:extLst>
-  </p:cSld>
-  <p:clrMapOvr>
-    <a:masterClrMapping/>
-  </p:clrMapOvr>
-  <p:timing>
-    <p:tnLst>
-      <p:par>
-        <p:cTn id="1" dur="indefinite" restart="never" nodeType="tmRoot"/>
-      </p:par>
-    </p:tnLst>
-  </p:timing>
-</p:sld>
-</file>
-
-<file path=ppt/slides/slide21.xml><?xml version="1.0" encoding="utf-8"?>
-<p:sld xmlns:a="http://schemas.openxmlformats.org/drawingml/2006/main" xmlns:r="http://schemas.openxmlformats.org/officeDocument/2006/relationships" xmlns:p="http://schemas.openxmlformats.org/presentationml/2006/main">
-  <p:cSld>
-    <p:spTree>
-      <p:nvGrpSpPr>
-        <p:cNvPr id="1" name=""/>
-        <p:cNvGrpSpPr/>
-        <p:nvPr/>
-      </p:nvGrpSpPr>
-      <p:grpSpPr>
-        <a:xfrm>
-          <a:off x="0" y="0"/>
-          <a:ext cx="0" cy="0"/>
-          <a:chOff x="0" y="0"/>
-          <a:chExt cx="0" cy="0"/>
-        </a:xfrm>
-      </p:grpSpPr>
-      <p:sp>
-        <p:nvSpPr>
-          <p:cNvPr id="2" name="标题 1"/>
-          <p:cNvSpPr>
-            <a:spLocks noGrp="1"/>
-          </p:cNvSpPr>
-          <p:nvPr>
-            <p:ph type="title"/>
-          </p:nvPr>
-        </p:nvSpPr>
-        <p:spPr/>
-        <p:txBody>
-          <a:bodyPr/>
-          <a:lstStyle/>
-          <a:p>
-            <a:r>
-              <a:rPr lang="zh-CN" altLang="en-US" dirty="0" smtClean="0"/>
-              <a:t>脚本分析</a:t>
-            </a:r>
-            <a:endParaRPr lang="zh-CN" altLang="en-US" dirty="0"/>
-          </a:p>
-        </p:txBody>
-      </p:sp>
-      <p:sp>
-        <p:nvSpPr>
-          <p:cNvPr id="6" name="内容占位符 5"/>
-          <p:cNvSpPr>
-            <a:spLocks noGrp="1"/>
-          </p:cNvSpPr>
-          <p:nvPr>
-            <p:ph idx="1"/>
-          </p:nvPr>
-        </p:nvSpPr>
-        <p:spPr/>
-        <p:txBody>
-          <a:bodyPr/>
-          <a:lstStyle/>
-          <a:p>
-            <a:endParaRPr lang="zh-CN" altLang="en-US" dirty="0"/>
-          </a:p>
-        </p:txBody>
-      </p:sp>
-      <p:pic>
-        <p:nvPicPr>
-          <p:cNvPr id="7" name="图片 6"/>
-          <p:cNvPicPr>
-            <a:picLocks noChangeAspect="1"/>
-          </p:cNvPicPr>
-          <p:nvPr/>
-        </p:nvPicPr>
-        <p:blipFill>
-          <a:blip r:embed="rId2"/>
-          <a:stretch>
-            <a:fillRect/>
-          </a:stretch>
-        </p:blipFill>
-        <p:spPr>
-          <a:xfrm>
-            <a:off x="3654854" y="4076922"/>
-            <a:ext cx="5069868" cy="2231731"/>
-          </a:xfrm>
-          <a:prstGeom prst="rect">
-            <a:avLst/>
-          </a:prstGeom>
-          <a:ln w="19050">
-            <a:solidFill>
-              <a:srgbClr val="92D050"/>
-            </a:solidFill>
-          </a:ln>
-        </p:spPr>
-      </p:pic>
-      <p:pic>
-        <p:nvPicPr>
-          <p:cNvPr id="8" name="图片 7"/>
-          <p:cNvPicPr>
-            <a:picLocks noChangeAspect="1"/>
-          </p:cNvPicPr>
-          <p:nvPr/>
-        </p:nvPicPr>
-        <p:blipFill>
-          <a:blip r:embed="rId3"/>
-          <a:stretch>
-            <a:fillRect/>
-          </a:stretch>
-        </p:blipFill>
-        <p:spPr>
-          <a:xfrm>
-            <a:off x="525765" y="1761516"/>
-            <a:ext cx="5385093" cy="2243415"/>
-          </a:xfrm>
-          <a:prstGeom prst="rect">
-            <a:avLst/>
-          </a:prstGeom>
-          <a:ln w="19050">
-            <a:solidFill>
-              <a:srgbClr val="92D050"/>
-            </a:solidFill>
-          </a:ln>
-        </p:spPr>
-      </p:pic>
-      <p:pic>
-        <p:nvPicPr>
-          <p:cNvPr id="9" name="图片 8"/>
-          <p:cNvPicPr>
-            <a:picLocks noChangeAspect="1"/>
-          </p:cNvPicPr>
-          <p:nvPr/>
-        </p:nvPicPr>
-        <p:blipFill>
-          <a:blip r:embed="rId4"/>
-          <a:stretch>
-            <a:fillRect/>
-          </a:stretch>
-        </p:blipFill>
-        <p:spPr>
-          <a:xfrm>
-            <a:off x="579715" y="1269259"/>
-            <a:ext cx="7022518" cy="385588"/>
-          </a:xfrm>
-          <a:prstGeom prst="rect">
-            <a:avLst/>
-          </a:prstGeom>
-          <a:ln w="19050">
-            <a:solidFill>
-              <a:srgbClr val="92D050"/>
-            </a:solidFill>
-          </a:ln>
-        </p:spPr>
-      </p:pic>
-    </p:spTree>
-    <p:extLst>
-      <p:ext uri="{BB962C8B-B14F-4D97-AF65-F5344CB8AC3E}">
-        <p14:creationId xmlns:p14="http://schemas.microsoft.com/office/powerpoint/2010/main" val="1472620005"/>
-      </p:ext>
-    </p:extLst>
-  </p:cSld>
-  <p:clrMapOvr>
-    <a:masterClrMapping/>
-  </p:clrMapOvr>
-  <p:timing>
-    <p:tnLst>
-      <p:par>
-        <p:cTn id="1" dur="indefinite" restart="never" nodeType="tmRoot"/>
-      </p:par>
-    </p:tnLst>
-  </p:timing>
-</p:sld>
-</file>
-
-<file path=ppt/slides/slide22.xml><?xml version="1.0" encoding="utf-8"?>
-<p:sld xmlns:a="http://schemas.openxmlformats.org/drawingml/2006/main" xmlns:r="http://schemas.openxmlformats.org/officeDocument/2006/relationships" xmlns:p="http://schemas.openxmlformats.org/presentationml/2006/main">
-  <p:cSld>
-    <p:spTree>
-      <p:nvGrpSpPr>
-        <p:cNvPr id="1" name=""/>
-        <p:cNvGrpSpPr/>
-        <p:nvPr/>
-      </p:nvGrpSpPr>
-      <p:grpSpPr>
-        <a:xfrm>
-          <a:off x="0" y="0"/>
-          <a:ext cx="0" cy="0"/>
-          <a:chOff x="0" y="0"/>
-          <a:chExt cx="0" cy="0"/>
-        </a:xfrm>
-      </p:grpSpPr>
-      <p:sp>
-        <p:nvSpPr>
-          <p:cNvPr id="2" name="标题 1"/>
-          <p:cNvSpPr>
-            <a:spLocks noGrp="1"/>
-          </p:cNvSpPr>
-          <p:nvPr>
-            <p:ph type="title"/>
-          </p:nvPr>
-        </p:nvSpPr>
-        <p:spPr/>
-        <p:txBody>
-          <a:bodyPr/>
-          <a:lstStyle/>
-          <a:p>
-            <a:r>
-              <a:rPr lang="zh-CN" altLang="en-US" dirty="0"/>
-              <a:t>目录</a:t>
-            </a:r>
-          </a:p>
-        </p:txBody>
-      </p:sp>
-      <p:sp>
-        <p:nvSpPr>
-          <p:cNvPr id="3" name="内容占位符 2"/>
-          <p:cNvSpPr>
-            <a:spLocks noGrp="1"/>
-          </p:cNvSpPr>
-          <p:nvPr>
-            <p:ph idx="1"/>
-          </p:nvPr>
-        </p:nvSpPr>
-        <p:spPr/>
-        <p:txBody>
-          <a:bodyPr/>
-          <a:lstStyle/>
-          <a:p>
-            <a:r>
-              <a:rPr lang="en-US" altLang="zh-CN" dirty="0" err="1" smtClean="0"/>
-              <a:t>LoadRunner</a:t>
-            </a:r>
-            <a:r>
-              <a:rPr lang="zh-CN" altLang="en-US" dirty="0" smtClean="0"/>
-              <a:t>开启</a:t>
-            </a:r>
-            <a:endParaRPr lang="en-US" altLang="zh-CN" dirty="0" smtClean="0"/>
-          </a:p>
-          <a:p>
-            <a:r>
-              <a:rPr lang="zh-CN" altLang="en-US" dirty="0" smtClean="0"/>
-              <a:t>协议选择</a:t>
-            </a:r>
-            <a:endParaRPr lang="en-US" altLang="zh-CN" dirty="0" smtClean="0"/>
-          </a:p>
-          <a:p>
-            <a:r>
-              <a:rPr lang="zh-CN" altLang="en-US" dirty="0" smtClean="0"/>
-              <a:t>录制</a:t>
-            </a:r>
-            <a:r>
-              <a:rPr lang="zh-CN" altLang="en-US" dirty="0"/>
-              <a:t>选项</a:t>
-            </a:r>
-            <a:r>
-              <a:rPr lang="zh-CN" altLang="en-US" dirty="0" smtClean="0"/>
-              <a:t>设置</a:t>
-            </a:r>
-            <a:endParaRPr lang="en-US" altLang="zh-CN" dirty="0" smtClean="0"/>
-          </a:p>
-          <a:p>
-            <a:r>
-              <a:rPr lang="zh-CN" altLang="en-US" dirty="0" smtClean="0"/>
-              <a:t>录制登录操作、手动书写函数</a:t>
-            </a:r>
-            <a:endParaRPr lang="en-US" altLang="zh-CN" dirty="0" smtClean="0"/>
-          </a:p>
-          <a:p>
-            <a:r>
-              <a:rPr lang="en-US" altLang="zh-CN" dirty="0" smtClean="0">
-                <a:solidFill>
-                  <a:srgbClr val="FF0000"/>
-                </a:solidFill>
-              </a:rPr>
-              <a:t>Run-time Settings</a:t>
-            </a:r>
-          </a:p>
-          <a:p>
-            <a:endParaRPr lang="en-US" altLang="zh-CN" dirty="0"/>
-          </a:p>
-          <a:p>
-            <a:endParaRPr lang="en-US" altLang="zh-CN" dirty="0" smtClean="0"/>
-          </a:p>
-          <a:p>
-            <a:endParaRPr lang="zh-CN" altLang="en-US" dirty="0"/>
-          </a:p>
-        </p:txBody>
-      </p:sp>
-    </p:spTree>
-    <p:extLst>
-      <p:ext uri="{BB962C8B-B14F-4D97-AF65-F5344CB8AC3E}">
-        <p14:creationId xmlns:p14="http://schemas.microsoft.com/office/powerpoint/2010/main" val="3781973814"/>
-      </p:ext>
-    </p:extLst>
-  </p:cSld>
-  <p:clrMapOvr>
-    <a:masterClrMapping/>
-  </p:clrMapOvr>
-  <p:timing>
-    <p:tnLst>
-      <p:par>
-        <p:cTn id="1" dur="indefinite" restart="never" nodeType="tmRoot"/>
-      </p:par>
-    </p:tnLst>
-  </p:timing>
-</p:sld>
-</file>
-
-<file path=ppt/slides/slide23.xml><?xml version="1.0" encoding="utf-8"?>
-<p:sld xmlns:a="http://schemas.openxmlformats.org/drawingml/2006/main" xmlns:r="http://schemas.openxmlformats.org/officeDocument/2006/relationships" xmlns:p="http://schemas.openxmlformats.org/presentationml/2006/main">
-  <p:cSld>
-    <p:spTree>
-      <p:nvGrpSpPr>
-        <p:cNvPr id="1" name=""/>
-        <p:cNvGrpSpPr/>
-        <p:nvPr/>
-      </p:nvGrpSpPr>
-      <p:grpSpPr>
-        <a:xfrm>
-          <a:off x="0" y="0"/>
-          <a:ext cx="0" cy="0"/>
-          <a:chOff x="0" y="0"/>
-          <a:chExt cx="0" cy="0"/>
-        </a:xfrm>
-      </p:grpSpPr>
-      <p:sp>
-        <p:nvSpPr>
-          <p:cNvPr id="2" name="标题 1"/>
-          <p:cNvSpPr>
-            <a:spLocks noGrp="1"/>
-          </p:cNvSpPr>
-          <p:nvPr>
-            <p:ph type="title"/>
-          </p:nvPr>
-        </p:nvSpPr>
-        <p:spPr/>
-        <p:txBody>
-          <a:bodyPr/>
-          <a:lstStyle/>
-          <a:p>
-            <a:r>
-              <a:rPr lang="en-US" altLang="zh-CN" dirty="0" smtClean="0"/>
-              <a:t>Run-time Settings</a:t>
-            </a:r>
-            <a:endParaRPr lang="zh-CN" altLang="en-US" dirty="0"/>
-          </a:p>
-        </p:txBody>
-      </p:sp>
-      <p:sp>
-        <p:nvSpPr>
-          <p:cNvPr id="3" name="内容占位符 2"/>
-          <p:cNvSpPr>
-            <a:spLocks noGrp="1"/>
-          </p:cNvSpPr>
-          <p:nvPr>
-            <p:ph idx="1"/>
-          </p:nvPr>
-        </p:nvSpPr>
-        <p:spPr/>
-        <p:txBody>
-          <a:bodyPr/>
-          <a:lstStyle/>
-          <a:p>
-            <a:r>
-              <a:rPr lang="zh-CN" altLang="en-US" dirty="0" smtClean="0"/>
-              <a:t>代码执行顺序</a:t>
-            </a:r>
-            <a:endParaRPr lang="en-US" altLang="zh-CN" dirty="0" smtClean="0"/>
-          </a:p>
-          <a:p>
-            <a:pPr lvl="1"/>
-            <a:r>
-              <a:rPr lang="en-US" altLang="zh-CN" dirty="0" err="1" smtClean="0"/>
-              <a:t>vuser_init</a:t>
-            </a:r>
-            <a:endParaRPr lang="en-US" altLang="zh-CN" dirty="0" smtClean="0"/>
-          </a:p>
-          <a:p>
-            <a:pPr lvl="1"/>
-            <a:r>
-              <a:rPr lang="en-US" altLang="zh-CN" dirty="0"/>
-              <a:t>A</a:t>
-            </a:r>
-            <a:r>
-              <a:rPr lang="en-US" altLang="zh-CN" dirty="0" smtClean="0"/>
-              <a:t>ction</a:t>
-            </a:r>
-          </a:p>
-          <a:p>
-            <a:pPr lvl="1"/>
-            <a:r>
-              <a:rPr lang="en-US" altLang="zh-CN" dirty="0" err="1" smtClean="0"/>
-              <a:t>vuser_end</a:t>
-            </a:r>
-            <a:endParaRPr lang="en-US" altLang="zh-CN" dirty="0" smtClean="0"/>
-          </a:p>
-          <a:p>
-            <a:r>
-              <a:rPr lang="zh-CN" altLang="en-US" dirty="0" smtClean="0"/>
-              <a:t>增加</a:t>
-            </a:r>
-            <a:r>
-              <a:rPr lang="en-US" altLang="zh-CN" dirty="0" smtClean="0"/>
-              <a:t>Action2</a:t>
-            </a:r>
-            <a:r>
-              <a:rPr lang="zh-CN" altLang="en-US" dirty="0" smtClean="0"/>
-              <a:t>后执行顺序</a:t>
-            </a:r>
-            <a:endParaRPr lang="en-US" altLang="zh-CN" dirty="0" smtClean="0"/>
-          </a:p>
-          <a:p>
-            <a:r>
-              <a:rPr lang="zh-CN" altLang="en-US" dirty="0" smtClean="0"/>
-              <a:t>在每个函数中调用</a:t>
-            </a:r>
-            <a:r>
-              <a:rPr lang="en-US" altLang="zh-CN" dirty="0" err="1" smtClean="0"/>
-              <a:t>lr_output_message</a:t>
-            </a:r>
-            <a:r>
-              <a:rPr lang="en-US" altLang="zh-CN" dirty="0" smtClean="0"/>
-              <a:t>(“</a:t>
-            </a:r>
-            <a:r>
-              <a:rPr lang="en-US" altLang="zh-CN" dirty="0" err="1" smtClean="0"/>
-              <a:t>init</a:t>
-            </a:r>
-            <a:r>
-              <a:rPr lang="en-US" altLang="zh-CN" dirty="0" smtClean="0"/>
-              <a:t>/action/end”);</a:t>
-            </a:r>
-            <a:endParaRPr lang="zh-CN" altLang="en-US" dirty="0"/>
-          </a:p>
-        </p:txBody>
-      </p:sp>
-    </p:spTree>
-    <p:extLst>
-      <p:ext uri="{BB962C8B-B14F-4D97-AF65-F5344CB8AC3E}">
-        <p14:creationId xmlns:p14="http://schemas.microsoft.com/office/powerpoint/2010/main" val="1206669257"/>
-      </p:ext>
-    </p:extLst>
-  </p:cSld>
-  <p:clrMapOvr>
-    <a:masterClrMapping/>
-  </p:clrMapOvr>
-  <p:timing>
-    <p:tnLst>
-      <p:par>
-        <p:cTn id="1" dur="indefinite" restart="never" nodeType="tmRoot"/>
-      </p:par>
-    </p:tnLst>
-  </p:timing>
-</p:sld>
-</file>
-
-<file path=ppt/slides/slide24.xml><?xml version="1.0" encoding="utf-8"?>
-<p:sld xmlns:a="http://schemas.openxmlformats.org/drawingml/2006/main" xmlns:r="http://schemas.openxmlformats.org/officeDocument/2006/relationships" xmlns:p="http://schemas.openxmlformats.org/presentationml/2006/main">
-  <p:cSld>
-    <p:spTree>
-      <p:nvGrpSpPr>
-        <p:cNvPr id="1" name=""/>
-        <p:cNvGrpSpPr/>
-        <p:nvPr/>
-      </p:nvGrpSpPr>
-      <p:grpSpPr>
-        <a:xfrm>
-          <a:off x="0" y="0"/>
-          <a:ext cx="0" cy="0"/>
-          <a:chOff x="0" y="0"/>
-          <a:chExt cx="0" cy="0"/>
-        </a:xfrm>
-      </p:grpSpPr>
-      <p:sp>
-        <p:nvSpPr>
-          <p:cNvPr id="2" name="标题 1"/>
-          <p:cNvSpPr>
-            <a:spLocks noGrp="1"/>
-          </p:cNvSpPr>
-          <p:nvPr>
-            <p:ph type="title"/>
-          </p:nvPr>
-        </p:nvSpPr>
-        <p:spPr/>
-        <p:txBody>
-          <a:bodyPr/>
-          <a:lstStyle/>
-          <a:p>
-            <a:r>
-              <a:rPr lang="en-US" altLang="zh-CN" dirty="0" smtClean="0"/>
-              <a:t>Run-time Settings</a:t>
-            </a:r>
-            <a:endParaRPr lang="zh-CN" altLang="en-US" dirty="0"/>
-          </a:p>
-        </p:txBody>
-      </p:sp>
-      <p:sp>
-        <p:nvSpPr>
-          <p:cNvPr id="3" name="内容占位符 2"/>
-          <p:cNvSpPr>
-            <a:spLocks noGrp="1"/>
-          </p:cNvSpPr>
-          <p:nvPr>
-            <p:ph idx="1"/>
-          </p:nvPr>
-        </p:nvSpPr>
-        <p:spPr/>
-        <p:txBody>
-          <a:bodyPr/>
-          <a:lstStyle/>
-          <a:p>
-            <a:r>
-              <a:rPr lang="en-US" altLang="zh-CN" dirty="0" smtClean="0"/>
-              <a:t>Run </a:t>
-            </a:r>
-            <a:r>
-              <a:rPr lang="en-US" altLang="zh-CN" dirty="0"/>
-              <a:t>L</a:t>
-            </a:r>
-            <a:r>
-              <a:rPr lang="en-US" altLang="zh-CN" dirty="0" smtClean="0"/>
-              <a:t>ogic</a:t>
-            </a:r>
-          </a:p>
-          <a:p>
-            <a:pPr lvl="1"/>
-            <a:r>
-              <a:rPr lang="en-US" altLang="zh-CN" dirty="0" smtClean="0"/>
-              <a:t>action </a:t>
-            </a:r>
-            <a:r>
-              <a:rPr lang="zh-CN" altLang="en-US" dirty="0" smtClean="0"/>
-              <a:t>设置迭代次数，然后执行</a:t>
-            </a:r>
-            <a:endParaRPr lang="en-US" altLang="zh-CN" dirty="0" smtClean="0"/>
-          </a:p>
-          <a:p>
-            <a:pPr lvl="1"/>
-            <a:r>
-              <a:rPr lang="zh-CN" altLang="en-US" dirty="0" smtClean="0"/>
-              <a:t>两个</a:t>
-            </a:r>
-            <a:r>
-              <a:rPr lang="en-US" altLang="zh-CN" dirty="0" smtClean="0"/>
-              <a:t>Action</a:t>
-            </a:r>
-            <a:r>
-              <a:rPr lang="zh-CN" altLang="en-US" dirty="0" smtClean="0"/>
-              <a:t>分别设置不同的百分比</a:t>
-            </a:r>
-            <a:endParaRPr lang="en-US" altLang="zh-CN" dirty="0" smtClean="0"/>
-          </a:p>
-          <a:p>
-            <a:r>
-              <a:rPr lang="zh-CN" altLang="en-US" dirty="0" smtClean="0"/>
-              <a:t>编写一个逻辑</a:t>
-            </a:r>
-            <a:r>
-              <a:rPr lang="en-US" altLang="zh-CN" dirty="0" smtClean="0"/>
-              <a:t>30%</a:t>
-            </a:r>
-            <a:r>
-              <a:rPr lang="zh-CN" altLang="en-US" dirty="0" smtClean="0"/>
-              <a:t>用户登录，</a:t>
-            </a:r>
-            <a:r>
-              <a:rPr lang="en-US" altLang="zh-CN" dirty="0" smtClean="0"/>
-              <a:t>40%</a:t>
-            </a:r>
-            <a:r>
-              <a:rPr lang="zh-CN" altLang="en-US" dirty="0" smtClean="0"/>
-              <a:t>用户注册，</a:t>
-            </a:r>
-            <a:r>
-              <a:rPr lang="en-US" altLang="zh-CN" dirty="0" smtClean="0"/>
-              <a:t>30%</a:t>
-            </a:r>
-            <a:r>
-              <a:rPr lang="zh-CN" altLang="en-US" dirty="0" smtClean="0"/>
-              <a:t>直接访问，然后查看具体商品，之后，</a:t>
-            </a:r>
-            <a:r>
-              <a:rPr lang="en-US" altLang="zh-CN" dirty="0" smtClean="0"/>
-              <a:t>10%</a:t>
-            </a:r>
-            <a:r>
-              <a:rPr lang="zh-CN" altLang="en-US" dirty="0" smtClean="0"/>
-              <a:t>的用户购买商品，</a:t>
-            </a:r>
-            <a:r>
-              <a:rPr lang="en-US" altLang="zh-CN" dirty="0" smtClean="0"/>
-              <a:t>50%</a:t>
-            </a:r>
-            <a:r>
-              <a:rPr lang="zh-CN" altLang="en-US" dirty="0" smtClean="0"/>
-              <a:t>的用户将商品加购物车，</a:t>
-            </a:r>
-            <a:r>
-              <a:rPr lang="en-US" altLang="zh-CN" dirty="0" smtClean="0"/>
-              <a:t>40%</a:t>
-            </a:r>
-            <a:r>
-              <a:rPr lang="zh-CN" altLang="en-US" dirty="0" smtClean="0"/>
-              <a:t>的用户退出</a:t>
-            </a:r>
-            <a:endParaRPr lang="zh-CN" altLang="en-US" dirty="0"/>
-          </a:p>
-        </p:txBody>
-      </p:sp>
-    </p:spTree>
-    <p:extLst>
-      <p:ext uri="{BB962C8B-B14F-4D97-AF65-F5344CB8AC3E}">
-        <p14:creationId xmlns:p14="http://schemas.microsoft.com/office/powerpoint/2010/main" val="1388972950"/>
-      </p:ext>
-    </p:extLst>
-  </p:cSld>
-  <p:clrMapOvr>
-    <a:masterClrMapping/>
-  </p:clrMapOvr>
-  <p:timing>
-    <p:tnLst>
-      <p:par>
-        <p:cTn id="1" dur="indefinite" restart="never" nodeType="tmRoot"/>
-      </p:par>
-    </p:tnLst>
-  </p:timing>
-</p:sld>
-</file>
-
-<file path=ppt/slides/slide25.xml><?xml version="1.0" encoding="utf-8"?>
-<p:sld xmlns:a="http://schemas.openxmlformats.org/drawingml/2006/main" xmlns:r="http://schemas.openxmlformats.org/officeDocument/2006/relationships" xmlns:p="http://schemas.openxmlformats.org/presentationml/2006/main">
-  <p:cSld>
-    <p:spTree>
-      <p:nvGrpSpPr>
-        <p:cNvPr id="1" name=""/>
-        <p:cNvGrpSpPr/>
-        <p:nvPr/>
-      </p:nvGrpSpPr>
-      <p:grpSpPr>
-        <a:xfrm>
-          <a:off x="0" y="0"/>
-          <a:ext cx="0" cy="0"/>
-          <a:chOff x="0" y="0"/>
-          <a:chExt cx="0" cy="0"/>
-        </a:xfrm>
-      </p:grpSpPr>
-      <p:sp>
-        <p:nvSpPr>
-          <p:cNvPr id="2" name="标题 1"/>
-          <p:cNvSpPr>
-            <a:spLocks noGrp="1"/>
-          </p:cNvSpPr>
-          <p:nvPr>
-            <p:ph type="title"/>
-          </p:nvPr>
-        </p:nvSpPr>
-        <p:spPr/>
-        <p:txBody>
-          <a:bodyPr/>
-          <a:lstStyle/>
-          <a:p>
-            <a:r>
-              <a:rPr lang="en-US" altLang="zh-CN" dirty="0"/>
-              <a:t>Run-time Settings</a:t>
-            </a:r>
-            <a:endParaRPr lang="zh-CN" altLang="en-US" dirty="0"/>
-          </a:p>
-        </p:txBody>
-      </p:sp>
-      <p:sp>
-        <p:nvSpPr>
-          <p:cNvPr id="3" name="内容占位符 2"/>
-          <p:cNvSpPr>
-            <a:spLocks noGrp="1"/>
-          </p:cNvSpPr>
-          <p:nvPr>
-            <p:ph idx="1"/>
-          </p:nvPr>
-        </p:nvSpPr>
-        <p:spPr/>
-        <p:txBody>
-          <a:bodyPr/>
-          <a:lstStyle/>
-          <a:p>
-            <a:r>
-              <a:rPr lang="en-US" altLang="zh-CN" dirty="0"/>
-              <a:t>Run Logic</a:t>
-            </a:r>
-          </a:p>
-          <a:p>
-            <a:endParaRPr lang="zh-CN" altLang="en-US" dirty="0"/>
-          </a:p>
-        </p:txBody>
-      </p:sp>
-      <p:pic>
-        <p:nvPicPr>
-          <p:cNvPr id="4" name="图片 3"/>
-          <p:cNvPicPr>
-            <a:picLocks noChangeAspect="1"/>
-          </p:cNvPicPr>
-          <p:nvPr/>
-        </p:nvPicPr>
-        <p:blipFill>
-          <a:blip r:embed="rId2"/>
-          <a:stretch>
-            <a:fillRect/>
-          </a:stretch>
-        </p:blipFill>
-        <p:spPr>
-          <a:xfrm>
-            <a:off x="309966" y="1989173"/>
-            <a:ext cx="8563393" cy="3416257"/>
-          </a:xfrm>
-          <a:prstGeom prst="rect">
-            <a:avLst/>
-          </a:prstGeom>
-        </p:spPr>
-      </p:pic>
-    </p:spTree>
-    <p:extLst>
-      <p:ext uri="{BB962C8B-B14F-4D97-AF65-F5344CB8AC3E}">
-        <p14:creationId xmlns:p14="http://schemas.microsoft.com/office/powerpoint/2010/main" val="2680028835"/>
-      </p:ext>
-    </p:extLst>
-  </p:cSld>
-  <p:clrMapOvr>
-    <a:masterClrMapping/>
-  </p:clrMapOvr>
-</p:sld>
-</file>
-
-<file path=ppt/slides/slide26.xml><?xml version="1.0" encoding="utf-8"?>
-<p:sld xmlns:a="http://schemas.openxmlformats.org/drawingml/2006/main" xmlns:r="http://schemas.openxmlformats.org/officeDocument/2006/relationships" xmlns:p="http://schemas.openxmlformats.org/presentationml/2006/main">
-  <p:cSld>
-    <p:spTree>
-      <p:nvGrpSpPr>
-        <p:cNvPr id="1" name=""/>
-        <p:cNvGrpSpPr/>
-        <p:nvPr/>
-      </p:nvGrpSpPr>
-      <p:grpSpPr>
-        <a:xfrm>
-          <a:off x="0" y="0"/>
-          <a:ext cx="0" cy="0"/>
-          <a:chOff x="0" y="0"/>
-          <a:chExt cx="0" cy="0"/>
-        </a:xfrm>
-      </p:grpSpPr>
-      <p:sp>
-        <p:nvSpPr>
-          <p:cNvPr id="2" name="标题 1"/>
-          <p:cNvSpPr>
-            <a:spLocks noGrp="1"/>
-          </p:cNvSpPr>
-          <p:nvPr>
-            <p:ph type="title"/>
-          </p:nvPr>
-        </p:nvSpPr>
-        <p:spPr/>
-        <p:txBody>
-          <a:bodyPr/>
-          <a:lstStyle/>
-          <a:p>
-            <a:r>
-              <a:rPr lang="en-US" altLang="zh-CN" dirty="0" smtClean="0"/>
-              <a:t>Run-time Settings</a:t>
-            </a:r>
-            <a:endParaRPr lang="zh-CN" altLang="en-US" dirty="0"/>
-          </a:p>
-        </p:txBody>
-      </p:sp>
-      <p:sp>
-        <p:nvSpPr>
-          <p:cNvPr id="3" name="内容占位符 2"/>
-          <p:cNvSpPr>
-            <a:spLocks noGrp="1"/>
-          </p:cNvSpPr>
-          <p:nvPr>
-            <p:ph idx="1"/>
-          </p:nvPr>
-        </p:nvSpPr>
-        <p:spPr/>
-        <p:txBody>
-          <a:bodyPr>
-            <a:normAutofit fontScale="92500"/>
-          </a:bodyPr>
-          <a:lstStyle/>
-          <a:p>
-            <a:r>
-              <a:rPr lang="zh-CN" altLang="en-US" dirty="0" smtClean="0"/>
-              <a:t>思考：</a:t>
-            </a:r>
-            <a:r>
-              <a:rPr lang="en-US" altLang="zh-CN" dirty="0" smtClean="0"/>
-              <a:t>50%</a:t>
-            </a:r>
-            <a:r>
-              <a:rPr lang="zh-CN" altLang="en-US" dirty="0" smtClean="0"/>
-              <a:t>的用户添加购物车后，继续选择商品（具体的数值暂估不出来），或者用户反复做某些操作，但不知道次数，怎么办？</a:t>
-            </a:r>
-            <a:endParaRPr lang="en-US" altLang="zh-CN" dirty="0" smtClean="0"/>
-          </a:p>
-          <a:p>
-            <a:pPr lvl="1"/>
-            <a:r>
-              <a:rPr lang="zh-CN" altLang="en-US" dirty="0" smtClean="0"/>
-              <a:t>扩展逻辑开发</a:t>
-            </a:r>
-            <a:endParaRPr lang="en-US" altLang="zh-CN" dirty="0" smtClean="0"/>
-          </a:p>
-          <a:p>
-            <a:pPr marL="457135" lvl="1" indent="0">
-              <a:buNone/>
-            </a:pPr>
-            <a:r>
-              <a:rPr lang="en-US" altLang="zh-CN" dirty="0" smtClean="0"/>
-              <a:t>Action(){</a:t>
-            </a:r>
-          </a:p>
-          <a:p>
-            <a:pPr marL="914270" lvl="2" indent="0">
-              <a:buNone/>
-            </a:pPr>
-            <a:r>
-              <a:rPr lang="en-US" altLang="zh-CN" dirty="0" err="1" smtClean="0"/>
-              <a:t>int</a:t>
-            </a:r>
-            <a:r>
-              <a:rPr lang="en-US" altLang="zh-CN" dirty="0" smtClean="0"/>
-              <a:t> v;</a:t>
-            </a:r>
-          </a:p>
-          <a:p>
-            <a:pPr marL="914270" lvl="2" indent="0">
-              <a:buNone/>
-            </a:pPr>
-            <a:r>
-              <a:rPr lang="en-US" altLang="zh-CN" dirty="0" smtClean="0"/>
-              <a:t>v = rand()%100 ;</a:t>
-            </a:r>
-          </a:p>
-          <a:p>
-            <a:pPr marL="914270" lvl="2" indent="0">
-              <a:buNone/>
-            </a:pPr>
-            <a:r>
-              <a:rPr lang="en-US" altLang="zh-CN" dirty="0" smtClean="0"/>
-              <a:t>if(v &lt; 50){ Action2();}</a:t>
-            </a:r>
-          </a:p>
-          <a:p>
-            <a:pPr marL="914270" lvl="2" indent="0">
-              <a:buNone/>
-            </a:pPr>
-            <a:r>
-              <a:rPr lang="en-US" altLang="zh-CN" dirty="0" smtClean="0"/>
-              <a:t>else{ Action3();}</a:t>
-            </a:r>
-          </a:p>
-          <a:p>
-            <a:pPr marL="457135" lvl="1" indent="0">
-              <a:buNone/>
-            </a:pPr>
-            <a:r>
-              <a:rPr lang="en-US" altLang="zh-CN" dirty="0" smtClean="0"/>
-              <a:t>}</a:t>
-            </a:r>
-          </a:p>
-          <a:p>
-            <a:pPr lvl="1"/>
-            <a:endParaRPr lang="zh-CN" altLang="en-US" dirty="0"/>
-          </a:p>
-        </p:txBody>
-      </p:sp>
-      <p:grpSp>
-        <p:nvGrpSpPr>
-          <p:cNvPr id="8" name="组合 7"/>
-          <p:cNvGrpSpPr/>
-          <p:nvPr/>
-        </p:nvGrpSpPr>
-        <p:grpSpPr>
-          <a:xfrm>
-            <a:off x="4464100" y="3572983"/>
-            <a:ext cx="4315984" cy="4392098"/>
-            <a:chOff x="5958334" y="3573810"/>
-            <a:chExt cx="5760640" cy="4393115"/>
-          </a:xfrm>
-        </p:grpSpPr>
-        <p:sp>
-          <p:nvSpPr>
-            <p:cNvPr id="6" name="内容占位符 2"/>
-            <p:cNvSpPr txBox="1">
-              <a:spLocks/>
-            </p:cNvSpPr>
-            <p:nvPr/>
-          </p:nvSpPr>
-          <p:spPr bwMode="auto">
-            <a:xfrm>
-              <a:off x="5958334" y="3573810"/>
-              <a:ext cx="5760640" cy="4393115"/>
-            </a:xfrm>
-            <a:prstGeom prst="rect">
-              <a:avLst/>
-            </a:prstGeom>
-            <a:noFill/>
-            <a:ln w="9525">
-              <a:noFill/>
-              <a:miter lim="800000"/>
-              <a:headEnd/>
-              <a:tailEnd/>
-            </a:ln>
-          </p:spPr>
-          <p:txBody>
-            <a:bodyPr vert="horz" wrap="square" lIns="108932" tIns="54466" rIns="108932" bIns="54466" numCol="1" anchor="t" anchorCtr="0" compatLnSpc="1">
-              <a:prstTxWarp prst="textNoShape">
-                <a:avLst/>
-              </a:prstTxWarp>
-            </a:bodyPr>
-            <a:lstStyle>
-              <a:lvl1pPr marL="408497" indent="-408497" algn="l" rtl="0" eaLnBrk="0" fontAlgn="base" hangingPunct="0">
-                <a:lnSpc>
-                  <a:spcPct val="150000"/>
-                </a:lnSpc>
-                <a:spcBef>
-                  <a:spcPct val="20000"/>
-                </a:spcBef>
-                <a:spcAft>
-                  <a:spcPct val="0"/>
-                </a:spcAft>
-                <a:buClr>
-                  <a:schemeClr val="accent4">
-                    <a:lumMod val="50000"/>
-                  </a:schemeClr>
-                </a:buClr>
-                <a:buFont typeface="Wingdings" pitchFamily="2" charset="2"/>
-                <a:buChar char="n"/>
-                <a:defRPr sz="2800" b="1" kern="1200" baseline="0">
-                  <a:solidFill>
-                    <a:schemeClr val="tx1"/>
-                  </a:solidFill>
-                  <a:latin typeface="Times New Roman" panose="02020603050405020304" pitchFamily="18" charset="0"/>
-                  <a:ea typeface="楷体" panose="02010609060101010101" pitchFamily="49" charset="-122"/>
-                  <a:cs typeface="+mn-cs"/>
-                </a:defRPr>
-              </a:lvl1pPr>
-              <a:lvl2pPr marL="885076" indent="-340414" algn="l" rtl="0" eaLnBrk="0" fontAlgn="base" hangingPunct="0">
-                <a:lnSpc>
-                  <a:spcPct val="150000"/>
-                </a:lnSpc>
-                <a:spcBef>
-                  <a:spcPct val="20000"/>
-                </a:spcBef>
-                <a:spcAft>
-                  <a:spcPct val="0"/>
-                </a:spcAft>
-                <a:buClr>
-                  <a:srgbClr val="2F6231"/>
-                </a:buClr>
-                <a:buFont typeface="Arial" charset="0"/>
-                <a:buChar char="–"/>
-                <a:defRPr sz="2600" b="1" kern="1200" baseline="0">
-                  <a:solidFill>
-                    <a:schemeClr val="tx1"/>
-                  </a:solidFill>
-                  <a:latin typeface="Times New Roman" panose="02020603050405020304" pitchFamily="18" charset="0"/>
-                  <a:ea typeface="楷体" panose="02010609060101010101" pitchFamily="49" charset="-122"/>
-                  <a:cs typeface="+mn-cs"/>
-                </a:defRPr>
-              </a:lvl2pPr>
-              <a:lvl3pPr marL="1361656" indent="-272331" algn="l" rtl="0" eaLnBrk="0" fontAlgn="base" hangingPunct="0">
-                <a:lnSpc>
-                  <a:spcPct val="150000"/>
-                </a:lnSpc>
-                <a:spcBef>
-                  <a:spcPct val="20000"/>
-                </a:spcBef>
-                <a:spcAft>
-                  <a:spcPct val="0"/>
-                </a:spcAft>
-                <a:buClr>
-                  <a:srgbClr val="2F6231"/>
-                </a:buClr>
-                <a:buFont typeface="Arial" charset="0"/>
-                <a:buChar char="•"/>
-                <a:defRPr sz="2400" b="1" kern="1200" baseline="0">
-                  <a:solidFill>
-                    <a:schemeClr val="tx1"/>
-                  </a:solidFill>
-                  <a:latin typeface="Times New Roman" panose="02020603050405020304" pitchFamily="18" charset="0"/>
-                  <a:ea typeface="楷体" panose="02010609060101010101" pitchFamily="49" charset="-122"/>
-                  <a:cs typeface="+mn-cs"/>
-                </a:defRPr>
-              </a:lvl3pPr>
-              <a:lvl4pPr marL="1906318" indent="-272331" algn="l" rtl="0" eaLnBrk="0" fontAlgn="base" hangingPunct="0">
-                <a:lnSpc>
-                  <a:spcPct val="150000"/>
-                </a:lnSpc>
-                <a:spcBef>
-                  <a:spcPct val="20000"/>
-                </a:spcBef>
-                <a:spcAft>
-                  <a:spcPct val="0"/>
-                </a:spcAft>
-                <a:buClr>
-                  <a:srgbClr val="2F6231"/>
-                </a:buClr>
-                <a:buFont typeface="Arial" charset="0"/>
-                <a:buChar char="–"/>
-                <a:defRPr sz="1300" b="1" kern="1200" baseline="0">
-                  <a:solidFill>
-                    <a:schemeClr val="tx1"/>
-                  </a:solidFill>
-                  <a:latin typeface="Times New Roman" panose="02020603050405020304" pitchFamily="18" charset="0"/>
-                  <a:ea typeface="楷体" panose="02010609060101010101" pitchFamily="49" charset="-122"/>
-                  <a:cs typeface="+mn-cs"/>
-                </a:defRPr>
-              </a:lvl4pPr>
-              <a:lvl5pPr marL="2450981" indent="-272331" algn="l" rtl="0" eaLnBrk="0" fontAlgn="base" hangingPunct="0">
-                <a:lnSpc>
-                  <a:spcPct val="150000"/>
-                </a:lnSpc>
-                <a:spcBef>
-                  <a:spcPct val="20000"/>
-                </a:spcBef>
-                <a:spcAft>
-                  <a:spcPct val="0"/>
-                </a:spcAft>
-                <a:buClr>
-                  <a:srgbClr val="2F6231"/>
-                </a:buClr>
-                <a:buFont typeface="Arial" charset="0"/>
-                <a:buChar char="»"/>
-                <a:defRPr sz="1300" b="1" kern="1200" baseline="0">
-                  <a:solidFill>
-                    <a:schemeClr val="tx1"/>
-                  </a:solidFill>
-                  <a:latin typeface="Times New Roman" panose="02020603050405020304" pitchFamily="18" charset="0"/>
-                  <a:ea typeface="楷体" panose="02010609060101010101" pitchFamily="49" charset="-122"/>
-                  <a:cs typeface="+mn-cs"/>
-                </a:defRPr>
-              </a:lvl5pPr>
-              <a:lvl6pPr marL="2995643" indent="-272331" algn="l" defTabSz="1089325" rtl="0" eaLnBrk="1" latinLnBrk="0" hangingPunct="1">
-                <a:spcBef>
-                  <a:spcPct val="20000"/>
-                </a:spcBef>
-                <a:buFont typeface="Arial" pitchFamily="34" charset="0"/>
-                <a:buChar char="•"/>
-                <a:defRPr sz="2400" kern="1200">
-                  <a:solidFill>
-                    <a:schemeClr val="tx1"/>
-                  </a:solidFill>
-                  <a:latin typeface="+mn-lt"/>
-                  <a:ea typeface="+mn-ea"/>
-                  <a:cs typeface="+mn-cs"/>
-                </a:defRPr>
-              </a:lvl6pPr>
-              <a:lvl7pPr marL="3540305" indent="-272331" algn="l" defTabSz="1089325" rtl="0" eaLnBrk="1" latinLnBrk="0" hangingPunct="1">
-                <a:spcBef>
-                  <a:spcPct val="20000"/>
-                </a:spcBef>
-                <a:buFont typeface="Arial" pitchFamily="34" charset="0"/>
-                <a:buChar char="•"/>
-                <a:defRPr sz="2400" kern="1200">
-                  <a:solidFill>
-                    <a:schemeClr val="tx1"/>
-                  </a:solidFill>
-                  <a:latin typeface="+mn-lt"/>
-                  <a:ea typeface="+mn-ea"/>
-                  <a:cs typeface="+mn-cs"/>
-                </a:defRPr>
-              </a:lvl7pPr>
-              <a:lvl8pPr marL="4084968" indent="-272331" algn="l" defTabSz="1089325" rtl="0" eaLnBrk="1" latinLnBrk="0" hangingPunct="1">
-                <a:spcBef>
-                  <a:spcPct val="20000"/>
-                </a:spcBef>
-                <a:buFont typeface="Arial" pitchFamily="34" charset="0"/>
-                <a:buChar char="•"/>
-                <a:defRPr sz="2400" kern="1200">
-                  <a:solidFill>
-                    <a:schemeClr val="tx1"/>
-                  </a:solidFill>
-                  <a:latin typeface="+mn-lt"/>
-                  <a:ea typeface="+mn-ea"/>
-                  <a:cs typeface="+mn-cs"/>
-                </a:defRPr>
-              </a:lvl8pPr>
-              <a:lvl9pPr marL="4629630" indent="-272331" algn="l" defTabSz="1089325" rtl="0" eaLnBrk="1" latinLnBrk="0" hangingPunct="1">
-                <a:spcBef>
-                  <a:spcPct val="20000"/>
-                </a:spcBef>
-                <a:buFont typeface="Arial" pitchFamily="34" charset="0"/>
-                <a:buChar char="•"/>
-                <a:defRPr sz="2400" kern="1200">
-                  <a:solidFill>
-                    <a:schemeClr val="tx1"/>
-                  </a:solidFill>
-                  <a:latin typeface="+mn-lt"/>
-                  <a:ea typeface="+mn-ea"/>
-                  <a:cs typeface="+mn-cs"/>
-                </a:defRPr>
-              </a:lvl9pPr>
-            </a:lstStyle>
-            <a:p>
-              <a:pPr marL="0" indent="0">
-                <a:buNone/>
-              </a:pPr>
-              <a:r>
-                <a:rPr lang="zh-CN" altLang="en-US" smtClean="0"/>
-                <a:t>如果脚本能</a:t>
-              </a:r>
-              <a:r>
-                <a:rPr lang="en-US" altLang="zh-CN" smtClean="0"/>
-                <a:t>100%</a:t>
-              </a:r>
-              <a:r>
-                <a:rPr lang="zh-CN" altLang="en-US" smtClean="0"/>
-                <a:t>模拟用户，那么结果就会代表真实情况</a:t>
-              </a:r>
-              <a:endParaRPr lang="en-US" altLang="zh-CN" smtClean="0"/>
-            </a:p>
-            <a:p>
-              <a:pPr lvl="1"/>
-              <a:endParaRPr lang="zh-CN" altLang="en-US" dirty="0"/>
-            </a:p>
-          </p:txBody>
-        </p:sp>
-        <p:sp>
-          <p:nvSpPr>
-            <p:cNvPr id="7" name="文本框 6"/>
-            <p:cNvSpPr txBox="1"/>
-            <p:nvPr/>
-          </p:nvSpPr>
-          <p:spPr>
-            <a:xfrm>
-              <a:off x="6030342" y="3717826"/>
-              <a:ext cx="5616623" cy="369418"/>
-            </a:xfrm>
-            <a:prstGeom prst="rect">
-              <a:avLst/>
-            </a:prstGeom>
-            <a:noFill/>
-            <a:ln w="38100">
-              <a:solidFill>
-                <a:srgbClr val="003399"/>
-              </a:solidFill>
-            </a:ln>
-          </p:spPr>
-          <p:txBody>
-            <a:bodyPr wrap="square" rtlCol="0">
-              <a:spAutoFit/>
-            </a:bodyPr>
-            <a:lstStyle/>
-            <a:p>
-              <a:endParaRPr lang="zh-CN" altLang="en-US" dirty="0"/>
-            </a:p>
-          </p:txBody>
-        </p:sp>
-      </p:grpSp>
-    </p:spTree>
-    <p:extLst>
-      <p:ext uri="{BB962C8B-B14F-4D97-AF65-F5344CB8AC3E}">
-        <p14:creationId xmlns:p14="http://schemas.microsoft.com/office/powerpoint/2010/main" val="1509665874"/>
-      </p:ext>
-    </p:extLst>
-  </p:cSld>
-  <p:clrMapOvr>
-    <a:masterClrMapping/>
-  </p:clrMapOvr>
-  <p:timing>
-    <p:tnLst>
-      <p:par>
-        <p:cTn id="1" dur="indefinite" restart="never" nodeType="tmRoot">
-          <p:childTnLst>
-            <p:seq concurrent="1" nextAc="seek">
-              <p:cTn id="2" dur="indefinite" nodeType="mainSeq">
-                <p:childTnLst>
-                  <p:par>
-                    <p:cTn id="3" fill="hold">
-                      <p:stCondLst>
-                        <p:cond delay="indefinite"/>
-                      </p:stCondLst>
-                      <p:childTnLst>
-                        <p:par>
-                          <p:cTn id="4" fill="hold">
-                            <p:stCondLst>
-                              <p:cond delay="0"/>
-                            </p:stCondLst>
-                            <p:childTnLst>
-                              <p:par>
-                                <p:cTn id="5" presetID="2" presetClass="entr" presetSubtype="4" fill="hold" nodeType="clickEffect">
-                                  <p:stCondLst>
-                                    <p:cond delay="0"/>
-                                  </p:stCondLst>
-                                  <p:childTnLst>
-                                    <p:set>
-                                      <p:cBhvr>
-                                        <p:cTn id="6" dur="1" fill="hold">
-                                          <p:stCondLst>
-                                            <p:cond delay="0"/>
-                                          </p:stCondLst>
-                                        </p:cTn>
-                                        <p:tgtEl>
-                                          <p:spTgt spid="3">
-                                            <p:txEl>
-                                              <p:pRg st="1" end="1"/>
-                                            </p:txEl>
-                                          </p:spTgt>
-                                        </p:tgtEl>
-                                        <p:attrNameLst>
-                                          <p:attrName>style.visibility</p:attrName>
-                                        </p:attrNameLst>
-                                      </p:cBhvr>
-                                      <p:to>
-                                        <p:strVal val="visible"/>
-                                      </p:to>
-                                    </p:set>
-                                    <p:anim calcmode="lin" valueType="num">
-                                      <p:cBhvr additive="base">
-                                        <p:cTn id="7" dur="500" fill="hold"/>
-                                        <p:tgtEl>
-                                          <p:spTgt spid="3">
-                                            <p:txEl>
-                                              <p:pRg st="1" end="1"/>
-                                            </p:txEl>
-                                          </p:spTgt>
-                                        </p:tgtEl>
-                                        <p:attrNameLst>
-                                          <p:attrName>ppt_x</p:attrName>
-                                        </p:attrNameLst>
-                                      </p:cBhvr>
-                                      <p:tavLst>
-                                        <p:tav tm="0">
-                                          <p:val>
-                                            <p:strVal val="#ppt_x"/>
-                                          </p:val>
-                                        </p:tav>
-                                        <p:tav tm="100000">
-                                          <p:val>
-                                            <p:strVal val="#ppt_x"/>
-                                          </p:val>
-                                        </p:tav>
-                                      </p:tavLst>
-                                    </p:anim>
-                                    <p:anim calcmode="lin" valueType="num">
-                                      <p:cBhvr additive="base">
-                                        <p:cTn id="8" dur="500" fill="hold"/>
-                                        <p:tgtEl>
-                                          <p:spTgt spid="3">
-                                            <p:txEl>
-                                              <p:pRg st="1" end="1"/>
-                                            </p:txEl>
-                                          </p:spTgt>
-                                        </p:tgtEl>
-                                        <p:attrNameLst>
-                                          <p:attrName>ppt_y</p:attrName>
-                                        </p:attrNameLst>
-                                      </p:cBhvr>
-                                      <p:tavLst>
-                                        <p:tav tm="0">
-                                          <p:val>
-                                            <p:strVal val="1+#ppt_h/2"/>
-                                          </p:val>
-                                        </p:tav>
-                                        <p:tav tm="100000">
-                                          <p:val>
-                                            <p:strVal val="#ppt_y"/>
-                                          </p:val>
-                                        </p:tav>
-                                      </p:tavLst>
-                                    </p:anim>
-                                  </p:childTnLst>
-                                </p:cTn>
-                              </p:par>
-                            </p:childTnLst>
-                          </p:cTn>
-                        </p:par>
-                      </p:childTnLst>
-                    </p:cTn>
-                  </p:par>
-                  <p:par>
-                    <p:cTn id="9" fill="hold">
-                      <p:stCondLst>
-                        <p:cond delay="indefinite"/>
-                      </p:stCondLst>
-                      <p:childTnLst>
-                        <p:par>
-                          <p:cTn id="10" fill="hold">
-                            <p:stCondLst>
-                              <p:cond delay="0"/>
-                            </p:stCondLst>
-                            <p:childTnLst>
-                              <p:par>
-                                <p:cTn id="11" presetID="2" presetClass="entr" presetSubtype="4" fill="hold" nodeType="clickEffect">
-                                  <p:stCondLst>
-                                    <p:cond delay="0"/>
-                                  </p:stCondLst>
-                                  <p:childTnLst>
-                                    <p:set>
-                                      <p:cBhvr>
-                                        <p:cTn id="12" dur="1" fill="hold">
-                                          <p:stCondLst>
-                                            <p:cond delay="0"/>
-                                          </p:stCondLst>
-                                        </p:cTn>
-                                        <p:tgtEl>
-                                          <p:spTgt spid="3">
-                                            <p:txEl>
-                                              <p:pRg st="2" end="2"/>
-                                            </p:txEl>
-                                          </p:spTgt>
-                                        </p:tgtEl>
-                                        <p:attrNameLst>
-                                          <p:attrName>style.visibility</p:attrName>
-                                        </p:attrNameLst>
-                                      </p:cBhvr>
-                                      <p:to>
-                                        <p:strVal val="visible"/>
-                                      </p:to>
-                                    </p:set>
-                                    <p:anim calcmode="lin" valueType="num">
-                                      <p:cBhvr additive="base">
-                                        <p:cTn id="13" dur="500" fill="hold"/>
-                                        <p:tgtEl>
-                                          <p:spTgt spid="3">
-                                            <p:txEl>
-                                              <p:pRg st="2" end="2"/>
-                                            </p:txEl>
-                                          </p:spTgt>
-                                        </p:tgtEl>
-                                        <p:attrNameLst>
-                                          <p:attrName>ppt_x</p:attrName>
-                                        </p:attrNameLst>
-                                      </p:cBhvr>
-                                      <p:tavLst>
-                                        <p:tav tm="0">
-                                          <p:val>
-                                            <p:strVal val="#ppt_x"/>
-                                          </p:val>
-                                        </p:tav>
-                                        <p:tav tm="100000">
-                                          <p:val>
-                                            <p:strVal val="#ppt_x"/>
-                                          </p:val>
-                                        </p:tav>
-                                      </p:tavLst>
-                                    </p:anim>
-                                    <p:anim calcmode="lin" valueType="num">
-                                      <p:cBhvr additive="base">
-                                        <p:cTn id="14" dur="500" fill="hold"/>
-                                        <p:tgtEl>
-                                          <p:spTgt spid="3">
-                                            <p:txEl>
-                                              <p:pRg st="2" end="2"/>
-                                            </p:txEl>
-                                          </p:spTgt>
-                                        </p:tgtEl>
-                                        <p:attrNameLst>
-                                          <p:attrName>ppt_y</p:attrName>
-                                        </p:attrNameLst>
-                                      </p:cBhvr>
-                                      <p:tavLst>
-                                        <p:tav tm="0">
-                                          <p:val>
-                                            <p:strVal val="1+#ppt_h/2"/>
-                                          </p:val>
-                                        </p:tav>
-                                        <p:tav tm="100000">
-                                          <p:val>
-                                            <p:strVal val="#ppt_y"/>
-                                          </p:val>
-                                        </p:tav>
-                                      </p:tavLst>
-                                    </p:anim>
-                                  </p:childTnLst>
-                                </p:cTn>
-                              </p:par>
-                              <p:par>
-                                <p:cTn id="15" presetID="2" presetClass="entr" presetSubtype="4" fill="hold" nodeType="withEffect">
-                                  <p:stCondLst>
-                                    <p:cond delay="0"/>
-                                  </p:stCondLst>
-                                  <p:childTnLst>
-                                    <p:set>
-                                      <p:cBhvr>
-                                        <p:cTn id="16" dur="1" fill="hold">
-                                          <p:stCondLst>
-                                            <p:cond delay="0"/>
-                                          </p:stCondLst>
-                                        </p:cTn>
-                                        <p:tgtEl>
-                                          <p:spTgt spid="3">
-                                            <p:txEl>
-                                              <p:pRg st="3" end="3"/>
-                                            </p:txEl>
-                                          </p:spTgt>
-                                        </p:tgtEl>
-                                        <p:attrNameLst>
-                                          <p:attrName>style.visibility</p:attrName>
-                                        </p:attrNameLst>
-                                      </p:cBhvr>
-                                      <p:to>
-                                        <p:strVal val="visible"/>
-                                      </p:to>
-                                    </p:set>
-                                    <p:anim calcmode="lin" valueType="num">
-                                      <p:cBhvr additive="base">
-                                        <p:cTn id="17" dur="500" fill="hold"/>
-                                        <p:tgtEl>
-                                          <p:spTgt spid="3">
-                                            <p:txEl>
-                                              <p:pRg st="3" end="3"/>
-                                            </p:txEl>
-                                          </p:spTgt>
-                                        </p:tgtEl>
-                                        <p:attrNameLst>
-                                          <p:attrName>ppt_x</p:attrName>
-                                        </p:attrNameLst>
-                                      </p:cBhvr>
-                                      <p:tavLst>
-                                        <p:tav tm="0">
-                                          <p:val>
-                                            <p:strVal val="#ppt_x"/>
-                                          </p:val>
-                                        </p:tav>
-                                        <p:tav tm="100000">
-                                          <p:val>
-                                            <p:strVal val="#ppt_x"/>
-                                          </p:val>
-                                        </p:tav>
-                                      </p:tavLst>
-                                    </p:anim>
-                                    <p:anim calcmode="lin" valueType="num">
-                                      <p:cBhvr additive="base">
-                                        <p:cTn id="18" dur="500" fill="hold"/>
-                                        <p:tgtEl>
-                                          <p:spTgt spid="3">
-                                            <p:txEl>
-                                              <p:pRg st="3" end="3"/>
-                                            </p:txEl>
-                                          </p:spTgt>
-                                        </p:tgtEl>
-                                        <p:attrNameLst>
-                                          <p:attrName>ppt_y</p:attrName>
-                                        </p:attrNameLst>
-                                      </p:cBhvr>
-                                      <p:tavLst>
-                                        <p:tav tm="0">
-                                          <p:val>
-                                            <p:strVal val="1+#ppt_h/2"/>
-                                          </p:val>
-                                        </p:tav>
-                                        <p:tav tm="100000">
-                                          <p:val>
-                                            <p:strVal val="#ppt_y"/>
-                                          </p:val>
-                                        </p:tav>
-                                      </p:tavLst>
-                                    </p:anim>
-                                  </p:childTnLst>
-                                </p:cTn>
-                              </p:par>
-                              <p:par>
-                                <p:cTn id="19" presetID="2" presetClass="entr" presetSubtype="4" fill="hold" nodeType="withEffect">
-                                  <p:stCondLst>
-                                    <p:cond delay="0"/>
-                                  </p:stCondLst>
-                                  <p:childTnLst>
-                                    <p:set>
-                                      <p:cBhvr>
-                                        <p:cTn id="20" dur="1" fill="hold">
-                                          <p:stCondLst>
-                                            <p:cond delay="0"/>
-                                          </p:stCondLst>
-                                        </p:cTn>
-                                        <p:tgtEl>
-                                          <p:spTgt spid="3">
-                                            <p:txEl>
-                                              <p:pRg st="4" end="4"/>
-                                            </p:txEl>
-                                          </p:spTgt>
-                                        </p:tgtEl>
-                                        <p:attrNameLst>
-                                          <p:attrName>style.visibility</p:attrName>
-                                        </p:attrNameLst>
-                                      </p:cBhvr>
-                                      <p:to>
-                                        <p:strVal val="visible"/>
-                                      </p:to>
-                                    </p:set>
-                                    <p:anim calcmode="lin" valueType="num">
-                                      <p:cBhvr additive="base">
-                                        <p:cTn id="21" dur="500" fill="hold"/>
-                                        <p:tgtEl>
-                                          <p:spTgt spid="3">
-                                            <p:txEl>
-                                              <p:pRg st="4" end="4"/>
-                                            </p:txEl>
-                                          </p:spTgt>
-                                        </p:tgtEl>
-                                        <p:attrNameLst>
-                                          <p:attrName>ppt_x</p:attrName>
-                                        </p:attrNameLst>
-                                      </p:cBhvr>
-                                      <p:tavLst>
-                                        <p:tav tm="0">
-                                          <p:val>
-                                            <p:strVal val="#ppt_x"/>
-                                          </p:val>
-                                        </p:tav>
-                                        <p:tav tm="100000">
-                                          <p:val>
-                                            <p:strVal val="#ppt_x"/>
-                                          </p:val>
-                                        </p:tav>
-                                      </p:tavLst>
-                                    </p:anim>
-                                    <p:anim calcmode="lin" valueType="num">
-                                      <p:cBhvr additive="base">
-                                        <p:cTn id="22" dur="500" fill="hold"/>
-                                        <p:tgtEl>
-                                          <p:spTgt spid="3">
-                                            <p:txEl>
-                                              <p:pRg st="4" end="4"/>
-                                            </p:txEl>
-                                          </p:spTgt>
-                                        </p:tgtEl>
-                                        <p:attrNameLst>
-                                          <p:attrName>ppt_y</p:attrName>
-                                        </p:attrNameLst>
-                                      </p:cBhvr>
-                                      <p:tavLst>
-                                        <p:tav tm="0">
-                                          <p:val>
-                                            <p:strVal val="1+#ppt_h/2"/>
-                                          </p:val>
-                                        </p:tav>
-                                        <p:tav tm="100000">
-                                          <p:val>
-                                            <p:strVal val="#ppt_y"/>
-                                          </p:val>
-                                        </p:tav>
-                                      </p:tavLst>
-                                    </p:anim>
-                                  </p:childTnLst>
-                                </p:cTn>
-                              </p:par>
-                              <p:par>
-                                <p:cTn id="23" presetID="2" presetClass="entr" presetSubtype="4" fill="hold" nodeType="withEffect">
-                                  <p:stCondLst>
-                                    <p:cond delay="0"/>
-                                  </p:stCondLst>
-                                  <p:childTnLst>
-                                    <p:set>
-                                      <p:cBhvr>
-                                        <p:cTn id="24" dur="1" fill="hold">
-                                          <p:stCondLst>
-                                            <p:cond delay="0"/>
-                                          </p:stCondLst>
-                                        </p:cTn>
-                                        <p:tgtEl>
-                                          <p:spTgt spid="3">
-                                            <p:txEl>
-                                              <p:pRg st="5" end="5"/>
-                                            </p:txEl>
-                                          </p:spTgt>
-                                        </p:tgtEl>
-                                        <p:attrNameLst>
-                                          <p:attrName>style.visibility</p:attrName>
-                                        </p:attrNameLst>
-                                      </p:cBhvr>
-                                      <p:to>
-                                        <p:strVal val="visible"/>
-                                      </p:to>
-                                    </p:set>
-                                    <p:anim calcmode="lin" valueType="num">
-                                      <p:cBhvr additive="base">
-                                        <p:cTn id="25" dur="500" fill="hold"/>
-                                        <p:tgtEl>
-                                          <p:spTgt spid="3">
-                                            <p:txEl>
-                                              <p:pRg st="5" end="5"/>
-                                            </p:txEl>
-                                          </p:spTgt>
-                                        </p:tgtEl>
-                                        <p:attrNameLst>
-                                          <p:attrName>ppt_x</p:attrName>
-                                        </p:attrNameLst>
-                                      </p:cBhvr>
-                                      <p:tavLst>
-                                        <p:tav tm="0">
-                                          <p:val>
-                                            <p:strVal val="#ppt_x"/>
-                                          </p:val>
-                                        </p:tav>
-                                        <p:tav tm="100000">
-                                          <p:val>
-                                            <p:strVal val="#ppt_x"/>
-                                          </p:val>
-                                        </p:tav>
-                                      </p:tavLst>
-                                    </p:anim>
-                                    <p:anim calcmode="lin" valueType="num">
-                                      <p:cBhvr additive="base">
-                                        <p:cTn id="26" dur="500" fill="hold"/>
-                                        <p:tgtEl>
-                                          <p:spTgt spid="3">
-                                            <p:txEl>
-                                              <p:pRg st="5" end="5"/>
-                                            </p:txEl>
-                                          </p:spTgt>
-                                        </p:tgtEl>
-                                        <p:attrNameLst>
-                                          <p:attrName>ppt_y</p:attrName>
-                                        </p:attrNameLst>
-                                      </p:cBhvr>
-                                      <p:tavLst>
-                                        <p:tav tm="0">
-                                          <p:val>
-                                            <p:strVal val="1+#ppt_h/2"/>
-                                          </p:val>
-                                        </p:tav>
-                                        <p:tav tm="100000">
-                                          <p:val>
-                                            <p:strVal val="#ppt_y"/>
-                                          </p:val>
-                                        </p:tav>
-                                      </p:tavLst>
-                                    </p:anim>
-                                  </p:childTnLst>
-                                </p:cTn>
-                              </p:par>
-                              <p:par>
-                                <p:cTn id="27" presetID="2" presetClass="entr" presetSubtype="4" fill="hold" nodeType="withEffect">
-                                  <p:stCondLst>
-                                    <p:cond delay="0"/>
-                                  </p:stCondLst>
-                                  <p:childTnLst>
-                                    <p:set>
-                                      <p:cBhvr>
-                                        <p:cTn id="28" dur="1" fill="hold">
-                                          <p:stCondLst>
-                                            <p:cond delay="0"/>
-                                          </p:stCondLst>
-                                        </p:cTn>
-                                        <p:tgtEl>
-                                          <p:spTgt spid="3">
-                                            <p:txEl>
-                                              <p:pRg st="6" end="6"/>
-                                            </p:txEl>
-                                          </p:spTgt>
-                                        </p:tgtEl>
-                                        <p:attrNameLst>
-                                          <p:attrName>style.visibility</p:attrName>
-                                        </p:attrNameLst>
-                                      </p:cBhvr>
-                                      <p:to>
-                                        <p:strVal val="visible"/>
-                                      </p:to>
-                                    </p:set>
-                                    <p:anim calcmode="lin" valueType="num">
-                                      <p:cBhvr additive="base">
-                                        <p:cTn id="29" dur="500" fill="hold"/>
-                                        <p:tgtEl>
-                                          <p:spTgt spid="3">
-                                            <p:txEl>
-                                              <p:pRg st="6" end="6"/>
-                                            </p:txEl>
-                                          </p:spTgt>
-                                        </p:tgtEl>
-                                        <p:attrNameLst>
-                                          <p:attrName>ppt_x</p:attrName>
-                                        </p:attrNameLst>
-                                      </p:cBhvr>
-                                      <p:tavLst>
-                                        <p:tav tm="0">
-                                          <p:val>
-                                            <p:strVal val="#ppt_x"/>
-                                          </p:val>
-                                        </p:tav>
-                                        <p:tav tm="100000">
-                                          <p:val>
-                                            <p:strVal val="#ppt_x"/>
-                                          </p:val>
-                                        </p:tav>
-                                      </p:tavLst>
-                                    </p:anim>
-                                    <p:anim calcmode="lin" valueType="num">
-                                      <p:cBhvr additive="base">
-                                        <p:cTn id="30" dur="500" fill="hold"/>
-                                        <p:tgtEl>
-                                          <p:spTgt spid="3">
-                                            <p:txEl>
-                                              <p:pRg st="6" end="6"/>
-                                            </p:txEl>
-                                          </p:spTgt>
-                                        </p:tgtEl>
-                                        <p:attrNameLst>
-                                          <p:attrName>ppt_y</p:attrName>
-                                        </p:attrNameLst>
-                                      </p:cBhvr>
-                                      <p:tavLst>
-                                        <p:tav tm="0">
-                                          <p:val>
-                                            <p:strVal val="1+#ppt_h/2"/>
-                                          </p:val>
-                                        </p:tav>
-                                        <p:tav tm="100000">
-                                          <p:val>
-                                            <p:strVal val="#ppt_y"/>
-                                          </p:val>
-                                        </p:tav>
-                                      </p:tavLst>
-                                    </p:anim>
-                                  </p:childTnLst>
-                                </p:cTn>
-                              </p:par>
-                              <p:par>
-                                <p:cTn id="31" presetID="2" presetClass="entr" presetSubtype="4" fill="hold" nodeType="withEffect">
-                                  <p:stCondLst>
-                                    <p:cond delay="0"/>
-                                  </p:stCondLst>
-                                  <p:childTnLst>
-                                    <p:set>
-                                      <p:cBhvr>
-                                        <p:cTn id="32" dur="1" fill="hold">
-                                          <p:stCondLst>
-                                            <p:cond delay="0"/>
-                                          </p:stCondLst>
-                                        </p:cTn>
-                                        <p:tgtEl>
-                                          <p:spTgt spid="3">
-                                            <p:txEl>
-                                              <p:pRg st="7" end="7"/>
-                                            </p:txEl>
-                                          </p:spTgt>
-                                        </p:tgtEl>
-                                        <p:attrNameLst>
-                                          <p:attrName>style.visibility</p:attrName>
-                                        </p:attrNameLst>
-                                      </p:cBhvr>
-                                      <p:to>
-                                        <p:strVal val="visible"/>
-                                      </p:to>
-                                    </p:set>
-                                    <p:anim calcmode="lin" valueType="num">
-                                      <p:cBhvr additive="base">
-                                        <p:cTn id="33" dur="500" fill="hold"/>
-                                        <p:tgtEl>
-                                          <p:spTgt spid="3">
-                                            <p:txEl>
-                                              <p:pRg st="7" end="7"/>
-                                            </p:txEl>
-                                          </p:spTgt>
-                                        </p:tgtEl>
-                                        <p:attrNameLst>
-                                          <p:attrName>ppt_x</p:attrName>
-                                        </p:attrNameLst>
-                                      </p:cBhvr>
-                                      <p:tavLst>
-                                        <p:tav tm="0">
-                                          <p:val>
-                                            <p:strVal val="#ppt_x"/>
-                                          </p:val>
-                                        </p:tav>
-                                        <p:tav tm="100000">
-                                          <p:val>
-                                            <p:strVal val="#ppt_x"/>
-                                          </p:val>
-                                        </p:tav>
-                                      </p:tavLst>
-                                    </p:anim>
-                                    <p:anim calcmode="lin" valueType="num">
-                                      <p:cBhvr additive="base">
-                                        <p:cTn id="34" dur="500" fill="hold"/>
-                                        <p:tgtEl>
-                                          <p:spTgt spid="3">
-                                            <p:txEl>
-                                              <p:pRg st="7" end="7"/>
-                                            </p:txEl>
-                                          </p:spTgt>
-                                        </p:tgtEl>
-                                        <p:attrNameLst>
-                                          <p:attrName>ppt_y</p:attrName>
-                                        </p:attrNameLst>
-                                      </p:cBhvr>
-                                      <p:tavLst>
-                                        <p:tav tm="0">
-                                          <p:val>
-                                            <p:strVal val="1+#ppt_h/2"/>
-                                          </p:val>
-                                        </p:tav>
-                                        <p:tav tm="100000">
-                                          <p:val>
-                                            <p:strVal val="#ppt_y"/>
-                                          </p:val>
-                                        </p:tav>
-                                      </p:tavLst>
-                                    </p:anim>
-                                  </p:childTnLst>
-                                </p:cTn>
-                              </p:par>
-                            </p:childTnLst>
-                          </p:cTn>
-                        </p:par>
-                      </p:childTnLst>
-                    </p:cTn>
-                  </p:par>
-                  <p:par>
-                    <p:cTn id="35" fill="hold">
-                      <p:stCondLst>
-                        <p:cond delay="indefinite"/>
-                      </p:stCondLst>
-                      <p:childTnLst>
-                        <p:par>
-                          <p:cTn id="36" fill="hold">
-                            <p:stCondLst>
-                              <p:cond delay="0"/>
-                            </p:stCondLst>
-                            <p:childTnLst>
-                              <p:par>
-                                <p:cTn id="37" presetID="22" presetClass="entr" presetSubtype="8" fill="hold" nodeType="clickEffect">
-                                  <p:stCondLst>
-                                    <p:cond delay="0"/>
-                                  </p:stCondLst>
-                                  <p:childTnLst>
-                                    <p:set>
-                                      <p:cBhvr>
-                                        <p:cTn id="38" dur="1" fill="hold">
-                                          <p:stCondLst>
-                                            <p:cond delay="0"/>
-                                          </p:stCondLst>
-                                        </p:cTn>
-                                        <p:tgtEl>
-                                          <p:spTgt spid="8"/>
-                                        </p:tgtEl>
-                                        <p:attrNameLst>
-                                          <p:attrName>style.visibility</p:attrName>
-                                        </p:attrNameLst>
-                                      </p:cBhvr>
-                                      <p:to>
-                                        <p:strVal val="visible"/>
-                                      </p:to>
-                                    </p:set>
-                                    <p:animEffect transition="in" filter="wipe(left)">
-                                      <p:cBhvr>
-                                        <p:cTn id="39" dur="500"/>
-                                        <p:tgtEl>
-                                          <p:spTgt spid="8"/>
-                                        </p:tgtEl>
-                                      </p:cBhvr>
-                                    </p:animEffect>
-                                  </p:childTnLst>
-                                </p:cTn>
-                              </p:par>
-                            </p:childTnLst>
-                          </p:cTn>
-                        </p:par>
-                      </p:childTnLst>
-                    </p:cTn>
-                  </p:par>
-                </p:childTnLst>
-              </p:cTn>
-              <p:prevCondLst>
-                <p:cond evt="onPrev" delay="0">
-                  <p:tgtEl>
-                    <p:sldTgt/>
-                  </p:tgtEl>
-                </p:cond>
-              </p:prevCondLst>
-              <p:nextCondLst>
-                <p:cond evt="onNext" delay="0">
-                  <p:tgtEl>
-                    <p:sldTgt/>
-                  </p:tgtEl>
-                </p:cond>
-              </p:nextCondLst>
-            </p:seq>
-          </p:childTnLst>
-        </p:cTn>
-      </p:par>
-    </p:tnLst>
-  </p:timing>
-</p:sld>
-</file>
-
-<file path=ppt/slides/slide27.xml><?xml version="1.0" encoding="utf-8"?>
-<p:sld xmlns:a="http://schemas.openxmlformats.org/drawingml/2006/main" xmlns:r="http://schemas.openxmlformats.org/officeDocument/2006/relationships" xmlns:p="http://schemas.openxmlformats.org/presentationml/2006/main">
-  <p:cSld>
-    <p:spTree>
-      <p:nvGrpSpPr>
-        <p:cNvPr id="1" name=""/>
-        <p:cNvGrpSpPr/>
-        <p:nvPr/>
-      </p:nvGrpSpPr>
-      <p:grpSpPr>
-        <a:xfrm>
-          <a:off x="0" y="0"/>
-          <a:ext cx="0" cy="0"/>
-          <a:chOff x="0" y="0"/>
-          <a:chExt cx="0" cy="0"/>
-        </a:xfrm>
-      </p:grpSpPr>
-      <p:sp>
-        <p:nvSpPr>
-          <p:cNvPr id="2" name="标题 1"/>
-          <p:cNvSpPr>
-            <a:spLocks noGrp="1"/>
-          </p:cNvSpPr>
-          <p:nvPr>
-            <p:ph type="title"/>
-          </p:nvPr>
-        </p:nvSpPr>
-        <p:spPr/>
-        <p:txBody>
-          <a:bodyPr/>
-          <a:lstStyle/>
-          <a:p>
-            <a:r>
-              <a:rPr lang="en-US" altLang="zh-CN" dirty="0" smtClean="0"/>
-              <a:t>Run-time Settings</a:t>
-            </a:r>
-            <a:endParaRPr lang="zh-CN" altLang="en-US" dirty="0"/>
-          </a:p>
-        </p:txBody>
-      </p:sp>
-      <p:sp>
-        <p:nvSpPr>
-          <p:cNvPr id="3" name="内容占位符 2"/>
-          <p:cNvSpPr>
-            <a:spLocks noGrp="1"/>
-          </p:cNvSpPr>
-          <p:nvPr>
-            <p:ph idx="1"/>
-          </p:nvPr>
-        </p:nvSpPr>
-        <p:spPr/>
-        <p:txBody>
-          <a:bodyPr/>
-          <a:lstStyle/>
-          <a:p>
-            <a:r>
-              <a:rPr lang="en-US" altLang="zh-CN" dirty="0" smtClean="0"/>
-              <a:t>pacing  </a:t>
-            </a:r>
-          </a:p>
-          <a:p>
-            <a:pPr lvl="1"/>
-            <a:r>
-              <a:rPr lang="zh-CN" altLang="en-US" dirty="0" smtClean="0"/>
-              <a:t>迭代与迭代之间的时间差</a:t>
-            </a:r>
-            <a:endParaRPr lang="en-US" altLang="zh-CN" dirty="0" smtClean="0"/>
-          </a:p>
-          <a:p>
-            <a:r>
-              <a:rPr lang="en-US" altLang="zh-CN" dirty="0" smtClean="0"/>
-              <a:t>Think time</a:t>
-            </a:r>
-          </a:p>
-          <a:p>
-            <a:pPr lvl="1"/>
-            <a:r>
-              <a:rPr lang="zh-CN" altLang="en-US" dirty="0" smtClean="0"/>
-              <a:t>思考时间</a:t>
-            </a:r>
-            <a:endParaRPr lang="en-US" altLang="zh-CN" dirty="0" smtClean="0"/>
-          </a:p>
-          <a:p>
-            <a:pPr lvl="1"/>
-            <a:r>
-              <a:rPr lang="en-US" altLang="zh-CN" dirty="0" err="1" smtClean="0"/>
-              <a:t>lr_think_time</a:t>
-            </a:r>
-            <a:r>
-              <a:rPr lang="zh-CN" altLang="en-US" dirty="0" smtClean="0"/>
-              <a:t>（）</a:t>
-            </a:r>
-            <a:endParaRPr lang="en-US" altLang="zh-CN" dirty="0" smtClean="0"/>
-          </a:p>
-          <a:p>
-            <a:pPr lvl="1"/>
-            <a:r>
-              <a:rPr lang="zh-CN" altLang="en-US" dirty="0" smtClean="0"/>
-              <a:t>为什么要用</a:t>
-            </a:r>
-            <a:r>
-              <a:rPr lang="en-US" altLang="zh-CN" dirty="0" smtClean="0"/>
-              <a:t>think-time</a:t>
-            </a:r>
-            <a:r>
-              <a:rPr lang="zh-CN" altLang="en-US" dirty="0" smtClean="0"/>
-              <a:t>？</a:t>
-            </a:r>
-            <a:endParaRPr lang="en-US" altLang="zh-CN" dirty="0" smtClean="0"/>
-          </a:p>
-          <a:p>
-            <a:pPr lvl="1"/>
-            <a:r>
-              <a:rPr lang="en-US" altLang="zh-CN" dirty="0" smtClean="0"/>
-              <a:t>Think Time</a:t>
-            </a:r>
-            <a:r>
-              <a:rPr lang="zh-CN" altLang="en-US" dirty="0" smtClean="0"/>
-              <a:t>设置多长时间合适？</a:t>
-            </a:r>
-            <a:endParaRPr lang="zh-CN" altLang="en-US" dirty="0"/>
-          </a:p>
-        </p:txBody>
-      </p:sp>
-    </p:spTree>
-    <p:extLst>
-      <p:ext uri="{BB962C8B-B14F-4D97-AF65-F5344CB8AC3E}">
-        <p14:creationId xmlns:p14="http://schemas.microsoft.com/office/powerpoint/2010/main" val="3236568195"/>
-      </p:ext>
-    </p:extLst>
-  </p:cSld>
-  <p:clrMapOvr>
-    <a:masterClrMapping/>
-  </p:clrMapOvr>
-  <p:timing>
-    <p:tnLst>
-      <p:par>
-        <p:cTn id="1" dur="indefinite" restart="never" nodeType="tmRoot"/>
-      </p:par>
-    </p:tnLst>
-  </p:timing>
-</p:sld>
-</file>
-
-<file path=ppt/slides/slide28.xml><?xml version="1.0" encoding="utf-8"?>
-<p:sld xmlns:a="http://schemas.openxmlformats.org/drawingml/2006/main" xmlns:r="http://schemas.openxmlformats.org/officeDocument/2006/relationships" xmlns:p="http://schemas.openxmlformats.org/presentationml/2006/main">
-  <p:cSld>
-    <p:spTree>
-      <p:nvGrpSpPr>
-        <p:cNvPr id="1" name=""/>
-        <p:cNvGrpSpPr/>
-        <p:nvPr/>
-      </p:nvGrpSpPr>
-      <p:grpSpPr>
-        <a:xfrm>
-          <a:off x="0" y="0"/>
-          <a:ext cx="0" cy="0"/>
-          <a:chOff x="0" y="0"/>
-          <a:chExt cx="0" cy="0"/>
-        </a:xfrm>
-      </p:grpSpPr>
-      <p:sp>
-        <p:nvSpPr>
-          <p:cNvPr id="2" name="标题 1"/>
-          <p:cNvSpPr>
-            <a:spLocks noGrp="1"/>
-          </p:cNvSpPr>
-          <p:nvPr>
-            <p:ph type="title"/>
-          </p:nvPr>
-        </p:nvSpPr>
-        <p:spPr/>
-        <p:txBody>
-          <a:bodyPr/>
-          <a:lstStyle/>
-          <a:p>
-            <a:r>
-              <a:rPr lang="en-US" altLang="zh-CN" dirty="0"/>
-              <a:t>Run-time Settings</a:t>
-            </a:r>
-            <a:endParaRPr lang="zh-CN" altLang="en-US" dirty="0"/>
-          </a:p>
-        </p:txBody>
-      </p:sp>
-      <p:sp>
-        <p:nvSpPr>
-          <p:cNvPr id="3" name="内容占位符 2"/>
-          <p:cNvSpPr>
-            <a:spLocks noGrp="1"/>
-          </p:cNvSpPr>
-          <p:nvPr>
-            <p:ph idx="1"/>
-          </p:nvPr>
-        </p:nvSpPr>
-        <p:spPr>
-          <a:xfrm>
-            <a:off x="457200" y="981295"/>
-            <a:ext cx="8229600" cy="5040020"/>
-          </a:xfrm>
-        </p:spPr>
-        <p:txBody>
-          <a:bodyPr/>
-          <a:lstStyle/>
-          <a:p>
-            <a:r>
-              <a:rPr lang="en-US" altLang="zh-CN" dirty="0"/>
-              <a:t>Browser </a:t>
-            </a:r>
-            <a:r>
-              <a:rPr lang="en-US" altLang="zh-CN" dirty="0" smtClean="0"/>
-              <a:t>Emulation</a:t>
-            </a:r>
-          </a:p>
-          <a:p>
-            <a:pPr lvl="1"/>
-            <a:r>
-              <a:rPr lang="zh-CN" altLang="en-US" dirty="0"/>
-              <a:t>浏览器仿真</a:t>
-            </a:r>
-            <a:endParaRPr lang="en-US" altLang="zh-CN" dirty="0"/>
-          </a:p>
-          <a:p>
-            <a:pPr lvl="1"/>
-            <a:endParaRPr lang="en-US" altLang="zh-CN" dirty="0"/>
-          </a:p>
-          <a:p>
-            <a:endParaRPr lang="zh-CN" altLang="en-US" dirty="0"/>
-          </a:p>
-        </p:txBody>
-      </p:sp>
-      <p:pic>
-        <p:nvPicPr>
-          <p:cNvPr id="4" name="图片 3"/>
-          <p:cNvPicPr>
-            <a:picLocks noChangeAspect="1"/>
-          </p:cNvPicPr>
-          <p:nvPr/>
-        </p:nvPicPr>
-        <p:blipFill>
-          <a:blip r:embed="rId2"/>
-          <a:stretch>
-            <a:fillRect/>
-          </a:stretch>
-        </p:blipFill>
-        <p:spPr>
-          <a:xfrm>
-            <a:off x="256016" y="2493113"/>
-            <a:ext cx="8705217" cy="3675339"/>
-          </a:xfrm>
-          <a:prstGeom prst="rect">
-            <a:avLst/>
-          </a:prstGeom>
-        </p:spPr>
-      </p:pic>
-    </p:spTree>
-    <p:extLst>
-      <p:ext uri="{BB962C8B-B14F-4D97-AF65-F5344CB8AC3E}">
-        <p14:creationId xmlns:p14="http://schemas.microsoft.com/office/powerpoint/2010/main" val="2470096281"/>
-      </p:ext>
-    </p:extLst>
-  </p:cSld>
-  <p:clrMapOvr>
-    <a:masterClrMapping/>
-  </p:clrMapOvr>
-</p:sld>
-</file>
-
-<file path=ppt/slides/slide29.xml><?xml version="1.0" encoding="utf-8"?>
-<p:sld xmlns:a="http://schemas.openxmlformats.org/drawingml/2006/main" xmlns:r="http://schemas.openxmlformats.org/officeDocument/2006/relationships" xmlns:p="http://schemas.openxmlformats.org/presentationml/2006/main">
-  <p:cSld>
-    <p:spTree>
-      <p:nvGrpSpPr>
-        <p:cNvPr id="1" name=""/>
-        <p:cNvGrpSpPr/>
-        <p:nvPr/>
-      </p:nvGrpSpPr>
-      <p:grpSpPr>
-        <a:xfrm>
-          <a:off x="0" y="0"/>
-          <a:ext cx="0" cy="0"/>
-          <a:chOff x="0" y="0"/>
-          <a:chExt cx="0" cy="0"/>
-        </a:xfrm>
-      </p:grpSpPr>
-      <p:sp>
-        <p:nvSpPr>
-          <p:cNvPr id="2" name="标题 1"/>
-          <p:cNvSpPr>
-            <a:spLocks noGrp="1"/>
-          </p:cNvSpPr>
-          <p:nvPr>
-            <p:ph type="title"/>
-          </p:nvPr>
-        </p:nvSpPr>
-        <p:spPr/>
-        <p:txBody>
-          <a:bodyPr/>
-          <a:lstStyle/>
-          <a:p>
-            <a:r>
-              <a:rPr lang="en-US" altLang="zh-CN" dirty="0" smtClean="0"/>
-              <a:t>Run-time Settings</a:t>
-            </a:r>
-            <a:endParaRPr lang="zh-CN" altLang="en-US" dirty="0"/>
-          </a:p>
-        </p:txBody>
-      </p:sp>
-      <p:sp>
-        <p:nvSpPr>
-          <p:cNvPr id="3" name="内容占位符 2"/>
-          <p:cNvSpPr>
-            <a:spLocks noGrp="1"/>
-          </p:cNvSpPr>
-          <p:nvPr>
-            <p:ph idx="1"/>
-          </p:nvPr>
-        </p:nvSpPr>
-        <p:spPr/>
-        <p:txBody>
-          <a:bodyPr/>
-          <a:lstStyle/>
-          <a:p>
-            <a:r>
-              <a:rPr lang="en-US" altLang="zh-CN" dirty="0" smtClean="0"/>
-              <a:t>Browser Emulation</a:t>
-            </a:r>
-          </a:p>
-          <a:p>
-            <a:pPr lvl="1"/>
-            <a:r>
-              <a:rPr lang="zh-CN" altLang="en-US" dirty="0" smtClean="0"/>
-              <a:t>不勾选清除</a:t>
-            </a:r>
-            <a:endParaRPr lang="en-US" altLang="zh-CN" dirty="0" smtClean="0"/>
-          </a:p>
-          <a:p>
-            <a:pPr marL="457135" lvl="1" indent="0">
-              <a:buNone/>
-            </a:pPr>
-            <a:r>
-              <a:rPr lang="zh-CN" altLang="en-US" dirty="0" smtClean="0"/>
-              <a:t>运行结果</a:t>
-            </a:r>
-            <a:endParaRPr lang="en-US" altLang="zh-CN" dirty="0" smtClean="0"/>
-          </a:p>
-          <a:p>
-            <a:pPr lvl="1"/>
-            <a:endParaRPr lang="zh-CN" altLang="en-US" dirty="0"/>
-          </a:p>
-        </p:txBody>
-      </p:sp>
-      <p:pic>
-        <p:nvPicPr>
-          <p:cNvPr id="5" name="图片 4"/>
-          <p:cNvPicPr>
-            <a:picLocks noChangeAspect="1"/>
-          </p:cNvPicPr>
-          <p:nvPr/>
-        </p:nvPicPr>
-        <p:blipFill>
-          <a:blip r:embed="rId2"/>
-          <a:stretch>
-            <a:fillRect/>
-          </a:stretch>
-        </p:blipFill>
-        <p:spPr>
-          <a:xfrm>
-            <a:off x="2360058" y="2493113"/>
-            <a:ext cx="6338887" cy="3959523"/>
-          </a:xfrm>
-          <a:prstGeom prst="rect">
-            <a:avLst/>
-          </a:prstGeom>
-        </p:spPr>
-      </p:pic>
-      <p:pic>
-        <p:nvPicPr>
-          <p:cNvPr id="6" name="图片 5"/>
-          <p:cNvPicPr>
-            <a:picLocks noChangeAspect="1"/>
-          </p:cNvPicPr>
-          <p:nvPr/>
-        </p:nvPicPr>
-        <p:blipFill>
-          <a:blip r:embed="rId3"/>
-          <a:stretch>
-            <a:fillRect/>
-          </a:stretch>
-        </p:blipFill>
-        <p:spPr>
-          <a:xfrm>
-            <a:off x="3223255" y="1125278"/>
-            <a:ext cx="5569408" cy="1988731"/>
-          </a:xfrm>
-          <a:prstGeom prst="rect">
-            <a:avLst/>
-          </a:prstGeom>
-        </p:spPr>
-      </p:pic>
-    </p:spTree>
-    <p:extLst>
-      <p:ext uri="{BB962C8B-B14F-4D97-AF65-F5344CB8AC3E}">
-        <p14:creationId xmlns:p14="http://schemas.microsoft.com/office/powerpoint/2010/main" val="28802471"/>
-      </p:ext>
-    </p:extLst>
-  </p:cSld>
-  <p:clrMapOvr>
-    <a:masterClrMapping/>
-  </p:clrMapOvr>
-  <p:timing>
-    <p:tnLst>
-      <p:par>
-        <p:cTn id="1" dur="indefinite" restart="never" nodeType="tmRoot"/>
-      </p:par>
-    </p:tnLst>
-  </p:timing>
-</p:sld>
-</file>
-
-<file path=ppt/slides/slide3.xml><?xml version="1.0" encoding="utf-8"?>
-<p:sld xmlns:a="http://schemas.openxmlformats.org/drawingml/2006/main" xmlns:r="http://schemas.openxmlformats.org/officeDocument/2006/relationships" xmlns:p="http://schemas.openxmlformats.org/presentationml/2006/main">
-  <p:cSld>
-    <p:spTree>
-      <p:nvGrpSpPr>
-        <p:cNvPr id="1" name=""/>
-        <p:cNvGrpSpPr/>
-        <p:nvPr/>
-      </p:nvGrpSpPr>
-      <p:grpSpPr>
-        <a:xfrm>
-          <a:off x="0" y="0"/>
-          <a:ext cx="0" cy="0"/>
-          <a:chOff x="0" y="0"/>
-          <a:chExt cx="0" cy="0"/>
-        </a:xfrm>
-      </p:grpSpPr>
-      <p:sp>
-        <p:nvSpPr>
-          <p:cNvPr id="2" name="标题 1"/>
-          <p:cNvSpPr>
-            <a:spLocks noGrp="1"/>
-          </p:cNvSpPr>
-          <p:nvPr>
-            <p:ph type="title"/>
-          </p:nvPr>
-        </p:nvSpPr>
-        <p:spPr/>
-        <p:txBody>
-          <a:bodyPr/>
-          <a:lstStyle/>
-          <a:p>
-            <a:r>
-              <a:rPr lang="en-US" altLang="zh-CN" dirty="0" err="1" smtClean="0"/>
-              <a:t>LoadRunner</a:t>
-            </a:r>
-            <a:r>
-              <a:rPr lang="zh-CN" altLang="en-US" dirty="0" smtClean="0"/>
-              <a:t>开启</a:t>
-            </a:r>
-            <a:endParaRPr lang="zh-CN" altLang="en-US" dirty="0"/>
-          </a:p>
-        </p:txBody>
-      </p:sp>
-      <p:sp>
-        <p:nvSpPr>
-          <p:cNvPr id="3" name="内容占位符 2"/>
-          <p:cNvSpPr>
-            <a:spLocks noGrp="1"/>
-          </p:cNvSpPr>
-          <p:nvPr>
-            <p:ph idx="1"/>
-          </p:nvPr>
-        </p:nvSpPr>
-        <p:spPr/>
-        <p:txBody>
-          <a:bodyPr/>
-          <a:lstStyle/>
-          <a:p>
-            <a:endParaRPr lang="zh-CN" altLang="en-US" dirty="0"/>
-          </a:p>
-        </p:txBody>
-      </p:sp>
-      <p:pic>
-        <p:nvPicPr>
-          <p:cNvPr id="4" name="图片 3"/>
-          <p:cNvPicPr>
-            <a:picLocks noChangeAspect="1"/>
-          </p:cNvPicPr>
-          <p:nvPr/>
-        </p:nvPicPr>
-        <p:blipFill>
-          <a:blip r:embed="rId2"/>
-          <a:stretch>
-            <a:fillRect/>
-          </a:stretch>
-        </p:blipFill>
-        <p:spPr>
-          <a:xfrm>
-            <a:off x="849464" y="1269260"/>
-            <a:ext cx="7810026" cy="3311601"/>
-          </a:xfrm>
-          <a:prstGeom prst="rect">
-            <a:avLst/>
-          </a:prstGeom>
-        </p:spPr>
-      </p:pic>
-    </p:spTree>
-    <p:extLst>
-      <p:ext uri="{BB962C8B-B14F-4D97-AF65-F5344CB8AC3E}">
-        <p14:creationId xmlns:p14="http://schemas.microsoft.com/office/powerpoint/2010/main" val="1370853008"/>
-      </p:ext>
-    </p:extLst>
-  </p:cSld>
-  <p:clrMapOvr>
-    <a:masterClrMapping/>
-  </p:clrMapOvr>
-  <p:timing>
-    <p:tnLst>
-      <p:par>
-        <p:cTn id="1" dur="indefinite" restart="never" nodeType="tmRoot"/>
-      </p:par>
-    </p:tnLst>
-  </p:timing>
-</p:sld>
-</file>
-
-<file path=ppt/slides/slide30.xml><?xml version="1.0" encoding="utf-8"?>
-<p:sld xmlns:a="http://schemas.openxmlformats.org/drawingml/2006/main" xmlns:r="http://schemas.openxmlformats.org/officeDocument/2006/relationships" xmlns:p="http://schemas.openxmlformats.org/presentationml/2006/main">
-  <p:cSld>
-    <p:spTree>
-      <p:nvGrpSpPr>
-        <p:cNvPr id="1" name=""/>
-        <p:cNvGrpSpPr/>
-        <p:nvPr/>
-      </p:nvGrpSpPr>
-      <p:grpSpPr>
-        <a:xfrm>
-          <a:off x="0" y="0"/>
-          <a:ext cx="0" cy="0"/>
-          <a:chOff x="0" y="0"/>
-          <a:chExt cx="0" cy="0"/>
-        </a:xfrm>
-      </p:grpSpPr>
-      <p:sp>
-        <p:nvSpPr>
-          <p:cNvPr id="2" name="标题 1"/>
-          <p:cNvSpPr>
-            <a:spLocks noGrp="1"/>
-          </p:cNvSpPr>
-          <p:nvPr>
-            <p:ph type="title"/>
-          </p:nvPr>
-        </p:nvSpPr>
-        <p:spPr/>
-        <p:txBody>
-          <a:bodyPr/>
-          <a:lstStyle/>
-          <a:p>
-            <a:r>
-              <a:rPr lang="en-US" altLang="zh-CN" dirty="0"/>
-              <a:t>Run-time Settings</a:t>
-            </a:r>
-            <a:endParaRPr lang="zh-CN" altLang="en-US" dirty="0"/>
-          </a:p>
-        </p:txBody>
-      </p:sp>
-      <p:sp>
-        <p:nvSpPr>
-          <p:cNvPr id="3" name="内容占位符 2"/>
-          <p:cNvSpPr>
-            <a:spLocks noGrp="1"/>
-          </p:cNvSpPr>
-          <p:nvPr>
-            <p:ph idx="1"/>
-          </p:nvPr>
-        </p:nvSpPr>
-        <p:spPr/>
-        <p:txBody>
-          <a:bodyPr/>
-          <a:lstStyle/>
-          <a:p>
-            <a:r>
-              <a:rPr lang="en-US" altLang="zh-CN" dirty="0"/>
-              <a:t>Browser Emulation</a:t>
-            </a:r>
-          </a:p>
-          <a:p>
-            <a:pPr lvl="1"/>
-            <a:r>
-              <a:rPr lang="zh-CN" altLang="en-US" dirty="0" smtClean="0"/>
-              <a:t>勾</a:t>
-            </a:r>
-            <a:r>
-              <a:rPr lang="zh-CN" altLang="en-US" dirty="0"/>
-              <a:t>选</a:t>
-            </a:r>
-            <a:r>
-              <a:rPr lang="zh-CN" altLang="en-US" dirty="0" smtClean="0"/>
-              <a:t>清除缓存</a:t>
-            </a:r>
-            <a:endParaRPr lang="en-US" altLang="zh-CN" dirty="0"/>
-          </a:p>
-          <a:p>
-            <a:pPr marL="457135" lvl="1" indent="0">
-              <a:buNone/>
-            </a:pPr>
-            <a:r>
-              <a:rPr lang="zh-CN" altLang="en-US" dirty="0" smtClean="0"/>
-              <a:t>运行结果</a:t>
-            </a:r>
-            <a:endParaRPr lang="en-US" altLang="zh-CN" dirty="0"/>
-          </a:p>
-          <a:p>
-            <a:endParaRPr lang="zh-CN" altLang="en-US" dirty="0"/>
-          </a:p>
-        </p:txBody>
-      </p:sp>
-      <p:pic>
-        <p:nvPicPr>
-          <p:cNvPr id="4" name="图片 3"/>
-          <p:cNvPicPr>
-            <a:picLocks noChangeAspect="1"/>
-          </p:cNvPicPr>
-          <p:nvPr/>
-        </p:nvPicPr>
-        <p:blipFill>
-          <a:blip r:embed="rId2"/>
-          <a:stretch>
-            <a:fillRect/>
-          </a:stretch>
-        </p:blipFill>
-        <p:spPr>
-          <a:xfrm>
-            <a:off x="2036359" y="2925061"/>
-            <a:ext cx="6900017" cy="3474387"/>
-          </a:xfrm>
-          <a:prstGeom prst="rect">
-            <a:avLst/>
-          </a:prstGeom>
-        </p:spPr>
-      </p:pic>
-      <p:pic>
-        <p:nvPicPr>
-          <p:cNvPr id="5" name="图片 4"/>
-          <p:cNvPicPr>
-            <a:picLocks noChangeAspect="1"/>
-          </p:cNvPicPr>
-          <p:nvPr/>
-        </p:nvPicPr>
-        <p:blipFill>
-          <a:blip r:embed="rId3"/>
-          <a:stretch>
-            <a:fillRect/>
-          </a:stretch>
-        </p:blipFill>
-        <p:spPr>
-          <a:xfrm>
-            <a:off x="3331154" y="837312"/>
-            <a:ext cx="5725379" cy="2135410"/>
-          </a:xfrm>
-          <a:prstGeom prst="rect">
-            <a:avLst/>
-          </a:prstGeom>
-        </p:spPr>
-      </p:pic>
-    </p:spTree>
-    <p:extLst>
-      <p:ext uri="{BB962C8B-B14F-4D97-AF65-F5344CB8AC3E}">
-        <p14:creationId xmlns:p14="http://schemas.microsoft.com/office/powerpoint/2010/main" val="568972498"/>
-      </p:ext>
-    </p:extLst>
-  </p:cSld>
-  <p:clrMapOvr>
-    <a:masterClrMapping/>
-  </p:clrMapOvr>
-</p:sld>
-</file>
-
-<file path=ppt/slides/slide31.xml><?xml version="1.0" encoding="utf-8"?>
-<p:sld xmlns:a="http://schemas.openxmlformats.org/drawingml/2006/main" xmlns:r="http://schemas.openxmlformats.org/officeDocument/2006/relationships" xmlns:p="http://schemas.openxmlformats.org/presentationml/2006/main">
-  <p:cSld>
-    <p:spTree>
-      <p:nvGrpSpPr>
-        <p:cNvPr id="1" name=""/>
-        <p:cNvGrpSpPr/>
-        <p:nvPr/>
-      </p:nvGrpSpPr>
-      <p:grpSpPr>
-        <a:xfrm>
-          <a:off x="0" y="0"/>
-          <a:ext cx="0" cy="0"/>
-          <a:chOff x="0" y="0"/>
-          <a:chExt cx="0" cy="0"/>
-        </a:xfrm>
-      </p:grpSpPr>
-      <p:sp>
-        <p:nvSpPr>
-          <p:cNvPr id="2" name="标题 1"/>
-          <p:cNvSpPr>
-            <a:spLocks noGrp="1"/>
-          </p:cNvSpPr>
-          <p:nvPr>
-            <p:ph type="title"/>
-          </p:nvPr>
-        </p:nvSpPr>
-        <p:spPr/>
-        <p:txBody>
-          <a:bodyPr/>
-          <a:lstStyle/>
-          <a:p>
-            <a:r>
-              <a:rPr lang="en-US" altLang="zh-CN" dirty="0" smtClean="0"/>
-              <a:t>Run-time Settings</a:t>
-            </a:r>
-            <a:endParaRPr lang="zh-CN" altLang="en-US" dirty="0"/>
-          </a:p>
-        </p:txBody>
-      </p:sp>
-      <p:sp>
-        <p:nvSpPr>
-          <p:cNvPr id="3" name="内容占位符 2"/>
-          <p:cNvSpPr>
-            <a:spLocks noGrp="1"/>
-          </p:cNvSpPr>
-          <p:nvPr>
-            <p:ph idx="1"/>
-          </p:nvPr>
-        </p:nvSpPr>
-        <p:spPr/>
-        <p:txBody>
-          <a:bodyPr/>
-          <a:lstStyle/>
-          <a:p>
-            <a:r>
-              <a:rPr lang="en-US" altLang="zh-CN" smtClean="0"/>
-              <a:t>Speed </a:t>
-            </a:r>
-            <a:r>
-              <a:rPr lang="en-US" altLang="zh-CN" dirty="0" smtClean="0"/>
-              <a:t>Simulation</a:t>
-            </a:r>
-          </a:p>
-          <a:p>
-            <a:pPr lvl="1"/>
-            <a:r>
-              <a:rPr lang="zh-CN" altLang="en-US" dirty="0" smtClean="0"/>
-              <a:t>带宽模拟</a:t>
-            </a:r>
-            <a:endParaRPr lang="en-US" altLang="zh-CN" dirty="0" smtClean="0"/>
-          </a:p>
-          <a:p>
-            <a:pPr lvl="1"/>
-            <a:endParaRPr lang="en-US" altLang="zh-CN" dirty="0" smtClean="0"/>
-          </a:p>
-          <a:p>
-            <a:pPr lvl="1"/>
-            <a:endParaRPr lang="zh-CN" altLang="en-US" dirty="0"/>
-          </a:p>
-        </p:txBody>
-      </p:sp>
-      <p:pic>
-        <p:nvPicPr>
-          <p:cNvPr id="4" name="图片 3"/>
-          <p:cNvPicPr>
-            <a:picLocks noChangeAspect="1"/>
-          </p:cNvPicPr>
-          <p:nvPr/>
-        </p:nvPicPr>
-        <p:blipFill>
-          <a:blip r:embed="rId2"/>
-          <a:stretch>
-            <a:fillRect/>
-          </a:stretch>
-        </p:blipFill>
-        <p:spPr>
-          <a:xfrm>
-            <a:off x="687615" y="2637096"/>
-            <a:ext cx="8041623" cy="3465864"/>
-          </a:xfrm>
-          <a:prstGeom prst="rect">
-            <a:avLst/>
-          </a:prstGeom>
-        </p:spPr>
-      </p:pic>
-    </p:spTree>
-    <p:extLst>
-      <p:ext uri="{BB962C8B-B14F-4D97-AF65-F5344CB8AC3E}">
-        <p14:creationId xmlns:p14="http://schemas.microsoft.com/office/powerpoint/2010/main" val="4258514432"/>
-      </p:ext>
-    </p:extLst>
-  </p:cSld>
-  <p:clrMapOvr>
-    <a:masterClrMapping/>
-  </p:clrMapOvr>
-  <p:timing>
-    <p:tnLst>
-      <p:par>
-        <p:cTn id="1" dur="indefinite" restart="never" nodeType="tmRoot"/>
-      </p:par>
-    </p:tnLst>
-  </p:timing>
-</p:sld>
-</file>
-
-<file path=ppt/slides/slide32.xml><?xml version="1.0" encoding="utf-8"?>
-<p:sld xmlns:a="http://schemas.openxmlformats.org/drawingml/2006/main" xmlns:r="http://schemas.openxmlformats.org/officeDocument/2006/relationships" xmlns:p="http://schemas.openxmlformats.org/presentationml/2006/main">
-  <p:cSld>
-    <p:spTree>
-      <p:nvGrpSpPr>
-        <p:cNvPr id="1" name=""/>
-        <p:cNvGrpSpPr/>
-        <p:nvPr/>
-      </p:nvGrpSpPr>
-      <p:grpSpPr>
-        <a:xfrm>
-          <a:off x="0" y="0"/>
-          <a:ext cx="0" cy="0"/>
-          <a:chOff x="0" y="0"/>
-          <a:chExt cx="0" cy="0"/>
-        </a:xfrm>
-      </p:grpSpPr>
-      <p:sp>
-        <p:nvSpPr>
-          <p:cNvPr id="2" name="标题 1"/>
-          <p:cNvSpPr>
-            <a:spLocks noGrp="1"/>
-          </p:cNvSpPr>
-          <p:nvPr>
-            <p:ph type="title"/>
-          </p:nvPr>
-        </p:nvSpPr>
-        <p:spPr/>
-        <p:txBody>
-          <a:bodyPr/>
-          <a:lstStyle/>
-          <a:p>
-            <a:r>
-              <a:rPr lang="en-US" altLang="zh-CN" dirty="0" smtClean="0"/>
-              <a:t>Run-time Settings</a:t>
-            </a:r>
-            <a:endParaRPr lang="zh-CN" altLang="en-US" dirty="0"/>
-          </a:p>
-        </p:txBody>
-      </p:sp>
-      <p:sp>
-        <p:nvSpPr>
-          <p:cNvPr id="3" name="内容占位符 2"/>
-          <p:cNvSpPr>
-            <a:spLocks noGrp="1"/>
-          </p:cNvSpPr>
-          <p:nvPr>
-            <p:ph idx="1"/>
-          </p:nvPr>
-        </p:nvSpPr>
-        <p:spPr/>
-        <p:txBody>
-          <a:bodyPr/>
-          <a:lstStyle/>
-          <a:p>
-            <a:r>
-              <a:rPr lang="en-US" altLang="zh-CN" dirty="0" smtClean="0"/>
-              <a:t>Browser Emulation</a:t>
-            </a:r>
-            <a:endParaRPr lang="zh-CN" altLang="en-US" dirty="0"/>
-          </a:p>
-        </p:txBody>
-      </p:sp>
-      <p:pic>
-        <p:nvPicPr>
-          <p:cNvPr id="5" name="图片 4"/>
-          <p:cNvPicPr>
-            <a:picLocks noChangeAspect="1"/>
-          </p:cNvPicPr>
-          <p:nvPr/>
-        </p:nvPicPr>
-        <p:blipFill>
-          <a:blip r:embed="rId2"/>
-          <a:stretch>
-            <a:fillRect/>
-          </a:stretch>
-        </p:blipFill>
-        <p:spPr>
-          <a:xfrm>
-            <a:off x="256016" y="1917182"/>
-            <a:ext cx="8626728" cy="4408503"/>
-          </a:xfrm>
-          <a:prstGeom prst="rect">
-            <a:avLst/>
-          </a:prstGeom>
-        </p:spPr>
-      </p:pic>
-    </p:spTree>
-    <p:extLst>
-      <p:ext uri="{BB962C8B-B14F-4D97-AF65-F5344CB8AC3E}">
-        <p14:creationId xmlns:p14="http://schemas.microsoft.com/office/powerpoint/2010/main" val="3598674433"/>
-      </p:ext>
-    </p:extLst>
-  </p:cSld>
-  <p:clrMapOvr>
-    <a:masterClrMapping/>
-  </p:clrMapOvr>
-  <p:timing>
-    <p:tnLst>
-      <p:par>
-        <p:cTn id="1" dur="indefinite" restart="never" nodeType="tmRoot"/>
-      </p:par>
-    </p:tnLst>
-  </p:timing>
-</p:sld>
-</file>
-
-<file path=ppt/slides/slide33.xml><?xml version="1.0" encoding="utf-8"?>
-<p:sld xmlns:a="http://schemas.openxmlformats.org/drawingml/2006/main" xmlns:r="http://schemas.openxmlformats.org/officeDocument/2006/relationships" xmlns:p="http://schemas.openxmlformats.org/presentationml/2006/main">
-  <p:cSld>
-    <p:spTree>
-      <p:nvGrpSpPr>
-        <p:cNvPr id="1" name=""/>
-        <p:cNvGrpSpPr/>
-        <p:nvPr/>
-      </p:nvGrpSpPr>
-      <p:grpSpPr>
-        <a:xfrm>
-          <a:off x="0" y="0"/>
-          <a:ext cx="0" cy="0"/>
-          <a:chOff x="0" y="0"/>
-          <a:chExt cx="0" cy="0"/>
-        </a:xfrm>
-      </p:grpSpPr>
-      <p:sp>
-        <p:nvSpPr>
-          <p:cNvPr id="2" name="标题 1"/>
-          <p:cNvSpPr>
-            <a:spLocks noGrp="1"/>
-          </p:cNvSpPr>
-          <p:nvPr>
-            <p:ph type="title"/>
-          </p:nvPr>
-        </p:nvSpPr>
-        <p:spPr/>
-        <p:txBody>
-          <a:bodyPr/>
-          <a:lstStyle/>
-          <a:p>
-            <a:r>
-              <a:rPr lang="zh-CN" altLang="en-US" dirty="0" smtClean="0"/>
-              <a:t>思考</a:t>
-            </a:r>
-            <a:endParaRPr lang="zh-CN" altLang="en-US" dirty="0"/>
-          </a:p>
-        </p:txBody>
-      </p:sp>
-      <p:sp>
-        <p:nvSpPr>
-          <p:cNvPr id="3" name="内容占位符 2"/>
-          <p:cNvSpPr>
-            <a:spLocks noGrp="1"/>
-          </p:cNvSpPr>
-          <p:nvPr>
-            <p:ph idx="1"/>
-          </p:nvPr>
-        </p:nvSpPr>
-        <p:spPr/>
-        <p:txBody>
-          <a:bodyPr>
-            <a:normAutofit lnSpcReduction="10000"/>
-          </a:bodyPr>
-          <a:lstStyle/>
-          <a:p>
-            <a:pPr marL="0" indent="0">
-              <a:buNone/>
-            </a:pPr>
-            <a:r>
-              <a:rPr lang="en-US" altLang="zh-CN" dirty="0" smtClean="0"/>
-              <a:t>1 </a:t>
-            </a:r>
-            <a:r>
-              <a:rPr lang="zh-CN" altLang="en-US" dirty="0" smtClean="0"/>
-              <a:t>用户的登录写在</a:t>
-            </a:r>
-            <a:r>
-              <a:rPr lang="en-US" altLang="zh-CN" dirty="0" err="1" smtClean="0"/>
-              <a:t>vuser_init</a:t>
-            </a:r>
-            <a:r>
-              <a:rPr lang="zh-CN" altLang="en-US" dirty="0" smtClean="0"/>
-              <a:t>，退出写在</a:t>
-            </a:r>
-            <a:r>
-              <a:rPr lang="en-US" altLang="zh-CN" dirty="0" err="1" smtClean="0"/>
-              <a:t>vuser_end</a:t>
-            </a:r>
-            <a:r>
-              <a:rPr lang="zh-CN" altLang="en-US" dirty="0" smtClean="0"/>
-              <a:t>中，用户的实际操作写在</a:t>
-            </a:r>
-            <a:r>
-              <a:rPr lang="en-US" altLang="zh-CN" dirty="0" smtClean="0"/>
-              <a:t>Action</a:t>
-            </a:r>
-            <a:r>
-              <a:rPr lang="zh-CN" altLang="en-US" dirty="0" smtClean="0"/>
-              <a:t>中</a:t>
-            </a:r>
-            <a:endParaRPr lang="en-US" altLang="zh-CN" dirty="0" smtClean="0"/>
-          </a:p>
-          <a:p>
-            <a:pPr marL="0" indent="0">
-              <a:buNone/>
-            </a:pPr>
-            <a:r>
-              <a:rPr lang="en-US" altLang="zh-CN" dirty="0" smtClean="0"/>
-              <a:t>2 </a:t>
-            </a:r>
-            <a:r>
-              <a:rPr lang="zh-CN" altLang="en-US" dirty="0" smtClean="0"/>
-              <a:t>用户的登录、退出和实际操作都写到</a:t>
-            </a:r>
-            <a:r>
-              <a:rPr lang="en-US" altLang="zh-CN" dirty="0" smtClean="0"/>
-              <a:t>Action</a:t>
-            </a:r>
-            <a:r>
-              <a:rPr lang="zh-CN" altLang="en-US" dirty="0" smtClean="0"/>
-              <a:t>中</a:t>
-            </a:r>
-            <a:endParaRPr lang="en-US" altLang="zh-CN" dirty="0" smtClean="0"/>
-          </a:p>
-          <a:p>
-            <a:pPr marL="0" indent="0">
-              <a:buNone/>
-            </a:pPr>
-            <a:r>
-              <a:rPr lang="en-US" altLang="zh-CN" dirty="0" smtClean="0"/>
-              <a:t>3 </a:t>
-            </a:r>
-            <a:r>
-              <a:rPr lang="zh-CN" altLang="en-US" dirty="0" smtClean="0"/>
-              <a:t>模拟一个用户登录、购买、退出，然后下一个用户登录、购买、退出，直到模拟</a:t>
-            </a:r>
-            <a:r>
-              <a:rPr lang="en-US" altLang="zh-CN" dirty="0" smtClean="0"/>
-              <a:t>1000</a:t>
-            </a:r>
-            <a:r>
-              <a:rPr lang="zh-CN" altLang="en-US" dirty="0" smtClean="0"/>
-              <a:t>个用户后停止？还是模拟</a:t>
-            </a:r>
-            <a:r>
-              <a:rPr lang="en-US" altLang="zh-CN" dirty="0" smtClean="0"/>
-              <a:t>1000</a:t>
-            </a:r>
-            <a:r>
-              <a:rPr lang="zh-CN" altLang="en-US" dirty="0" smtClean="0"/>
-              <a:t>个用户在线买东西，这些用户有的在登录，有的在购买，有的在退出？</a:t>
-            </a:r>
-            <a:endParaRPr lang="zh-CN" altLang="en-US" dirty="0"/>
-          </a:p>
-        </p:txBody>
-      </p:sp>
-    </p:spTree>
-    <p:extLst>
-      <p:ext uri="{BB962C8B-B14F-4D97-AF65-F5344CB8AC3E}">
-        <p14:creationId xmlns:p14="http://schemas.microsoft.com/office/powerpoint/2010/main" val="849148745"/>
-      </p:ext>
-    </p:extLst>
-  </p:cSld>
-  <p:clrMapOvr>
-    <a:masterClrMapping/>
-  </p:clrMapOvr>
-  <p:timing>
-    <p:tnLst>
-      <p:par>
-        <p:cTn id="1" dur="indefinite" restart="never" nodeType="tmRoot"/>
-      </p:par>
-    </p:tnLst>
-  </p:timing>
-</p:sld>
-</file>
-
-<file path=ppt/slides/slide34.xml><?xml version="1.0" encoding="utf-8"?>
-<p:sld xmlns:a="http://schemas.openxmlformats.org/drawingml/2006/main" xmlns:r="http://schemas.openxmlformats.org/officeDocument/2006/relationships" xmlns:p="http://schemas.openxmlformats.org/presentationml/2006/main">
-  <p:cSld>
-    <p:spTree>
-      <p:nvGrpSpPr>
-        <p:cNvPr id="1" name=""/>
-        <p:cNvGrpSpPr/>
-        <p:nvPr/>
-      </p:nvGrpSpPr>
-      <p:grpSpPr>
-        <a:xfrm>
-          <a:off x="0" y="0"/>
-          <a:ext cx="0" cy="0"/>
-          <a:chOff x="0" y="0"/>
-          <a:chExt cx="0" cy="0"/>
-        </a:xfrm>
-      </p:grpSpPr>
-      <p:sp>
-        <p:nvSpPr>
-          <p:cNvPr id="2" name="标题 1"/>
-          <p:cNvSpPr>
-            <a:spLocks noGrp="1"/>
-          </p:cNvSpPr>
-          <p:nvPr>
-            <p:ph type="title"/>
-          </p:nvPr>
-        </p:nvSpPr>
-        <p:spPr/>
-        <p:txBody>
-          <a:bodyPr/>
-          <a:lstStyle/>
-          <a:p>
-            <a:r>
-              <a:rPr lang="zh-CN" altLang="en-US" smtClean="0"/>
-              <a:t>内容总结</a:t>
-            </a:r>
-            <a:endParaRPr lang="zh-CN" altLang="en-US" dirty="0"/>
-          </a:p>
-        </p:txBody>
-      </p:sp>
-      <p:sp>
-        <p:nvSpPr>
-          <p:cNvPr id="3" name="内容占位符 2"/>
-          <p:cNvSpPr>
-            <a:spLocks noGrp="1"/>
-          </p:cNvSpPr>
-          <p:nvPr>
-            <p:ph idx="1"/>
-          </p:nvPr>
-        </p:nvSpPr>
-        <p:spPr/>
-        <p:txBody>
-          <a:bodyPr/>
-          <a:lstStyle/>
-          <a:p>
-            <a:r>
-              <a:rPr lang="en-US" altLang="zh-CN" dirty="0" err="1"/>
-              <a:t>LoadRunner</a:t>
-            </a:r>
-            <a:r>
-              <a:rPr lang="zh-CN" altLang="en-US" dirty="0"/>
-              <a:t>开启</a:t>
-            </a:r>
-            <a:endParaRPr lang="en-US" altLang="zh-CN" dirty="0"/>
-          </a:p>
-          <a:p>
-            <a:r>
-              <a:rPr lang="zh-CN" altLang="en-US" dirty="0"/>
-              <a:t>协议选择</a:t>
-            </a:r>
-            <a:endParaRPr lang="en-US" altLang="zh-CN" dirty="0"/>
-          </a:p>
-          <a:p>
-            <a:r>
-              <a:rPr lang="zh-CN" altLang="en-US" dirty="0"/>
-              <a:t>录制选项设置</a:t>
-            </a:r>
-            <a:endParaRPr lang="en-US" altLang="zh-CN" dirty="0"/>
-          </a:p>
-          <a:p>
-            <a:r>
-              <a:rPr lang="zh-CN" altLang="en-US" dirty="0"/>
-              <a:t>录制登录操作</a:t>
-            </a:r>
-            <a:r>
-              <a:rPr lang="zh-CN" altLang="en-US" dirty="0" smtClean="0"/>
-              <a:t>、编写</a:t>
-            </a:r>
-            <a:r>
-              <a:rPr lang="zh-CN" altLang="en-US" dirty="0"/>
-              <a:t>函数</a:t>
-            </a:r>
-            <a:endParaRPr lang="en-US" altLang="zh-CN" dirty="0"/>
-          </a:p>
-          <a:p>
-            <a:r>
-              <a:rPr lang="en-US" altLang="zh-CN" dirty="0" smtClean="0"/>
-              <a:t>Run-time Settings</a:t>
-            </a:r>
-            <a:endParaRPr lang="en-US" altLang="zh-CN" dirty="0"/>
-          </a:p>
-          <a:p>
-            <a:endParaRPr lang="zh-CN" altLang="en-US" dirty="0"/>
-          </a:p>
-        </p:txBody>
-      </p:sp>
-    </p:spTree>
-    <p:extLst>
-      <p:ext uri="{BB962C8B-B14F-4D97-AF65-F5344CB8AC3E}">
-        <p14:creationId xmlns:p14="http://schemas.microsoft.com/office/powerpoint/2010/main" val="1421606831"/>
-      </p:ext>
-    </p:extLst>
-  </p:cSld>
-  <p:clrMapOvr>
-    <a:masterClrMapping/>
-  </p:clrMapOvr>
-  <p:timing>
-    <p:tnLst>
-      <p:par>
-        <p:cTn id="1" dur="indefinite" restart="never" nodeType="tmRoot"/>
-      </p:par>
-    </p:tnLst>
-  </p:timing>
-</p:sld>
-</file>
-
-<file path=ppt/slides/slide4.xml><?xml version="1.0" encoding="utf-8"?>
-<p:sld xmlns:a="http://schemas.openxmlformats.org/drawingml/2006/main" xmlns:r="http://schemas.openxmlformats.org/officeDocument/2006/relationships" xmlns:p="http://schemas.openxmlformats.org/presentationml/2006/main">
-  <p:cSld>
-    <p:spTree>
-      <p:nvGrpSpPr>
-        <p:cNvPr id="1" name=""/>
-        <p:cNvGrpSpPr/>
-        <p:nvPr/>
-      </p:nvGrpSpPr>
-      <p:grpSpPr>
-        <a:xfrm>
-          <a:off x="0" y="0"/>
-          <a:ext cx="0" cy="0"/>
-          <a:chOff x="0" y="0"/>
-          <a:chExt cx="0" cy="0"/>
-        </a:xfrm>
-      </p:grpSpPr>
-      <p:sp>
-        <p:nvSpPr>
-          <p:cNvPr id="2" name="标题 1"/>
-          <p:cNvSpPr>
-            <a:spLocks noGrp="1"/>
-          </p:cNvSpPr>
-          <p:nvPr>
-            <p:ph type="title"/>
-          </p:nvPr>
-        </p:nvSpPr>
-        <p:spPr/>
-        <p:txBody>
-          <a:bodyPr/>
-          <a:lstStyle/>
-          <a:p>
-            <a:r>
-              <a:rPr lang="en-US" altLang="zh-CN" dirty="0" err="1" smtClean="0"/>
-              <a:t>LoadRunner</a:t>
-            </a:r>
-            <a:r>
-              <a:rPr lang="zh-CN" altLang="en-US" dirty="0" smtClean="0"/>
-              <a:t>开启</a:t>
-            </a:r>
-            <a:endParaRPr lang="zh-CN" altLang="en-US" dirty="0"/>
-          </a:p>
-        </p:txBody>
-      </p:sp>
-      <p:sp>
-        <p:nvSpPr>
-          <p:cNvPr id="3" name="内容占位符 2"/>
-          <p:cNvSpPr>
-            <a:spLocks noGrp="1"/>
-          </p:cNvSpPr>
-          <p:nvPr>
-            <p:ph idx="1"/>
-          </p:nvPr>
-        </p:nvSpPr>
-        <p:spPr/>
-        <p:txBody>
-          <a:bodyPr/>
-          <a:lstStyle/>
-          <a:p>
-            <a:endParaRPr lang="zh-CN" altLang="en-US"/>
-          </a:p>
-        </p:txBody>
-      </p:sp>
-      <p:pic>
-        <p:nvPicPr>
-          <p:cNvPr id="4" name="图片 3"/>
-          <p:cNvPicPr>
-            <a:picLocks noChangeAspect="1"/>
-          </p:cNvPicPr>
-          <p:nvPr/>
-        </p:nvPicPr>
-        <p:blipFill>
-          <a:blip r:embed="rId2"/>
-          <a:stretch>
-            <a:fillRect/>
-          </a:stretch>
-        </p:blipFill>
-        <p:spPr>
-          <a:xfrm>
-            <a:off x="1874510" y="1197269"/>
-            <a:ext cx="4639683" cy="5017049"/>
-          </a:xfrm>
-          <a:prstGeom prst="rect">
-            <a:avLst/>
-          </a:prstGeom>
-        </p:spPr>
-      </p:pic>
-    </p:spTree>
-    <p:extLst>
-      <p:ext uri="{BB962C8B-B14F-4D97-AF65-F5344CB8AC3E}">
-        <p14:creationId xmlns:p14="http://schemas.microsoft.com/office/powerpoint/2010/main" val="1438531251"/>
-      </p:ext>
-    </p:extLst>
-  </p:cSld>
-  <p:clrMapOvr>
-    <a:masterClrMapping/>
-  </p:clrMapOvr>
-  <p:timing>
-    <p:tnLst>
-      <p:par>
-        <p:cTn id="1" dur="indefinite" restart="never" nodeType="tmRoot"/>
-      </p:par>
-    </p:tnLst>
-  </p:timing>
-</p:sld>
-</file>
-
-<file path=ppt/slides/slide5.xml><?xml version="1.0" encoding="utf-8"?>
-<p:sld xmlns:a="http://schemas.openxmlformats.org/drawingml/2006/main" xmlns:r="http://schemas.openxmlformats.org/officeDocument/2006/relationships" xmlns:p="http://schemas.openxmlformats.org/presentationml/2006/main">
-  <p:cSld>
-    <p:spTree>
-      <p:nvGrpSpPr>
-        <p:cNvPr id="1" name=""/>
-        <p:cNvGrpSpPr/>
-        <p:nvPr/>
-      </p:nvGrpSpPr>
-      <p:grpSpPr>
-        <a:xfrm>
-          <a:off x="0" y="0"/>
-          <a:ext cx="0" cy="0"/>
-          <a:chOff x="0" y="0"/>
-          <a:chExt cx="0" cy="0"/>
-        </a:xfrm>
-      </p:grpSpPr>
-      <p:sp>
-        <p:nvSpPr>
-          <p:cNvPr id="2" name="标题 1"/>
-          <p:cNvSpPr>
-            <a:spLocks noGrp="1"/>
-          </p:cNvSpPr>
-          <p:nvPr>
-            <p:ph type="title"/>
-          </p:nvPr>
-        </p:nvSpPr>
-        <p:spPr/>
-        <p:txBody>
-          <a:bodyPr/>
-          <a:lstStyle/>
-          <a:p>
-            <a:r>
-              <a:rPr lang="zh-CN" altLang="en-US" smtClean="0"/>
-              <a:t>如何选择协议</a:t>
-            </a:r>
-            <a:endParaRPr lang="zh-CN" altLang="en-US" dirty="0"/>
-          </a:p>
-        </p:txBody>
-      </p:sp>
-      <p:sp>
-        <p:nvSpPr>
-          <p:cNvPr id="6" name="内容占位符 5"/>
-          <p:cNvSpPr>
-            <a:spLocks noGrp="1"/>
-          </p:cNvSpPr>
-          <p:nvPr>
-            <p:ph idx="1"/>
-          </p:nvPr>
-        </p:nvSpPr>
-        <p:spPr/>
-        <p:txBody>
-          <a:bodyPr/>
-          <a:lstStyle/>
-          <a:p>
-            <a:endParaRPr lang="zh-CN" altLang="en-US"/>
-          </a:p>
-        </p:txBody>
-      </p:sp>
-      <p:pic>
-        <p:nvPicPr>
-          <p:cNvPr id="5" name="图片 4"/>
-          <p:cNvPicPr/>
-          <p:nvPr/>
-        </p:nvPicPr>
-        <p:blipFill>
-          <a:blip r:embed="rId3"/>
-          <a:srcRect/>
-          <a:stretch>
-            <a:fillRect/>
-          </a:stretch>
-        </p:blipFill>
-        <p:spPr bwMode="auto">
-          <a:xfrm>
-            <a:off x="2399301" y="1317961"/>
-            <a:ext cx="4282181" cy="4168442"/>
-          </a:xfrm>
-          <a:prstGeom prst="rect">
-            <a:avLst/>
-          </a:prstGeom>
-          <a:noFill/>
-          <a:ln w="9525">
-            <a:noFill/>
-            <a:miter lim="800000"/>
-            <a:headEnd/>
-            <a:tailEnd/>
-          </a:ln>
-        </p:spPr>
-      </p:pic>
-    </p:spTree>
-    <p:extLst>
-      <p:ext uri="{BB962C8B-B14F-4D97-AF65-F5344CB8AC3E}">
-        <p14:creationId xmlns:p14="http://schemas.microsoft.com/office/powerpoint/2010/main" val="3759541067"/>
-      </p:ext>
-    </p:extLst>
-  </p:cSld>
-  <p:clrMapOvr>
-    <a:masterClrMapping/>
-  </p:clrMapOvr>
-  <p:transition>
-    <p:random/>
-  </p:transition>
-  <p:timing>
-    <p:tnLst>
-      <p:par>
-        <p:cTn id="1" dur="indefinite" restart="never" nodeType="tmRoot"/>
-      </p:par>
-    </p:tnLst>
-  </p:timing>
-</p:sld>
-</file>
-
-<file path=ppt/slides/slide6.xml><?xml version="1.0" encoding="utf-8"?>
-<p:sld xmlns:a="http://schemas.openxmlformats.org/drawingml/2006/main" xmlns:r="http://schemas.openxmlformats.org/officeDocument/2006/relationships" xmlns:p="http://schemas.openxmlformats.org/presentationml/2006/main">
-  <p:cSld>
-    <p:spTree>
-      <p:nvGrpSpPr>
-        <p:cNvPr id="1" name=""/>
-        <p:cNvGrpSpPr/>
-        <p:nvPr/>
-      </p:nvGrpSpPr>
-      <p:grpSpPr>
-        <a:xfrm>
-          <a:off x="0" y="0"/>
-          <a:ext cx="0" cy="0"/>
-          <a:chOff x="0" y="0"/>
-          <a:chExt cx="0" cy="0"/>
-        </a:xfrm>
-      </p:grpSpPr>
-      <p:sp>
-        <p:nvSpPr>
-          <p:cNvPr id="2" name="标题 1"/>
-          <p:cNvSpPr>
-            <a:spLocks noGrp="1"/>
-          </p:cNvSpPr>
-          <p:nvPr>
-            <p:ph type="title"/>
-          </p:nvPr>
-        </p:nvSpPr>
-        <p:spPr/>
-        <p:txBody>
-          <a:bodyPr/>
-          <a:lstStyle/>
-          <a:p>
-            <a:r>
-              <a:rPr lang="zh-CN" altLang="en-US" dirty="0"/>
-              <a:t>目录</a:t>
-            </a:r>
-          </a:p>
-        </p:txBody>
-      </p:sp>
-      <p:sp>
-        <p:nvSpPr>
-          <p:cNvPr id="3" name="内容占位符 2"/>
-          <p:cNvSpPr>
-            <a:spLocks noGrp="1"/>
-          </p:cNvSpPr>
-          <p:nvPr>
-            <p:ph idx="1"/>
-          </p:nvPr>
-        </p:nvSpPr>
-        <p:spPr/>
-        <p:txBody>
-          <a:bodyPr/>
-          <a:lstStyle/>
-          <a:p>
-            <a:r>
-              <a:rPr lang="en-US" altLang="zh-CN" dirty="0" err="1" smtClean="0"/>
-              <a:t>LoadRunner</a:t>
-            </a:r>
-            <a:r>
-              <a:rPr lang="zh-CN" altLang="en-US" dirty="0" smtClean="0"/>
-              <a:t>开启</a:t>
-            </a:r>
-            <a:endParaRPr lang="en-US" altLang="zh-CN" dirty="0" smtClean="0"/>
-          </a:p>
-          <a:p>
-            <a:r>
-              <a:rPr lang="zh-CN" altLang="en-US" dirty="0" smtClean="0">
-                <a:solidFill>
-                  <a:srgbClr val="FF0000"/>
-                </a:solidFill>
-              </a:rPr>
-              <a:t>协议选择</a:t>
-            </a:r>
-            <a:endParaRPr lang="en-US" altLang="zh-CN" dirty="0" smtClean="0">
-              <a:solidFill>
-                <a:srgbClr val="FF0000"/>
-              </a:solidFill>
-            </a:endParaRPr>
-          </a:p>
-          <a:p>
-            <a:r>
-              <a:rPr lang="zh-CN" altLang="en-US" dirty="0" smtClean="0"/>
-              <a:t>录制</a:t>
-            </a:r>
-            <a:r>
-              <a:rPr lang="zh-CN" altLang="en-US" dirty="0"/>
-              <a:t>选项</a:t>
-            </a:r>
-            <a:r>
-              <a:rPr lang="zh-CN" altLang="en-US" dirty="0" smtClean="0"/>
-              <a:t>设置</a:t>
-            </a:r>
-            <a:endParaRPr lang="en-US" altLang="zh-CN" dirty="0" smtClean="0"/>
-          </a:p>
-          <a:p>
-            <a:r>
-              <a:rPr lang="zh-CN" altLang="en-US" dirty="0" smtClean="0"/>
-              <a:t>录制登录操作、手动书写函数</a:t>
-            </a:r>
-            <a:endParaRPr lang="en-US" altLang="zh-CN" dirty="0" smtClean="0"/>
-          </a:p>
-          <a:p>
-            <a:r>
-              <a:rPr lang="en-US" altLang="zh-CN" dirty="0" smtClean="0"/>
-              <a:t>Run-time Settings</a:t>
-            </a:r>
-          </a:p>
-          <a:p>
-            <a:endParaRPr lang="en-US" altLang="zh-CN" dirty="0"/>
-          </a:p>
-          <a:p>
-            <a:endParaRPr lang="en-US" altLang="zh-CN" dirty="0" smtClean="0"/>
-          </a:p>
-          <a:p>
-            <a:endParaRPr lang="zh-CN" altLang="en-US" dirty="0"/>
-          </a:p>
-        </p:txBody>
-      </p:sp>
-    </p:spTree>
-    <p:extLst>
-      <p:ext uri="{BB962C8B-B14F-4D97-AF65-F5344CB8AC3E}">
-        <p14:creationId xmlns:p14="http://schemas.microsoft.com/office/powerpoint/2010/main" val="272634176"/>
-      </p:ext>
-    </p:extLst>
-  </p:cSld>
-  <p:clrMapOvr>
-    <a:masterClrMapping/>
-  </p:clrMapOvr>
-  <p:timing>
-    <p:tnLst>
-      <p:par>
-        <p:cTn id="1" dur="indefinite" restart="never" nodeType="tmRoot"/>
-      </p:par>
-    </p:tnLst>
-  </p:timing>
-</p:sld>
-</file>
-
 <file path=ppt/slides/slide7.xml><?xml version="1.0" encoding="utf-8"?>
 <p:sld xmlns:a="http://schemas.openxmlformats.org/drawingml/2006/main" xmlns:r="http://schemas.openxmlformats.org/officeDocument/2006/relationships" xmlns:p="http://schemas.openxmlformats.org/presentationml/2006/main">
   <p:cSld>
@@ -21587,7 +19368,9 @@
         </p:nvSpPr>
         <p:spPr/>
         <p:txBody>
-          <a:bodyPr/>
+          <a:bodyPr>
+            <a:normAutofit fontScale="90000"/>
+          </a:bodyPr>
           <a:lstStyle/>
           <a:p>
             <a:r>
@@ -21627,8 +19410,8 @@
         </p:nvSpPr>
         <p:spPr bwMode="auto">
           <a:xfrm>
-            <a:off x="1442002" y="1825995"/>
-            <a:ext cx="3076464" cy="1655763"/>
+            <a:off x="1442002" y="1369497"/>
+            <a:ext cx="3076464" cy="1241822"/>
           </a:xfrm>
           <a:prstGeom prst="roundRect">
             <a:avLst>
@@ -21676,8 +19459,8 @@
         </p:nvSpPr>
         <p:spPr bwMode="auto">
           <a:xfrm>
-            <a:off x="4625536" y="3554782"/>
-            <a:ext cx="3076464" cy="1655762"/>
+            <a:off x="4625536" y="2666086"/>
+            <a:ext cx="3076464" cy="1241822"/>
           </a:xfrm>
           <a:prstGeom prst="roundRect">
             <a:avLst>
@@ -21725,8 +19508,8 @@
         </p:nvSpPr>
         <p:spPr bwMode="auto">
           <a:xfrm>
-            <a:off x="1442002" y="3554782"/>
-            <a:ext cx="3076464" cy="1655762"/>
+            <a:off x="1442002" y="2666086"/>
+            <a:ext cx="3076464" cy="1241822"/>
           </a:xfrm>
           <a:prstGeom prst="roundRect">
             <a:avLst>
@@ -21774,8 +19557,8 @@
         </p:nvSpPr>
         <p:spPr bwMode="auto">
           <a:xfrm>
-            <a:off x="4625536" y="1825995"/>
-            <a:ext cx="3076464" cy="1655763"/>
+            <a:off x="4625536" y="1369497"/>
+            <a:ext cx="3076464" cy="1241822"/>
           </a:xfrm>
           <a:prstGeom prst="roundRect">
             <a:avLst>
@@ -21823,8 +19606,8 @@
         </p:nvSpPr>
         <p:spPr bwMode="auto">
           <a:xfrm>
-            <a:off x="3269321" y="1759319"/>
-            <a:ext cx="1306248" cy="1727200"/>
+            <a:off x="3269321" y="1319489"/>
+            <a:ext cx="1306248" cy="1295400"/>
           </a:xfrm>
           <a:custGeom>
             <a:avLst/>
@@ -21936,8 +19719,8 @@
         </p:nvSpPr>
         <p:spPr bwMode="auto">
           <a:xfrm>
-            <a:off x="4577949" y="3494458"/>
-            <a:ext cx="1296731" cy="1741487"/>
+            <a:off x="4577950" y="2620844"/>
+            <a:ext cx="1296731" cy="1306115"/>
           </a:xfrm>
           <a:custGeom>
             <a:avLst/>
@@ -22049,8 +19832,8 @@
         </p:nvSpPr>
         <p:spPr bwMode="auto">
           <a:xfrm>
-            <a:off x="3339511" y="1864094"/>
-            <a:ext cx="2462599" cy="3279775"/>
+            <a:off x="3339512" y="1398071"/>
+            <a:ext cx="2462599" cy="2459831"/>
           </a:xfrm>
           <a:prstGeom prst="ellipse">
             <a:avLst/>
@@ -22110,8 +19893,8 @@
         </p:blipFill>
         <p:spPr bwMode="auto">
           <a:xfrm>
-            <a:off x="3513203" y="2194294"/>
-            <a:ext cx="2105700" cy="2616200"/>
+            <a:off x="3513203" y="1645721"/>
+            <a:ext cx="2105700" cy="1962150"/>
           </a:xfrm>
           <a:prstGeom prst="rect">
             <a:avLst/>
@@ -22151,8 +19934,8 @@
         </p:nvSpPr>
         <p:spPr bwMode="auto">
           <a:xfrm rot="18708112">
-            <a:off x="3101370" y="2483333"/>
-            <a:ext cx="1497012" cy="280760"/>
+            <a:off x="3288497" y="1827405"/>
+            <a:ext cx="1122759" cy="280760"/>
           </a:xfrm>
           <a:prstGeom prst="rect">
             <a:avLst/>
@@ -22205,8 +19988,8 @@
         </p:nvSpPr>
         <p:spPr bwMode="auto">
           <a:xfrm rot="2358479">
-            <a:off x="4713571" y="2372094"/>
-            <a:ext cx="1123040" cy="374650"/>
+            <a:off x="4713571" y="1779070"/>
+            <a:ext cx="1123040" cy="280988"/>
           </a:xfrm>
           <a:prstGeom prst="rect">
             <a:avLst/>
@@ -22259,8 +20042,8 @@
         </p:nvSpPr>
         <p:spPr bwMode="auto">
           <a:xfrm rot="2508112">
-            <a:off x="3321667" y="4277094"/>
-            <a:ext cx="1124229" cy="374650"/>
+            <a:off x="3321668" y="3207820"/>
+            <a:ext cx="1124229" cy="280988"/>
           </a:xfrm>
           <a:prstGeom prst="rect">
             <a:avLst/>
@@ -22313,8 +20096,8 @@
         </p:nvSpPr>
         <p:spPr bwMode="auto">
           <a:xfrm rot="19017918">
-            <a:off x="4730226" y="4267570"/>
-            <a:ext cx="1124229" cy="373063"/>
+            <a:off x="4730227" y="3200678"/>
+            <a:ext cx="1124229" cy="279797"/>
           </a:xfrm>
           <a:prstGeom prst="rect">
             <a:avLst/>
@@ -22367,7 +20150,7 @@
         </p:nvSpPr>
         <p:spPr bwMode="auto">
           <a:xfrm>
-            <a:off x="3808237" y="2996825"/>
+            <a:off x="3808237" y="2247619"/>
             <a:ext cx="1546560" cy="846937"/>
           </a:xfrm>
           <a:prstGeom prst="rect">
@@ -22566,8 +20349,8 @@
         </p:nvSpPr>
         <p:spPr>
           <a:xfrm>
-            <a:off x="1482303" y="2305310"/>
-            <a:ext cx="1700321" cy="539178"/>
+            <a:off x="1482303" y="1728982"/>
+            <a:ext cx="1700320" cy="539178"/>
           </a:xfrm>
           <a:prstGeom prst="rect">
             <a:avLst/>
@@ -22627,8 +20410,8 @@
         </p:nvSpPr>
         <p:spPr>
           <a:xfrm>
-            <a:off x="1482302" y="4012488"/>
-            <a:ext cx="1700321" cy="539178"/>
+            <a:off x="1482303" y="3009366"/>
+            <a:ext cx="1700320" cy="539178"/>
           </a:xfrm>
           <a:prstGeom prst="rect">
             <a:avLst/>
@@ -22685,8 +20468,8 @@
         </p:nvSpPr>
         <p:spPr>
           <a:xfrm>
-            <a:off x="5936294" y="2296349"/>
-            <a:ext cx="1700321" cy="539178"/>
+            <a:off x="5936295" y="1722262"/>
+            <a:ext cx="1700320" cy="539178"/>
           </a:xfrm>
           <a:prstGeom prst="rect">
             <a:avLst/>
@@ -22743,8 +20526,8 @@
         </p:nvSpPr>
         <p:spPr>
           <a:xfrm>
-            <a:off x="5936294" y="4021455"/>
-            <a:ext cx="1700321" cy="539178"/>
+            <a:off x="5936295" y="3016091"/>
+            <a:ext cx="1700320" cy="539178"/>
           </a:xfrm>
           <a:prstGeom prst="rect">
             <a:avLst/>
@@ -22842,7 +20625,9 @@
         </p:nvSpPr>
         <p:spPr/>
         <p:txBody>
-          <a:bodyPr/>
+          <a:bodyPr>
+            <a:normAutofit fontScale="90000"/>
+          </a:bodyPr>
           <a:lstStyle/>
           <a:p>
             <a:r>
@@ -22896,8 +20681,8 @@
         </p:blipFill>
         <p:spPr>
           <a:xfrm>
-            <a:off x="633665" y="1341251"/>
-            <a:ext cx="7681102" cy="4607445"/>
+            <a:off x="633665" y="1005939"/>
+            <a:ext cx="7681102" cy="3455584"/>
           </a:xfrm>
           <a:prstGeom prst="rect">
             <a:avLst/>
@@ -22960,8 +20745,8 @@
         </p:blipFill>
         <p:spPr>
           <a:xfrm>
-            <a:off x="2420670" y="2400667"/>
-            <a:ext cx="4302661" cy="2056667"/>
+            <a:off x="2420671" y="1800501"/>
+            <a:ext cx="4302661" cy="1542500"/>
           </a:xfrm>
           <a:prstGeom prst="rect">
             <a:avLst/>
@@ -22984,8 +20769,8 @@
         </p:blipFill>
         <p:spPr>
           <a:xfrm>
-            <a:off x="2420670" y="2400667"/>
-            <a:ext cx="4302661" cy="2056667"/>
+            <a:off x="2420671" y="1800501"/>
+            <a:ext cx="4302661" cy="1542500"/>
           </a:xfrm>
           <a:prstGeom prst="rect">
             <a:avLst/>
@@ -23004,7 +20789,9 @@
         </p:nvSpPr>
         <p:spPr/>
         <p:txBody>
-          <a:bodyPr/>
+          <a:bodyPr>
+            <a:normAutofit fontScale="90000"/>
+          </a:bodyPr>
           <a:lstStyle/>
           <a:p>
             <a:r>
@@ -23057,8 +20844,8 @@
         </p:blipFill>
         <p:spPr>
           <a:xfrm>
-            <a:off x="363915" y="1413243"/>
-            <a:ext cx="8430241" cy="3887532"/>
+            <a:off x="363915" y="1059932"/>
+            <a:ext cx="8430241" cy="2915649"/>
           </a:xfrm>
           <a:prstGeom prst="rect">
             <a:avLst/>
